--- a/101_CV/cnn_history.pptx
+++ b/101_CV/cnn_history.pptx
@@ -163,10 +163,9 @@
           </a:lstStyle>
           <a:p>
             <a:r>
-              <a:rPr kumimoji="1" lang="ja-JP" altLang="en-US" smtClean="0"/>
+              <a:rPr kumimoji="1" lang="ja-JP" altLang="en-US"/>
               <a:t>マスター タイトルの書式設定</a:t>
             </a:r>
-            <a:endParaRPr kumimoji="1" lang="ja-JP" altLang="en-US"/>
           </a:p>
         </p:txBody>
       </p:sp>
@@ -228,10 +227,9 @@
           </a:lstStyle>
           <a:p>
             <a:r>
-              <a:rPr kumimoji="1" lang="ja-JP" altLang="en-US" smtClean="0"/>
+              <a:rPr kumimoji="1" lang="ja-JP" altLang="en-US"/>
               <a:t>マスター サブタイトルの書式設定</a:t>
             </a:r>
-            <a:endParaRPr kumimoji="1" lang="ja-JP" altLang="en-US"/>
           </a:p>
         </p:txBody>
       </p:sp>
@@ -252,7 +250,7 @@
           <a:p>
             <a:fld id="{7F558650-C7CD-4D54-B4AA-5AC4A595C13B}" type="datetimeFigureOut">
               <a:rPr kumimoji="1" lang="ja-JP" altLang="en-US" smtClean="0"/>
-              <a:t>2022/2/23</a:t>
+              <a:t>2022/2/24</a:t>
             </a:fld>
             <a:endParaRPr kumimoji="1" lang="ja-JP" altLang="en-US"/>
           </a:p>
@@ -346,10 +344,9 @@
           <a:lstStyle/>
           <a:p>
             <a:r>
-              <a:rPr kumimoji="1" lang="ja-JP" altLang="en-US" smtClean="0"/>
+              <a:rPr kumimoji="1" lang="ja-JP" altLang="en-US"/>
               <a:t>マスター タイトルの書式設定</a:t>
             </a:r>
-            <a:endParaRPr kumimoji="1" lang="ja-JP" altLang="en-US"/>
           </a:p>
         </p:txBody>
       </p:sp>
@@ -370,70 +367,69 @@
           <a:p>
             <a:pPr lvl="0"/>
             <a:r>
-              <a:rPr kumimoji="1" lang="ja-JP" altLang="en-US" smtClean="0"/>
+              <a:rPr kumimoji="1" lang="ja-JP" altLang="en-US"/>
               <a:t>マスター テキストの書式設定</a:t>
             </a:r>
           </a:p>
           <a:p>
             <a:pPr lvl="1"/>
             <a:r>
-              <a:rPr kumimoji="1" lang="ja-JP" altLang="en-US" smtClean="0"/>
+              <a:rPr kumimoji="1" lang="ja-JP" altLang="en-US"/>
               <a:t>第 </a:t>
             </a:r>
             <a:r>
-              <a:rPr kumimoji="1" lang="en-US" altLang="ja-JP" smtClean="0"/>
+              <a:rPr kumimoji="1" lang="en-US" altLang="ja-JP"/>
               <a:t>2 </a:t>
             </a:r>
             <a:r>
-              <a:rPr kumimoji="1" lang="ja-JP" altLang="en-US" smtClean="0"/>
+              <a:rPr kumimoji="1" lang="ja-JP" altLang="en-US"/>
               <a:t>レベル</a:t>
             </a:r>
           </a:p>
           <a:p>
             <a:pPr lvl="2"/>
             <a:r>
-              <a:rPr kumimoji="1" lang="ja-JP" altLang="en-US" smtClean="0"/>
+              <a:rPr kumimoji="1" lang="ja-JP" altLang="en-US"/>
               <a:t>第 </a:t>
             </a:r>
             <a:r>
-              <a:rPr kumimoji="1" lang="en-US" altLang="ja-JP" smtClean="0"/>
+              <a:rPr kumimoji="1" lang="en-US" altLang="ja-JP"/>
               <a:t>3 </a:t>
             </a:r>
             <a:r>
-              <a:rPr kumimoji="1" lang="ja-JP" altLang="en-US" smtClean="0"/>
+              <a:rPr kumimoji="1" lang="ja-JP" altLang="en-US"/>
               <a:t>レベル</a:t>
             </a:r>
           </a:p>
           <a:p>
             <a:pPr lvl="3"/>
             <a:r>
-              <a:rPr kumimoji="1" lang="ja-JP" altLang="en-US" smtClean="0"/>
+              <a:rPr kumimoji="1" lang="ja-JP" altLang="en-US"/>
               <a:t>第 </a:t>
             </a:r>
             <a:r>
-              <a:rPr kumimoji="1" lang="en-US" altLang="ja-JP" smtClean="0"/>
+              <a:rPr kumimoji="1" lang="en-US" altLang="ja-JP"/>
               <a:t>4 </a:t>
             </a:r>
             <a:r>
-              <a:rPr kumimoji="1" lang="ja-JP" altLang="en-US" smtClean="0"/>
+              <a:rPr kumimoji="1" lang="ja-JP" altLang="en-US"/>
               <a:t>レベル</a:t>
             </a:r>
           </a:p>
           <a:p>
             <a:pPr lvl="4"/>
             <a:r>
-              <a:rPr kumimoji="1" lang="ja-JP" altLang="en-US" smtClean="0"/>
+              <a:rPr kumimoji="1" lang="ja-JP" altLang="en-US"/>
               <a:t>第 </a:t>
             </a:r>
             <a:r>
-              <a:rPr kumimoji="1" lang="en-US" altLang="ja-JP" smtClean="0"/>
+              <a:rPr kumimoji="1" lang="en-US" altLang="ja-JP"/>
               <a:t>5 </a:t>
             </a:r>
             <a:r>
-              <a:rPr kumimoji="1" lang="ja-JP" altLang="en-US" smtClean="0"/>
+              <a:rPr kumimoji="1" lang="ja-JP" altLang="en-US"/>
               <a:t>レベル</a:t>
             </a:r>
-            <a:endParaRPr kumimoji="1" lang="ja-JP" altLang="en-US"/>
           </a:p>
         </p:txBody>
       </p:sp>
@@ -454,7 +450,7 @@
           <a:p>
             <a:fld id="{7F558650-C7CD-4D54-B4AA-5AC4A595C13B}" type="datetimeFigureOut">
               <a:rPr kumimoji="1" lang="ja-JP" altLang="en-US" smtClean="0"/>
-              <a:t>2022/2/23</a:t>
+              <a:t>2022/2/24</a:t>
             </a:fld>
             <a:endParaRPr kumimoji="1" lang="ja-JP" altLang="en-US"/>
           </a:p>
@@ -553,10 +549,9 @@
           <a:lstStyle/>
           <a:p>
             <a:r>
-              <a:rPr kumimoji="1" lang="ja-JP" altLang="en-US" smtClean="0"/>
+              <a:rPr kumimoji="1" lang="ja-JP" altLang="en-US"/>
               <a:t>マスター タイトルの書式設定</a:t>
             </a:r>
-            <a:endParaRPr kumimoji="1" lang="ja-JP" altLang="en-US"/>
           </a:p>
         </p:txBody>
       </p:sp>
@@ -582,70 +577,69 @@
           <a:p>
             <a:pPr lvl="0"/>
             <a:r>
-              <a:rPr kumimoji="1" lang="ja-JP" altLang="en-US" smtClean="0"/>
+              <a:rPr kumimoji="1" lang="ja-JP" altLang="en-US"/>
               <a:t>マスター テキストの書式設定</a:t>
             </a:r>
           </a:p>
           <a:p>
             <a:pPr lvl="1"/>
             <a:r>
-              <a:rPr kumimoji="1" lang="ja-JP" altLang="en-US" smtClean="0"/>
+              <a:rPr kumimoji="1" lang="ja-JP" altLang="en-US"/>
               <a:t>第 </a:t>
             </a:r>
             <a:r>
-              <a:rPr kumimoji="1" lang="en-US" altLang="ja-JP" smtClean="0"/>
+              <a:rPr kumimoji="1" lang="en-US" altLang="ja-JP"/>
               <a:t>2 </a:t>
             </a:r>
             <a:r>
-              <a:rPr kumimoji="1" lang="ja-JP" altLang="en-US" smtClean="0"/>
+              <a:rPr kumimoji="1" lang="ja-JP" altLang="en-US"/>
               <a:t>レベル</a:t>
             </a:r>
           </a:p>
           <a:p>
             <a:pPr lvl="2"/>
             <a:r>
-              <a:rPr kumimoji="1" lang="ja-JP" altLang="en-US" smtClean="0"/>
+              <a:rPr kumimoji="1" lang="ja-JP" altLang="en-US"/>
               <a:t>第 </a:t>
             </a:r>
             <a:r>
-              <a:rPr kumimoji="1" lang="en-US" altLang="ja-JP" smtClean="0"/>
+              <a:rPr kumimoji="1" lang="en-US" altLang="ja-JP"/>
               <a:t>3 </a:t>
             </a:r>
             <a:r>
-              <a:rPr kumimoji="1" lang="ja-JP" altLang="en-US" smtClean="0"/>
+              <a:rPr kumimoji="1" lang="ja-JP" altLang="en-US"/>
               <a:t>レベル</a:t>
             </a:r>
           </a:p>
           <a:p>
             <a:pPr lvl="3"/>
             <a:r>
-              <a:rPr kumimoji="1" lang="ja-JP" altLang="en-US" smtClean="0"/>
+              <a:rPr kumimoji="1" lang="ja-JP" altLang="en-US"/>
               <a:t>第 </a:t>
             </a:r>
             <a:r>
-              <a:rPr kumimoji="1" lang="en-US" altLang="ja-JP" smtClean="0"/>
+              <a:rPr kumimoji="1" lang="en-US" altLang="ja-JP"/>
               <a:t>4 </a:t>
             </a:r>
             <a:r>
-              <a:rPr kumimoji="1" lang="ja-JP" altLang="en-US" smtClean="0"/>
+              <a:rPr kumimoji="1" lang="ja-JP" altLang="en-US"/>
               <a:t>レベル</a:t>
             </a:r>
           </a:p>
           <a:p>
             <a:pPr lvl="4"/>
             <a:r>
-              <a:rPr kumimoji="1" lang="ja-JP" altLang="en-US" smtClean="0"/>
+              <a:rPr kumimoji="1" lang="ja-JP" altLang="en-US"/>
               <a:t>第 </a:t>
             </a:r>
             <a:r>
-              <a:rPr kumimoji="1" lang="en-US" altLang="ja-JP" smtClean="0"/>
+              <a:rPr kumimoji="1" lang="en-US" altLang="ja-JP"/>
               <a:t>5 </a:t>
             </a:r>
             <a:r>
-              <a:rPr kumimoji="1" lang="ja-JP" altLang="en-US" smtClean="0"/>
+              <a:rPr kumimoji="1" lang="ja-JP" altLang="en-US"/>
               <a:t>レベル</a:t>
             </a:r>
-            <a:endParaRPr kumimoji="1" lang="ja-JP" altLang="en-US"/>
           </a:p>
         </p:txBody>
       </p:sp>
@@ -666,7 +660,7 @@
           <a:p>
             <a:fld id="{7F558650-C7CD-4D54-B4AA-5AC4A595C13B}" type="datetimeFigureOut">
               <a:rPr kumimoji="1" lang="ja-JP" altLang="en-US" smtClean="0"/>
-              <a:t>2022/2/23</a:t>
+              <a:t>2022/2/24</a:t>
             </a:fld>
             <a:endParaRPr kumimoji="1" lang="ja-JP" altLang="en-US"/>
           </a:p>
@@ -760,10 +754,9 @@
           <a:lstStyle/>
           <a:p>
             <a:r>
-              <a:rPr kumimoji="1" lang="ja-JP" altLang="en-US" smtClean="0"/>
+              <a:rPr kumimoji="1" lang="ja-JP" altLang="en-US"/>
               <a:t>マスター タイトルの書式設定</a:t>
             </a:r>
-            <a:endParaRPr kumimoji="1" lang="ja-JP" altLang="en-US"/>
           </a:p>
         </p:txBody>
       </p:sp>
@@ -784,70 +777,69 @@
           <a:p>
             <a:pPr lvl="0"/>
             <a:r>
-              <a:rPr kumimoji="1" lang="ja-JP" altLang="en-US" smtClean="0"/>
+              <a:rPr kumimoji="1" lang="ja-JP" altLang="en-US"/>
               <a:t>マスター テキストの書式設定</a:t>
             </a:r>
           </a:p>
           <a:p>
             <a:pPr lvl="1"/>
             <a:r>
-              <a:rPr kumimoji="1" lang="ja-JP" altLang="en-US" smtClean="0"/>
+              <a:rPr kumimoji="1" lang="ja-JP" altLang="en-US"/>
               <a:t>第 </a:t>
             </a:r>
             <a:r>
-              <a:rPr kumimoji="1" lang="en-US" altLang="ja-JP" smtClean="0"/>
+              <a:rPr kumimoji="1" lang="en-US" altLang="ja-JP"/>
               <a:t>2 </a:t>
             </a:r>
             <a:r>
-              <a:rPr kumimoji="1" lang="ja-JP" altLang="en-US" smtClean="0"/>
+              <a:rPr kumimoji="1" lang="ja-JP" altLang="en-US"/>
               <a:t>レベル</a:t>
             </a:r>
           </a:p>
           <a:p>
             <a:pPr lvl="2"/>
             <a:r>
-              <a:rPr kumimoji="1" lang="ja-JP" altLang="en-US" smtClean="0"/>
+              <a:rPr kumimoji="1" lang="ja-JP" altLang="en-US"/>
               <a:t>第 </a:t>
             </a:r>
             <a:r>
-              <a:rPr kumimoji="1" lang="en-US" altLang="ja-JP" smtClean="0"/>
+              <a:rPr kumimoji="1" lang="en-US" altLang="ja-JP"/>
               <a:t>3 </a:t>
             </a:r>
             <a:r>
-              <a:rPr kumimoji="1" lang="ja-JP" altLang="en-US" smtClean="0"/>
+              <a:rPr kumimoji="1" lang="ja-JP" altLang="en-US"/>
               <a:t>レベル</a:t>
             </a:r>
           </a:p>
           <a:p>
             <a:pPr lvl="3"/>
             <a:r>
-              <a:rPr kumimoji="1" lang="ja-JP" altLang="en-US" smtClean="0"/>
+              <a:rPr kumimoji="1" lang="ja-JP" altLang="en-US"/>
               <a:t>第 </a:t>
             </a:r>
             <a:r>
-              <a:rPr kumimoji="1" lang="en-US" altLang="ja-JP" smtClean="0"/>
+              <a:rPr kumimoji="1" lang="en-US" altLang="ja-JP"/>
               <a:t>4 </a:t>
             </a:r>
             <a:r>
-              <a:rPr kumimoji="1" lang="ja-JP" altLang="en-US" smtClean="0"/>
+              <a:rPr kumimoji="1" lang="ja-JP" altLang="en-US"/>
               <a:t>レベル</a:t>
             </a:r>
           </a:p>
           <a:p>
             <a:pPr lvl="4"/>
             <a:r>
-              <a:rPr kumimoji="1" lang="ja-JP" altLang="en-US" smtClean="0"/>
+              <a:rPr kumimoji="1" lang="ja-JP" altLang="en-US"/>
               <a:t>第 </a:t>
             </a:r>
             <a:r>
-              <a:rPr kumimoji="1" lang="en-US" altLang="ja-JP" smtClean="0"/>
+              <a:rPr kumimoji="1" lang="en-US" altLang="ja-JP"/>
               <a:t>5 </a:t>
             </a:r>
             <a:r>
-              <a:rPr kumimoji="1" lang="ja-JP" altLang="en-US" smtClean="0"/>
+              <a:rPr kumimoji="1" lang="ja-JP" altLang="en-US"/>
               <a:t>レベル</a:t>
             </a:r>
-            <a:endParaRPr kumimoji="1" lang="ja-JP" altLang="en-US"/>
           </a:p>
         </p:txBody>
       </p:sp>
@@ -868,7 +860,7 @@
           <a:p>
             <a:fld id="{7F558650-C7CD-4D54-B4AA-5AC4A595C13B}" type="datetimeFigureOut">
               <a:rPr kumimoji="1" lang="ja-JP" altLang="en-US" smtClean="0"/>
-              <a:t>2022/2/23</a:t>
+              <a:t>2022/2/24</a:t>
             </a:fld>
             <a:endParaRPr kumimoji="1" lang="ja-JP" altLang="en-US"/>
           </a:p>
@@ -971,10 +963,9 @@
           </a:lstStyle>
           <a:p>
             <a:r>
-              <a:rPr kumimoji="1" lang="ja-JP" altLang="en-US" smtClean="0"/>
+              <a:rPr kumimoji="1" lang="ja-JP" altLang="en-US"/>
               <a:t>マスター タイトルの書式設定</a:t>
             </a:r>
-            <a:endParaRPr kumimoji="1" lang="ja-JP" altLang="en-US"/>
           </a:p>
         </p:txBody>
       </p:sp>
@@ -1091,7 +1082,7 @@
           <a:p>
             <a:pPr lvl="0"/>
             <a:r>
-              <a:rPr kumimoji="1" lang="ja-JP" altLang="en-US" smtClean="0"/>
+              <a:rPr kumimoji="1" lang="ja-JP" altLang="en-US"/>
               <a:t>マスター テキストの書式設定</a:t>
             </a:r>
           </a:p>
@@ -1114,7 +1105,7 @@
           <a:p>
             <a:fld id="{7F558650-C7CD-4D54-B4AA-5AC4A595C13B}" type="datetimeFigureOut">
               <a:rPr kumimoji="1" lang="ja-JP" altLang="en-US" smtClean="0"/>
-              <a:t>2022/2/23</a:t>
+              <a:t>2022/2/24</a:t>
             </a:fld>
             <a:endParaRPr kumimoji="1" lang="ja-JP" altLang="en-US"/>
           </a:p>
@@ -1208,10 +1199,9 @@
           <a:lstStyle/>
           <a:p>
             <a:r>
-              <a:rPr kumimoji="1" lang="ja-JP" altLang="en-US" smtClean="0"/>
+              <a:rPr kumimoji="1" lang="ja-JP" altLang="en-US"/>
               <a:t>マスター タイトルの書式設定</a:t>
             </a:r>
-            <a:endParaRPr kumimoji="1" lang="ja-JP" altLang="en-US"/>
           </a:p>
         </p:txBody>
       </p:sp>
@@ -1237,70 +1227,69 @@
           <a:p>
             <a:pPr lvl="0"/>
             <a:r>
-              <a:rPr kumimoji="1" lang="ja-JP" altLang="en-US" smtClean="0"/>
+              <a:rPr kumimoji="1" lang="ja-JP" altLang="en-US"/>
               <a:t>マスター テキストの書式設定</a:t>
             </a:r>
           </a:p>
           <a:p>
             <a:pPr lvl="1"/>
             <a:r>
-              <a:rPr kumimoji="1" lang="ja-JP" altLang="en-US" smtClean="0"/>
+              <a:rPr kumimoji="1" lang="ja-JP" altLang="en-US"/>
               <a:t>第 </a:t>
             </a:r>
             <a:r>
-              <a:rPr kumimoji="1" lang="en-US" altLang="ja-JP" smtClean="0"/>
+              <a:rPr kumimoji="1" lang="en-US" altLang="ja-JP"/>
               <a:t>2 </a:t>
             </a:r>
             <a:r>
-              <a:rPr kumimoji="1" lang="ja-JP" altLang="en-US" smtClean="0"/>
+              <a:rPr kumimoji="1" lang="ja-JP" altLang="en-US"/>
               <a:t>レベル</a:t>
             </a:r>
           </a:p>
           <a:p>
             <a:pPr lvl="2"/>
             <a:r>
-              <a:rPr kumimoji="1" lang="ja-JP" altLang="en-US" smtClean="0"/>
+              <a:rPr kumimoji="1" lang="ja-JP" altLang="en-US"/>
               <a:t>第 </a:t>
             </a:r>
             <a:r>
-              <a:rPr kumimoji="1" lang="en-US" altLang="ja-JP" smtClean="0"/>
+              <a:rPr kumimoji="1" lang="en-US" altLang="ja-JP"/>
               <a:t>3 </a:t>
             </a:r>
             <a:r>
-              <a:rPr kumimoji="1" lang="ja-JP" altLang="en-US" smtClean="0"/>
+              <a:rPr kumimoji="1" lang="ja-JP" altLang="en-US"/>
               <a:t>レベル</a:t>
             </a:r>
           </a:p>
           <a:p>
             <a:pPr lvl="3"/>
             <a:r>
-              <a:rPr kumimoji="1" lang="ja-JP" altLang="en-US" smtClean="0"/>
+              <a:rPr kumimoji="1" lang="ja-JP" altLang="en-US"/>
               <a:t>第 </a:t>
             </a:r>
             <a:r>
-              <a:rPr kumimoji="1" lang="en-US" altLang="ja-JP" smtClean="0"/>
+              <a:rPr kumimoji="1" lang="en-US" altLang="ja-JP"/>
               <a:t>4 </a:t>
             </a:r>
             <a:r>
-              <a:rPr kumimoji="1" lang="ja-JP" altLang="en-US" smtClean="0"/>
+              <a:rPr kumimoji="1" lang="ja-JP" altLang="en-US"/>
               <a:t>レベル</a:t>
             </a:r>
           </a:p>
           <a:p>
             <a:pPr lvl="4"/>
             <a:r>
-              <a:rPr kumimoji="1" lang="ja-JP" altLang="en-US" smtClean="0"/>
+              <a:rPr kumimoji="1" lang="ja-JP" altLang="en-US"/>
               <a:t>第 </a:t>
             </a:r>
             <a:r>
-              <a:rPr kumimoji="1" lang="en-US" altLang="ja-JP" smtClean="0"/>
+              <a:rPr kumimoji="1" lang="en-US" altLang="ja-JP"/>
               <a:t>5 </a:t>
             </a:r>
             <a:r>
-              <a:rPr kumimoji="1" lang="ja-JP" altLang="en-US" smtClean="0"/>
+              <a:rPr kumimoji="1" lang="ja-JP" altLang="en-US"/>
               <a:t>レベル</a:t>
             </a:r>
-            <a:endParaRPr kumimoji="1" lang="ja-JP" altLang="en-US"/>
           </a:p>
         </p:txBody>
       </p:sp>
@@ -1326,70 +1315,69 @@
           <a:p>
             <a:pPr lvl="0"/>
             <a:r>
-              <a:rPr kumimoji="1" lang="ja-JP" altLang="en-US" smtClean="0"/>
+              <a:rPr kumimoji="1" lang="ja-JP" altLang="en-US"/>
               <a:t>マスター テキストの書式設定</a:t>
             </a:r>
           </a:p>
           <a:p>
             <a:pPr lvl="1"/>
             <a:r>
-              <a:rPr kumimoji="1" lang="ja-JP" altLang="en-US" smtClean="0"/>
+              <a:rPr kumimoji="1" lang="ja-JP" altLang="en-US"/>
               <a:t>第 </a:t>
             </a:r>
             <a:r>
-              <a:rPr kumimoji="1" lang="en-US" altLang="ja-JP" smtClean="0"/>
+              <a:rPr kumimoji="1" lang="en-US" altLang="ja-JP"/>
               <a:t>2 </a:t>
             </a:r>
             <a:r>
-              <a:rPr kumimoji="1" lang="ja-JP" altLang="en-US" smtClean="0"/>
+              <a:rPr kumimoji="1" lang="ja-JP" altLang="en-US"/>
               <a:t>レベル</a:t>
             </a:r>
           </a:p>
           <a:p>
             <a:pPr lvl="2"/>
             <a:r>
-              <a:rPr kumimoji="1" lang="ja-JP" altLang="en-US" smtClean="0"/>
+              <a:rPr kumimoji="1" lang="ja-JP" altLang="en-US"/>
               <a:t>第 </a:t>
             </a:r>
             <a:r>
-              <a:rPr kumimoji="1" lang="en-US" altLang="ja-JP" smtClean="0"/>
+              <a:rPr kumimoji="1" lang="en-US" altLang="ja-JP"/>
               <a:t>3 </a:t>
             </a:r>
             <a:r>
-              <a:rPr kumimoji="1" lang="ja-JP" altLang="en-US" smtClean="0"/>
+              <a:rPr kumimoji="1" lang="ja-JP" altLang="en-US"/>
               <a:t>レベル</a:t>
             </a:r>
           </a:p>
           <a:p>
             <a:pPr lvl="3"/>
             <a:r>
-              <a:rPr kumimoji="1" lang="ja-JP" altLang="en-US" smtClean="0"/>
+              <a:rPr kumimoji="1" lang="ja-JP" altLang="en-US"/>
               <a:t>第 </a:t>
             </a:r>
             <a:r>
-              <a:rPr kumimoji="1" lang="en-US" altLang="ja-JP" smtClean="0"/>
+              <a:rPr kumimoji="1" lang="en-US" altLang="ja-JP"/>
               <a:t>4 </a:t>
             </a:r>
             <a:r>
-              <a:rPr kumimoji="1" lang="ja-JP" altLang="en-US" smtClean="0"/>
+              <a:rPr kumimoji="1" lang="ja-JP" altLang="en-US"/>
               <a:t>レベル</a:t>
             </a:r>
           </a:p>
           <a:p>
             <a:pPr lvl="4"/>
             <a:r>
-              <a:rPr kumimoji="1" lang="ja-JP" altLang="en-US" smtClean="0"/>
+              <a:rPr kumimoji="1" lang="ja-JP" altLang="en-US"/>
               <a:t>第 </a:t>
             </a:r>
             <a:r>
-              <a:rPr kumimoji="1" lang="en-US" altLang="ja-JP" smtClean="0"/>
+              <a:rPr kumimoji="1" lang="en-US" altLang="ja-JP"/>
               <a:t>5 </a:t>
             </a:r>
             <a:r>
-              <a:rPr kumimoji="1" lang="ja-JP" altLang="en-US" smtClean="0"/>
+              <a:rPr kumimoji="1" lang="ja-JP" altLang="en-US"/>
               <a:t>レベル</a:t>
             </a:r>
-            <a:endParaRPr kumimoji="1" lang="ja-JP" altLang="en-US"/>
           </a:p>
         </p:txBody>
       </p:sp>
@@ -1410,7 +1398,7 @@
           <a:p>
             <a:fld id="{7F558650-C7CD-4D54-B4AA-5AC4A595C13B}" type="datetimeFigureOut">
               <a:rPr kumimoji="1" lang="ja-JP" altLang="en-US" smtClean="0"/>
-              <a:t>2022/2/23</a:t>
+              <a:t>2022/2/24</a:t>
             </a:fld>
             <a:endParaRPr kumimoji="1" lang="ja-JP" altLang="en-US"/>
           </a:p>
@@ -1509,10 +1497,9 @@
           <a:lstStyle/>
           <a:p>
             <a:r>
-              <a:rPr kumimoji="1" lang="ja-JP" altLang="en-US" smtClean="0"/>
+              <a:rPr kumimoji="1" lang="ja-JP" altLang="en-US"/>
               <a:t>マスター タイトルの書式設定</a:t>
             </a:r>
-            <a:endParaRPr kumimoji="1" lang="ja-JP" altLang="en-US"/>
           </a:p>
         </p:txBody>
       </p:sp>
@@ -1575,7 +1562,7 @@
           <a:p>
             <a:pPr lvl="0"/>
             <a:r>
-              <a:rPr kumimoji="1" lang="ja-JP" altLang="en-US" smtClean="0"/>
+              <a:rPr kumimoji="1" lang="ja-JP" altLang="en-US"/>
               <a:t>マスター テキストの書式設定</a:t>
             </a:r>
           </a:p>
@@ -1603,70 +1590,69 @@
           <a:p>
             <a:pPr lvl="0"/>
             <a:r>
-              <a:rPr kumimoji="1" lang="ja-JP" altLang="en-US" smtClean="0"/>
+              <a:rPr kumimoji="1" lang="ja-JP" altLang="en-US"/>
               <a:t>マスター テキストの書式設定</a:t>
             </a:r>
           </a:p>
           <a:p>
             <a:pPr lvl="1"/>
             <a:r>
-              <a:rPr kumimoji="1" lang="ja-JP" altLang="en-US" smtClean="0"/>
+              <a:rPr kumimoji="1" lang="ja-JP" altLang="en-US"/>
               <a:t>第 </a:t>
             </a:r>
             <a:r>
-              <a:rPr kumimoji="1" lang="en-US" altLang="ja-JP" smtClean="0"/>
+              <a:rPr kumimoji="1" lang="en-US" altLang="ja-JP"/>
               <a:t>2 </a:t>
             </a:r>
             <a:r>
-              <a:rPr kumimoji="1" lang="ja-JP" altLang="en-US" smtClean="0"/>
+              <a:rPr kumimoji="1" lang="ja-JP" altLang="en-US"/>
               <a:t>レベル</a:t>
             </a:r>
           </a:p>
           <a:p>
             <a:pPr lvl="2"/>
             <a:r>
-              <a:rPr kumimoji="1" lang="ja-JP" altLang="en-US" smtClean="0"/>
+              <a:rPr kumimoji="1" lang="ja-JP" altLang="en-US"/>
               <a:t>第 </a:t>
             </a:r>
             <a:r>
-              <a:rPr kumimoji="1" lang="en-US" altLang="ja-JP" smtClean="0"/>
+              <a:rPr kumimoji="1" lang="en-US" altLang="ja-JP"/>
               <a:t>3 </a:t>
             </a:r>
             <a:r>
-              <a:rPr kumimoji="1" lang="ja-JP" altLang="en-US" smtClean="0"/>
+              <a:rPr kumimoji="1" lang="ja-JP" altLang="en-US"/>
               <a:t>レベル</a:t>
             </a:r>
           </a:p>
           <a:p>
             <a:pPr lvl="3"/>
             <a:r>
-              <a:rPr kumimoji="1" lang="ja-JP" altLang="en-US" smtClean="0"/>
+              <a:rPr kumimoji="1" lang="ja-JP" altLang="en-US"/>
               <a:t>第 </a:t>
             </a:r>
             <a:r>
-              <a:rPr kumimoji="1" lang="en-US" altLang="ja-JP" smtClean="0"/>
+              <a:rPr kumimoji="1" lang="en-US" altLang="ja-JP"/>
               <a:t>4 </a:t>
             </a:r>
             <a:r>
-              <a:rPr kumimoji="1" lang="ja-JP" altLang="en-US" smtClean="0"/>
+              <a:rPr kumimoji="1" lang="ja-JP" altLang="en-US"/>
               <a:t>レベル</a:t>
             </a:r>
           </a:p>
           <a:p>
             <a:pPr lvl="4"/>
             <a:r>
-              <a:rPr kumimoji="1" lang="ja-JP" altLang="en-US" smtClean="0"/>
+              <a:rPr kumimoji="1" lang="ja-JP" altLang="en-US"/>
               <a:t>第 </a:t>
             </a:r>
             <a:r>
-              <a:rPr kumimoji="1" lang="en-US" altLang="ja-JP" smtClean="0"/>
+              <a:rPr kumimoji="1" lang="en-US" altLang="ja-JP"/>
               <a:t>5 </a:t>
             </a:r>
             <a:r>
-              <a:rPr kumimoji="1" lang="ja-JP" altLang="en-US" smtClean="0"/>
+              <a:rPr kumimoji="1" lang="ja-JP" altLang="en-US"/>
               <a:t>レベル</a:t>
             </a:r>
-            <a:endParaRPr kumimoji="1" lang="ja-JP" altLang="en-US"/>
           </a:p>
         </p:txBody>
       </p:sp>
@@ -1729,7 +1715,7 @@
           <a:p>
             <a:pPr lvl="0"/>
             <a:r>
-              <a:rPr kumimoji="1" lang="ja-JP" altLang="en-US" smtClean="0"/>
+              <a:rPr kumimoji="1" lang="ja-JP" altLang="en-US"/>
               <a:t>マスター テキストの書式設定</a:t>
             </a:r>
           </a:p>
@@ -1757,70 +1743,69 @@
           <a:p>
             <a:pPr lvl="0"/>
             <a:r>
-              <a:rPr kumimoji="1" lang="ja-JP" altLang="en-US" smtClean="0"/>
+              <a:rPr kumimoji="1" lang="ja-JP" altLang="en-US"/>
               <a:t>マスター テキストの書式設定</a:t>
             </a:r>
           </a:p>
           <a:p>
             <a:pPr lvl="1"/>
             <a:r>
-              <a:rPr kumimoji="1" lang="ja-JP" altLang="en-US" smtClean="0"/>
+              <a:rPr kumimoji="1" lang="ja-JP" altLang="en-US"/>
               <a:t>第 </a:t>
             </a:r>
             <a:r>
-              <a:rPr kumimoji="1" lang="en-US" altLang="ja-JP" smtClean="0"/>
+              <a:rPr kumimoji="1" lang="en-US" altLang="ja-JP"/>
               <a:t>2 </a:t>
             </a:r>
             <a:r>
-              <a:rPr kumimoji="1" lang="ja-JP" altLang="en-US" smtClean="0"/>
+              <a:rPr kumimoji="1" lang="ja-JP" altLang="en-US"/>
               <a:t>レベル</a:t>
             </a:r>
           </a:p>
           <a:p>
             <a:pPr lvl="2"/>
             <a:r>
-              <a:rPr kumimoji="1" lang="ja-JP" altLang="en-US" smtClean="0"/>
+              <a:rPr kumimoji="1" lang="ja-JP" altLang="en-US"/>
               <a:t>第 </a:t>
             </a:r>
             <a:r>
-              <a:rPr kumimoji="1" lang="en-US" altLang="ja-JP" smtClean="0"/>
+              <a:rPr kumimoji="1" lang="en-US" altLang="ja-JP"/>
               <a:t>3 </a:t>
             </a:r>
             <a:r>
-              <a:rPr kumimoji="1" lang="ja-JP" altLang="en-US" smtClean="0"/>
+              <a:rPr kumimoji="1" lang="ja-JP" altLang="en-US"/>
               <a:t>レベル</a:t>
             </a:r>
           </a:p>
           <a:p>
             <a:pPr lvl="3"/>
             <a:r>
-              <a:rPr kumimoji="1" lang="ja-JP" altLang="en-US" smtClean="0"/>
+              <a:rPr kumimoji="1" lang="ja-JP" altLang="en-US"/>
               <a:t>第 </a:t>
             </a:r>
             <a:r>
-              <a:rPr kumimoji="1" lang="en-US" altLang="ja-JP" smtClean="0"/>
+              <a:rPr kumimoji="1" lang="en-US" altLang="ja-JP"/>
               <a:t>4 </a:t>
             </a:r>
             <a:r>
-              <a:rPr kumimoji="1" lang="ja-JP" altLang="en-US" smtClean="0"/>
+              <a:rPr kumimoji="1" lang="ja-JP" altLang="en-US"/>
               <a:t>レベル</a:t>
             </a:r>
           </a:p>
           <a:p>
             <a:pPr lvl="4"/>
             <a:r>
-              <a:rPr kumimoji="1" lang="ja-JP" altLang="en-US" smtClean="0"/>
+              <a:rPr kumimoji="1" lang="ja-JP" altLang="en-US"/>
               <a:t>第 </a:t>
             </a:r>
             <a:r>
-              <a:rPr kumimoji="1" lang="en-US" altLang="ja-JP" smtClean="0"/>
+              <a:rPr kumimoji="1" lang="en-US" altLang="ja-JP"/>
               <a:t>5 </a:t>
             </a:r>
             <a:r>
-              <a:rPr kumimoji="1" lang="ja-JP" altLang="en-US" smtClean="0"/>
+              <a:rPr kumimoji="1" lang="ja-JP" altLang="en-US"/>
               <a:t>レベル</a:t>
             </a:r>
-            <a:endParaRPr kumimoji="1" lang="ja-JP" altLang="en-US"/>
           </a:p>
         </p:txBody>
       </p:sp>
@@ -1841,7 +1826,7 @@
           <a:p>
             <a:fld id="{7F558650-C7CD-4D54-B4AA-5AC4A595C13B}" type="datetimeFigureOut">
               <a:rPr kumimoji="1" lang="ja-JP" altLang="en-US" smtClean="0"/>
-              <a:t>2022/2/23</a:t>
+              <a:t>2022/2/24</a:t>
             </a:fld>
             <a:endParaRPr kumimoji="1" lang="ja-JP" altLang="en-US"/>
           </a:p>
@@ -1935,10 +1920,9 @@
           <a:lstStyle/>
           <a:p>
             <a:r>
-              <a:rPr kumimoji="1" lang="ja-JP" altLang="en-US" smtClean="0"/>
+              <a:rPr kumimoji="1" lang="ja-JP" altLang="en-US"/>
               <a:t>マスター タイトルの書式設定</a:t>
             </a:r>
-            <a:endParaRPr kumimoji="1" lang="ja-JP" altLang="en-US"/>
           </a:p>
         </p:txBody>
       </p:sp>
@@ -1959,7 +1943,7 @@
           <a:p>
             <a:fld id="{7F558650-C7CD-4D54-B4AA-5AC4A595C13B}" type="datetimeFigureOut">
               <a:rPr kumimoji="1" lang="ja-JP" altLang="en-US" smtClean="0"/>
-              <a:t>2022/2/23</a:t>
+              <a:t>2022/2/24</a:t>
             </a:fld>
             <a:endParaRPr kumimoji="1" lang="ja-JP" altLang="en-US"/>
           </a:p>
@@ -2054,7 +2038,7 @@
           <a:p>
             <a:fld id="{7F558650-C7CD-4D54-B4AA-5AC4A595C13B}" type="datetimeFigureOut">
               <a:rPr kumimoji="1" lang="ja-JP" altLang="en-US" smtClean="0"/>
-              <a:t>2022/2/23</a:t>
+              <a:t>2022/2/24</a:t>
             </a:fld>
             <a:endParaRPr kumimoji="1" lang="ja-JP" altLang="en-US"/>
           </a:p>
@@ -2157,10 +2141,9 @@
           </a:lstStyle>
           <a:p>
             <a:r>
-              <a:rPr kumimoji="1" lang="ja-JP" altLang="en-US" smtClean="0"/>
+              <a:rPr kumimoji="1" lang="ja-JP" altLang="en-US"/>
               <a:t>マスター タイトルの書式設定</a:t>
             </a:r>
-            <a:endParaRPr kumimoji="1" lang="ja-JP" altLang="en-US"/>
           </a:p>
         </p:txBody>
       </p:sp>
@@ -2214,70 +2197,69 @@
           <a:p>
             <a:pPr lvl="0"/>
             <a:r>
-              <a:rPr kumimoji="1" lang="ja-JP" altLang="en-US" smtClean="0"/>
+              <a:rPr kumimoji="1" lang="ja-JP" altLang="en-US"/>
               <a:t>マスター テキストの書式設定</a:t>
             </a:r>
           </a:p>
           <a:p>
             <a:pPr lvl="1"/>
             <a:r>
-              <a:rPr kumimoji="1" lang="ja-JP" altLang="en-US" smtClean="0"/>
+              <a:rPr kumimoji="1" lang="ja-JP" altLang="en-US"/>
               <a:t>第 </a:t>
             </a:r>
             <a:r>
-              <a:rPr kumimoji="1" lang="en-US" altLang="ja-JP" smtClean="0"/>
+              <a:rPr kumimoji="1" lang="en-US" altLang="ja-JP"/>
               <a:t>2 </a:t>
             </a:r>
             <a:r>
-              <a:rPr kumimoji="1" lang="ja-JP" altLang="en-US" smtClean="0"/>
+              <a:rPr kumimoji="1" lang="ja-JP" altLang="en-US"/>
               <a:t>レベル</a:t>
             </a:r>
           </a:p>
           <a:p>
             <a:pPr lvl="2"/>
             <a:r>
-              <a:rPr kumimoji="1" lang="ja-JP" altLang="en-US" smtClean="0"/>
+              <a:rPr kumimoji="1" lang="ja-JP" altLang="en-US"/>
               <a:t>第 </a:t>
             </a:r>
             <a:r>
-              <a:rPr kumimoji="1" lang="en-US" altLang="ja-JP" smtClean="0"/>
+              <a:rPr kumimoji="1" lang="en-US" altLang="ja-JP"/>
               <a:t>3 </a:t>
             </a:r>
             <a:r>
-              <a:rPr kumimoji="1" lang="ja-JP" altLang="en-US" smtClean="0"/>
+              <a:rPr kumimoji="1" lang="ja-JP" altLang="en-US"/>
               <a:t>レベル</a:t>
             </a:r>
           </a:p>
           <a:p>
             <a:pPr lvl="3"/>
             <a:r>
-              <a:rPr kumimoji="1" lang="ja-JP" altLang="en-US" smtClean="0"/>
+              <a:rPr kumimoji="1" lang="ja-JP" altLang="en-US"/>
               <a:t>第 </a:t>
             </a:r>
             <a:r>
-              <a:rPr kumimoji="1" lang="en-US" altLang="ja-JP" smtClean="0"/>
+              <a:rPr kumimoji="1" lang="en-US" altLang="ja-JP"/>
               <a:t>4 </a:t>
             </a:r>
             <a:r>
-              <a:rPr kumimoji="1" lang="ja-JP" altLang="en-US" smtClean="0"/>
+              <a:rPr kumimoji="1" lang="ja-JP" altLang="en-US"/>
               <a:t>レベル</a:t>
             </a:r>
           </a:p>
           <a:p>
             <a:pPr lvl="4"/>
             <a:r>
-              <a:rPr kumimoji="1" lang="ja-JP" altLang="en-US" smtClean="0"/>
+              <a:rPr kumimoji="1" lang="ja-JP" altLang="en-US"/>
               <a:t>第 </a:t>
             </a:r>
             <a:r>
-              <a:rPr kumimoji="1" lang="en-US" altLang="ja-JP" smtClean="0"/>
+              <a:rPr kumimoji="1" lang="en-US" altLang="ja-JP"/>
               <a:t>5 </a:t>
             </a:r>
             <a:r>
-              <a:rPr kumimoji="1" lang="ja-JP" altLang="en-US" smtClean="0"/>
+              <a:rPr kumimoji="1" lang="ja-JP" altLang="en-US"/>
               <a:t>レベル</a:t>
             </a:r>
-            <a:endParaRPr kumimoji="1" lang="ja-JP" altLang="en-US"/>
           </a:p>
         </p:txBody>
       </p:sp>
@@ -2340,7 +2322,7 @@
           <a:p>
             <a:pPr lvl="0"/>
             <a:r>
-              <a:rPr kumimoji="1" lang="ja-JP" altLang="en-US" smtClean="0"/>
+              <a:rPr kumimoji="1" lang="ja-JP" altLang="en-US"/>
               <a:t>マスター テキストの書式設定</a:t>
             </a:r>
           </a:p>
@@ -2363,7 +2345,7 @@
           <a:p>
             <a:fld id="{7F558650-C7CD-4D54-B4AA-5AC4A595C13B}" type="datetimeFigureOut">
               <a:rPr kumimoji="1" lang="ja-JP" altLang="en-US" smtClean="0"/>
-              <a:t>2022/2/23</a:t>
+              <a:t>2022/2/24</a:t>
             </a:fld>
             <a:endParaRPr kumimoji="1" lang="ja-JP" altLang="en-US"/>
           </a:p>
@@ -2466,10 +2448,9 @@
           </a:lstStyle>
           <a:p>
             <a:r>
-              <a:rPr kumimoji="1" lang="ja-JP" altLang="en-US" smtClean="0"/>
+              <a:rPr kumimoji="1" lang="ja-JP" altLang="en-US"/>
               <a:t>マスター タイトルの書式設定</a:t>
             </a:r>
-            <a:endParaRPr kumimoji="1" lang="ja-JP" altLang="en-US"/>
           </a:p>
         </p:txBody>
       </p:sp>
@@ -2593,7 +2574,7 @@
           <a:p>
             <a:pPr lvl="0"/>
             <a:r>
-              <a:rPr kumimoji="1" lang="ja-JP" altLang="en-US" smtClean="0"/>
+              <a:rPr kumimoji="1" lang="ja-JP" altLang="en-US"/>
               <a:t>マスター テキストの書式設定</a:t>
             </a:r>
           </a:p>
@@ -2616,7 +2597,7 @@
           <a:p>
             <a:fld id="{7F558650-C7CD-4D54-B4AA-5AC4A595C13B}" type="datetimeFigureOut">
               <a:rPr kumimoji="1" lang="ja-JP" altLang="en-US" smtClean="0"/>
-              <a:t>2022/2/23</a:t>
+              <a:t>2022/2/24</a:t>
             </a:fld>
             <a:endParaRPr kumimoji="1" lang="ja-JP" altLang="en-US"/>
           </a:p>
@@ -2725,10 +2706,9 @@
           <a:lstStyle/>
           <a:p>
             <a:r>
-              <a:rPr kumimoji="1" lang="ja-JP" altLang="en-US" smtClean="0"/>
+              <a:rPr kumimoji="1" lang="ja-JP" altLang="en-US"/>
               <a:t>マスター タイトルの書式設定</a:t>
             </a:r>
-            <a:endParaRPr kumimoji="1" lang="ja-JP" altLang="en-US"/>
           </a:p>
         </p:txBody>
       </p:sp>
@@ -2759,70 +2739,69 @@
           <a:p>
             <a:pPr lvl="0"/>
             <a:r>
-              <a:rPr kumimoji="1" lang="ja-JP" altLang="en-US" smtClean="0"/>
+              <a:rPr kumimoji="1" lang="ja-JP" altLang="en-US"/>
               <a:t>マスター テキストの書式設定</a:t>
             </a:r>
           </a:p>
           <a:p>
             <a:pPr lvl="1"/>
             <a:r>
-              <a:rPr kumimoji="1" lang="ja-JP" altLang="en-US" smtClean="0"/>
+              <a:rPr kumimoji="1" lang="ja-JP" altLang="en-US"/>
               <a:t>第 </a:t>
             </a:r>
             <a:r>
-              <a:rPr kumimoji="1" lang="en-US" altLang="ja-JP" smtClean="0"/>
+              <a:rPr kumimoji="1" lang="en-US" altLang="ja-JP"/>
               <a:t>2 </a:t>
             </a:r>
             <a:r>
-              <a:rPr kumimoji="1" lang="ja-JP" altLang="en-US" smtClean="0"/>
+              <a:rPr kumimoji="1" lang="ja-JP" altLang="en-US"/>
               <a:t>レベル</a:t>
             </a:r>
           </a:p>
           <a:p>
             <a:pPr lvl="2"/>
             <a:r>
-              <a:rPr kumimoji="1" lang="ja-JP" altLang="en-US" smtClean="0"/>
+              <a:rPr kumimoji="1" lang="ja-JP" altLang="en-US"/>
               <a:t>第 </a:t>
             </a:r>
             <a:r>
-              <a:rPr kumimoji="1" lang="en-US" altLang="ja-JP" smtClean="0"/>
+              <a:rPr kumimoji="1" lang="en-US" altLang="ja-JP"/>
               <a:t>3 </a:t>
             </a:r>
             <a:r>
-              <a:rPr kumimoji="1" lang="ja-JP" altLang="en-US" smtClean="0"/>
+              <a:rPr kumimoji="1" lang="ja-JP" altLang="en-US"/>
               <a:t>レベル</a:t>
             </a:r>
           </a:p>
           <a:p>
             <a:pPr lvl="3"/>
             <a:r>
-              <a:rPr kumimoji="1" lang="ja-JP" altLang="en-US" smtClean="0"/>
+              <a:rPr kumimoji="1" lang="ja-JP" altLang="en-US"/>
               <a:t>第 </a:t>
             </a:r>
             <a:r>
-              <a:rPr kumimoji="1" lang="en-US" altLang="ja-JP" smtClean="0"/>
+              <a:rPr kumimoji="1" lang="en-US" altLang="ja-JP"/>
               <a:t>4 </a:t>
             </a:r>
             <a:r>
-              <a:rPr kumimoji="1" lang="ja-JP" altLang="en-US" smtClean="0"/>
+              <a:rPr kumimoji="1" lang="ja-JP" altLang="en-US"/>
               <a:t>レベル</a:t>
             </a:r>
           </a:p>
           <a:p>
             <a:pPr lvl="4"/>
             <a:r>
-              <a:rPr kumimoji="1" lang="ja-JP" altLang="en-US" smtClean="0"/>
+              <a:rPr kumimoji="1" lang="ja-JP" altLang="en-US"/>
               <a:t>第 </a:t>
             </a:r>
             <a:r>
-              <a:rPr kumimoji="1" lang="en-US" altLang="ja-JP" smtClean="0"/>
+              <a:rPr kumimoji="1" lang="en-US" altLang="ja-JP"/>
               <a:t>5 </a:t>
             </a:r>
             <a:r>
-              <a:rPr kumimoji="1" lang="ja-JP" altLang="en-US" smtClean="0"/>
+              <a:rPr kumimoji="1" lang="ja-JP" altLang="en-US"/>
               <a:t>レベル</a:t>
             </a:r>
-            <a:endParaRPr kumimoji="1" lang="ja-JP" altLang="en-US"/>
           </a:p>
         </p:txBody>
       </p:sp>
@@ -2861,7 +2840,7 @@
           <a:p>
             <a:fld id="{7F558650-C7CD-4D54-B4AA-5AC4A595C13B}" type="datetimeFigureOut">
               <a:rPr kumimoji="1" lang="ja-JP" altLang="en-US" smtClean="0"/>
-              <a:t>2022/2/23</a:t>
+              <a:t>2022/2/24</a:t>
             </a:fld>
             <a:endParaRPr kumimoji="1" lang="ja-JP" altLang="en-US"/>
           </a:p>
@@ -3282,23 +3261,19 @@
           <a:lstStyle/>
           <a:p>
             <a:r>
-              <a:rPr kumimoji="1" lang="en-US" altLang="ja-JP" dirty="0" smtClean="0">
+              <a:rPr kumimoji="1" lang="en-US" altLang="ja-JP" dirty="0">
                 <a:latin typeface="+mn-lt"/>
                 <a:ea typeface="メイリオ" panose="020B0604030504040204" pitchFamily="50" charset="-128"/>
               </a:rPr>
               <a:t>CV</a:t>
             </a:r>
             <a:r>
-              <a:rPr kumimoji="1" lang="ja-JP" altLang="en-US" dirty="0" smtClean="0">
+              <a:rPr kumimoji="1" lang="ja-JP" altLang="en-US" dirty="0">
                 <a:latin typeface="+mn-lt"/>
                 <a:ea typeface="メイリオ" panose="020B0604030504040204" pitchFamily="50" charset="-128"/>
               </a:rPr>
               <a:t>モデルの歴史</a:t>
             </a:r>
-            <a:endParaRPr kumimoji="1" lang="ja-JP" altLang="en-US" dirty="0">
-              <a:latin typeface="+mn-lt"/>
-              <a:ea typeface="メイリオ" panose="020B0604030504040204" pitchFamily="50" charset="-128"/>
-            </a:endParaRPr>
           </a:p>
         </p:txBody>
       </p:sp>
@@ -3318,14 +3293,11 @@
           <a:lstStyle/>
           <a:p>
             <a:r>
-              <a:rPr kumimoji="1" lang="ja-JP" altLang="en-US" dirty="0" smtClean="0">
+              <a:rPr kumimoji="1" lang="ja-JP" altLang="en-US" dirty="0">
                 <a:ea typeface="メイリオ" panose="020B0604030504040204" pitchFamily="50" charset="-128"/>
               </a:rPr>
               <a:t>中村</a:t>
             </a:r>
-            <a:endParaRPr kumimoji="1" lang="ja-JP" altLang="en-US" dirty="0">
-              <a:ea typeface="メイリオ" panose="020B0604030504040204" pitchFamily="50" charset="-128"/>
-            </a:endParaRPr>
           </a:p>
         </p:txBody>
       </p:sp>
@@ -3375,7 +3347,7 @@
         </p:blipFill>
         <p:spPr>
           <a:xfrm>
-            <a:off x="4195762" y="2062162"/>
+            <a:off x="6573202" y="1746905"/>
             <a:ext cx="3800475" cy="2733675"/>
           </a:xfrm>
           <a:prstGeom prst="rect">
@@ -3391,7 +3363,7 @@
         </p:nvSpPr>
         <p:spPr>
           <a:xfrm>
-            <a:off x="2073835" y="2623671"/>
+            <a:off x="1470329" y="1267851"/>
             <a:ext cx="1278965" cy="245035"/>
           </a:xfrm>
           <a:prstGeom prst="rect">
@@ -3426,18 +3398,1923 @@
           <a:p>
             <a:pPr algn="ctr"/>
             <a:r>
-              <a:rPr kumimoji="1" lang="en-US" altLang="ja-JP" baseline="-3000" dirty="0" smtClean="0">
+              <a:rPr kumimoji="1" lang="en-US" altLang="ja-JP" baseline="-3000" dirty="0">
                 <a:solidFill>
                   <a:schemeClr val="tx1"/>
                 </a:solidFill>
               </a:rPr>
-              <a:t>1x1, </a:t>
+              <a:t>1x1, 128</a:t>
             </a:r>
             <a:endParaRPr kumimoji="1" lang="ja-JP" altLang="en-US" baseline="-3000" dirty="0">
               <a:solidFill>
                 <a:schemeClr val="tx1"/>
               </a:solidFill>
             </a:endParaRPr>
+          </a:p>
+        </p:txBody>
+      </p:sp>
+      <p:sp>
+        <p:nvSpPr>
+          <p:cNvPr id="5" name="正方形/長方形 4">
+            <a:extLst>
+              <a:ext uri="{FF2B5EF4-FFF2-40B4-BE49-F238E27FC236}">
+                <a16:creationId xmlns:a16="http://schemas.microsoft.com/office/drawing/2014/main" id="{991B1113-7529-4061-AB05-EFF3F1E91397}"/>
+              </a:ext>
+            </a:extLst>
+          </p:cNvPr>
+          <p:cNvSpPr/>
+          <p:nvPr/>
+        </p:nvSpPr>
+        <p:spPr>
+          <a:xfrm>
+            <a:off x="1470329" y="1742143"/>
+            <a:ext cx="1278965" cy="245035"/>
+          </a:xfrm>
+          <a:prstGeom prst="rect">
+            <a:avLst/>
+          </a:prstGeom>
+          <a:noFill/>
+          <a:ln>
+            <a:solidFill>
+              <a:schemeClr val="tx1"/>
+            </a:solidFill>
+          </a:ln>
+        </p:spPr>
+        <p:style>
+          <a:lnRef idx="2">
+            <a:schemeClr val="accent1">
+              <a:shade val="50000"/>
+            </a:schemeClr>
+          </a:lnRef>
+          <a:fillRef idx="1">
+            <a:schemeClr val="accent1"/>
+          </a:fillRef>
+          <a:effectRef idx="0">
+            <a:schemeClr val="accent1"/>
+          </a:effectRef>
+          <a:fontRef idx="minor">
+            <a:schemeClr val="lt1"/>
+          </a:fontRef>
+        </p:style>
+        <p:txBody>
+          <a:bodyPr rtlCol="0" anchor="ctr"/>
+          <a:lstStyle/>
+          <a:p>
+            <a:pPr algn="ctr"/>
+            <a:r>
+              <a:rPr lang="en-US" altLang="ja-JP" baseline="-3000" dirty="0">
+                <a:solidFill>
+                  <a:schemeClr val="tx1"/>
+                </a:solidFill>
+              </a:rPr>
+              <a:t>3</a:t>
+            </a:r>
+            <a:r>
+              <a:rPr kumimoji="1" lang="en-US" altLang="ja-JP" baseline="-3000" dirty="0">
+                <a:solidFill>
+                  <a:schemeClr val="tx1"/>
+                </a:solidFill>
+              </a:rPr>
+              <a:t>x3, 128</a:t>
+            </a:r>
+            <a:endParaRPr kumimoji="1" lang="ja-JP" altLang="en-US" baseline="-3000" dirty="0">
+              <a:solidFill>
+                <a:schemeClr val="tx1"/>
+              </a:solidFill>
+            </a:endParaRPr>
+          </a:p>
+        </p:txBody>
+      </p:sp>
+      <p:sp>
+        <p:nvSpPr>
+          <p:cNvPr id="7" name="正方形/長方形 6">
+            <a:extLst>
+              <a:ext uri="{FF2B5EF4-FFF2-40B4-BE49-F238E27FC236}">
+                <a16:creationId xmlns:a16="http://schemas.microsoft.com/office/drawing/2014/main" id="{07B2BAE7-7A41-4873-836C-D2BB240EF164}"/>
+              </a:ext>
+            </a:extLst>
+          </p:cNvPr>
+          <p:cNvSpPr/>
+          <p:nvPr/>
+        </p:nvSpPr>
+        <p:spPr>
+          <a:xfrm>
+            <a:off x="1470329" y="2216435"/>
+            <a:ext cx="1278965" cy="245035"/>
+          </a:xfrm>
+          <a:prstGeom prst="rect">
+            <a:avLst/>
+          </a:prstGeom>
+          <a:noFill/>
+          <a:ln>
+            <a:solidFill>
+              <a:schemeClr val="tx1"/>
+            </a:solidFill>
+          </a:ln>
+        </p:spPr>
+        <p:style>
+          <a:lnRef idx="2">
+            <a:schemeClr val="accent1">
+              <a:shade val="50000"/>
+            </a:schemeClr>
+          </a:lnRef>
+          <a:fillRef idx="1">
+            <a:schemeClr val="accent1"/>
+          </a:fillRef>
+          <a:effectRef idx="0">
+            <a:schemeClr val="accent1"/>
+          </a:effectRef>
+          <a:fontRef idx="minor">
+            <a:schemeClr val="lt1"/>
+          </a:fontRef>
+        </p:style>
+        <p:txBody>
+          <a:bodyPr rtlCol="0" anchor="ctr"/>
+          <a:lstStyle/>
+          <a:p>
+            <a:pPr algn="ctr"/>
+            <a:r>
+              <a:rPr kumimoji="1" lang="en-US" altLang="ja-JP" baseline="-3000" dirty="0">
+                <a:solidFill>
+                  <a:schemeClr val="tx1"/>
+                </a:solidFill>
+              </a:rPr>
+              <a:t>1x1, </a:t>
+            </a:r>
+            <a:r>
+              <a:rPr lang="en-US" altLang="ja-JP" baseline="-3000" dirty="0">
+                <a:solidFill>
+                  <a:schemeClr val="tx1"/>
+                </a:solidFill>
+              </a:rPr>
+              <a:t>512</a:t>
+            </a:r>
+            <a:endParaRPr kumimoji="1" lang="ja-JP" altLang="en-US" baseline="-3000" dirty="0">
+              <a:solidFill>
+                <a:schemeClr val="tx1"/>
+              </a:solidFill>
+            </a:endParaRPr>
+          </a:p>
+        </p:txBody>
+      </p:sp>
+      <p:cxnSp>
+        <p:nvCxnSpPr>
+          <p:cNvPr id="3" name="直線矢印コネクタ 2">
+            <a:extLst>
+              <a:ext uri="{FF2B5EF4-FFF2-40B4-BE49-F238E27FC236}">
+                <a16:creationId xmlns:a16="http://schemas.microsoft.com/office/drawing/2014/main" id="{A6502483-B5B5-4880-A3CD-45A56AE4862C}"/>
+              </a:ext>
+            </a:extLst>
+          </p:cNvPr>
+          <p:cNvCxnSpPr>
+            <a:cxnSpLocks/>
+            <a:endCxn id="6" idx="0"/>
+          </p:cNvCxnSpPr>
+          <p:nvPr/>
+        </p:nvCxnSpPr>
+        <p:spPr>
+          <a:xfrm>
+            <a:off x="2109812" y="901700"/>
+            <a:ext cx="0" cy="366151"/>
+          </a:xfrm>
+          <a:prstGeom prst="straightConnector1">
+            <a:avLst/>
+          </a:prstGeom>
+          <a:ln>
+            <a:solidFill>
+              <a:schemeClr val="tx1"/>
+            </a:solidFill>
+            <a:tailEnd type="triangle"/>
+          </a:ln>
+        </p:spPr>
+        <p:style>
+          <a:lnRef idx="1">
+            <a:schemeClr val="accent1"/>
+          </a:lnRef>
+          <a:fillRef idx="0">
+            <a:schemeClr val="accent1"/>
+          </a:fillRef>
+          <a:effectRef idx="0">
+            <a:schemeClr val="accent1"/>
+          </a:effectRef>
+          <a:fontRef idx="minor">
+            <a:schemeClr val="tx1"/>
+          </a:fontRef>
+        </p:style>
+      </p:cxnSp>
+      <p:cxnSp>
+        <p:nvCxnSpPr>
+          <p:cNvPr id="10" name="直線矢印コネクタ 9">
+            <a:extLst>
+              <a:ext uri="{FF2B5EF4-FFF2-40B4-BE49-F238E27FC236}">
+                <a16:creationId xmlns:a16="http://schemas.microsoft.com/office/drawing/2014/main" id="{4EA38BD8-FC7F-4F00-B830-EAE24FE53660}"/>
+              </a:ext>
+            </a:extLst>
+          </p:cNvPr>
+          <p:cNvCxnSpPr>
+            <a:cxnSpLocks/>
+            <a:stCxn id="6" idx="2"/>
+            <a:endCxn id="5" idx="0"/>
+          </p:cNvCxnSpPr>
+          <p:nvPr/>
+        </p:nvCxnSpPr>
+        <p:spPr>
+          <a:xfrm>
+            <a:off x="2109812" y="1512886"/>
+            <a:ext cx="0" cy="229257"/>
+          </a:xfrm>
+          <a:prstGeom prst="straightConnector1">
+            <a:avLst/>
+          </a:prstGeom>
+          <a:ln>
+            <a:solidFill>
+              <a:schemeClr val="tx1"/>
+            </a:solidFill>
+            <a:tailEnd type="triangle"/>
+          </a:ln>
+        </p:spPr>
+        <p:style>
+          <a:lnRef idx="1">
+            <a:schemeClr val="accent1"/>
+          </a:lnRef>
+          <a:fillRef idx="0">
+            <a:schemeClr val="accent1"/>
+          </a:fillRef>
+          <a:effectRef idx="0">
+            <a:schemeClr val="accent1"/>
+          </a:effectRef>
+          <a:fontRef idx="minor">
+            <a:schemeClr val="tx1"/>
+          </a:fontRef>
+        </p:style>
+      </p:cxnSp>
+      <p:cxnSp>
+        <p:nvCxnSpPr>
+          <p:cNvPr id="13" name="直線矢印コネクタ 12">
+            <a:extLst>
+              <a:ext uri="{FF2B5EF4-FFF2-40B4-BE49-F238E27FC236}">
+                <a16:creationId xmlns:a16="http://schemas.microsoft.com/office/drawing/2014/main" id="{7E143409-19FD-4144-AA19-CFD69725F15A}"/>
+              </a:ext>
+            </a:extLst>
+          </p:cNvPr>
+          <p:cNvCxnSpPr>
+            <a:cxnSpLocks/>
+            <a:stCxn id="5" idx="2"/>
+            <a:endCxn id="7" idx="0"/>
+          </p:cNvCxnSpPr>
+          <p:nvPr/>
+        </p:nvCxnSpPr>
+        <p:spPr>
+          <a:xfrm>
+            <a:off x="2109812" y="1987178"/>
+            <a:ext cx="0" cy="229257"/>
+          </a:xfrm>
+          <a:prstGeom prst="straightConnector1">
+            <a:avLst/>
+          </a:prstGeom>
+          <a:ln>
+            <a:solidFill>
+              <a:schemeClr val="tx1"/>
+            </a:solidFill>
+            <a:tailEnd type="triangle"/>
+          </a:ln>
+        </p:spPr>
+        <p:style>
+          <a:lnRef idx="1">
+            <a:schemeClr val="accent1"/>
+          </a:lnRef>
+          <a:fillRef idx="0">
+            <a:schemeClr val="accent1"/>
+          </a:fillRef>
+          <a:effectRef idx="0">
+            <a:schemeClr val="accent1"/>
+          </a:effectRef>
+          <a:fontRef idx="minor">
+            <a:schemeClr val="tx1"/>
+          </a:fontRef>
+        </p:style>
+      </p:cxnSp>
+      <p:grpSp>
+        <p:nvGrpSpPr>
+          <p:cNvPr id="18" name="グループ化 17">
+            <a:extLst>
+              <a:ext uri="{FF2B5EF4-FFF2-40B4-BE49-F238E27FC236}">
+                <a16:creationId xmlns:a16="http://schemas.microsoft.com/office/drawing/2014/main" id="{EA412953-8302-45E1-8EAF-402FDCE9D4D2}"/>
+              </a:ext>
+            </a:extLst>
+          </p:cNvPr>
+          <p:cNvGrpSpPr/>
+          <p:nvPr/>
+        </p:nvGrpSpPr>
+        <p:grpSpPr>
+          <a:xfrm>
+            <a:off x="1971722" y="2644233"/>
+            <a:ext cx="276178" cy="279009"/>
+            <a:chOff x="1933623" y="2662311"/>
+            <a:chExt cx="276178" cy="279009"/>
+          </a:xfrm>
+        </p:grpSpPr>
+        <p:sp>
+          <p:nvSpPr>
+            <p:cNvPr id="16" name="楕円 15">
+              <a:extLst>
+                <a:ext uri="{FF2B5EF4-FFF2-40B4-BE49-F238E27FC236}">
+                  <a16:creationId xmlns:a16="http://schemas.microsoft.com/office/drawing/2014/main" id="{8B990DBA-2458-4A18-B12B-ADCB883F4D86}"/>
+                </a:ext>
+              </a:extLst>
+            </p:cNvPr>
+            <p:cNvSpPr/>
+            <p:nvPr/>
+          </p:nvSpPr>
+          <p:spPr>
+            <a:xfrm>
+              <a:off x="1935480" y="2667000"/>
+              <a:ext cx="274320" cy="274320"/>
+            </a:xfrm>
+            <a:prstGeom prst="ellipse">
+              <a:avLst/>
+            </a:prstGeom>
+            <a:noFill/>
+            <a:ln>
+              <a:solidFill>
+                <a:schemeClr val="tx1"/>
+              </a:solidFill>
+            </a:ln>
+          </p:spPr>
+          <p:style>
+            <a:lnRef idx="2">
+              <a:schemeClr val="accent1">
+                <a:shade val="50000"/>
+              </a:schemeClr>
+            </a:lnRef>
+            <a:fillRef idx="1">
+              <a:schemeClr val="accent1"/>
+            </a:fillRef>
+            <a:effectRef idx="0">
+              <a:schemeClr val="accent1"/>
+            </a:effectRef>
+            <a:fontRef idx="minor">
+              <a:schemeClr val="lt1"/>
+            </a:fontRef>
+          </p:style>
+          <p:txBody>
+            <a:bodyPr rtlCol="0" anchor="ctr"/>
+            <a:lstStyle/>
+            <a:p>
+              <a:pPr algn="ctr"/>
+              <a:endParaRPr kumimoji="1" lang="ja-JP" altLang="en-US" dirty="0">
+                <a:solidFill>
+                  <a:schemeClr val="tx1"/>
+                </a:solidFill>
+              </a:endParaRPr>
+            </a:p>
+          </p:txBody>
+        </p:sp>
+        <p:sp>
+          <p:nvSpPr>
+            <p:cNvPr id="17" name="正方形/長方形 16">
+              <a:extLst>
+                <a:ext uri="{FF2B5EF4-FFF2-40B4-BE49-F238E27FC236}">
+                  <a16:creationId xmlns:a16="http://schemas.microsoft.com/office/drawing/2014/main" id="{6C19E8AF-F2E4-4E06-9D80-5C8466DE3A57}"/>
+                </a:ext>
+              </a:extLst>
+            </p:cNvPr>
+            <p:cNvSpPr/>
+            <p:nvPr/>
+          </p:nvSpPr>
+          <p:spPr>
+            <a:xfrm>
+              <a:off x="1933623" y="2662311"/>
+              <a:ext cx="276178" cy="245035"/>
+            </a:xfrm>
+            <a:prstGeom prst="rect">
+              <a:avLst/>
+            </a:prstGeom>
+            <a:noFill/>
+            <a:ln>
+              <a:noFill/>
+            </a:ln>
+          </p:spPr>
+          <p:style>
+            <a:lnRef idx="2">
+              <a:schemeClr val="accent1">
+                <a:shade val="50000"/>
+              </a:schemeClr>
+            </a:lnRef>
+            <a:fillRef idx="1">
+              <a:schemeClr val="accent1"/>
+            </a:fillRef>
+            <a:effectRef idx="0">
+              <a:schemeClr val="accent1"/>
+            </a:effectRef>
+            <a:fontRef idx="minor">
+              <a:schemeClr val="lt1"/>
+            </a:fontRef>
+          </p:style>
+          <p:txBody>
+            <a:bodyPr rtlCol="0" anchor="ctr"/>
+            <a:lstStyle/>
+            <a:p>
+              <a:pPr algn="ctr"/>
+              <a:r>
+                <a:rPr kumimoji="1" lang="en-US" altLang="ja-JP" sz="3200" baseline="-3000" dirty="0">
+                  <a:solidFill>
+                    <a:schemeClr val="tx1"/>
+                  </a:solidFill>
+                </a:rPr>
+                <a:t>+</a:t>
+              </a:r>
+              <a:endParaRPr kumimoji="1" lang="ja-JP" altLang="en-US" sz="3200" baseline="-3000" dirty="0">
+                <a:solidFill>
+                  <a:schemeClr val="tx1"/>
+                </a:solidFill>
+              </a:endParaRPr>
+            </a:p>
+          </p:txBody>
+        </p:sp>
+      </p:grpSp>
+      <p:cxnSp>
+        <p:nvCxnSpPr>
+          <p:cNvPr id="19" name="直線矢印コネクタ 18">
+            <a:extLst>
+              <a:ext uri="{FF2B5EF4-FFF2-40B4-BE49-F238E27FC236}">
+                <a16:creationId xmlns:a16="http://schemas.microsoft.com/office/drawing/2014/main" id="{52BCE202-9DF5-445A-857D-FD367C1F332B}"/>
+              </a:ext>
+            </a:extLst>
+          </p:cNvPr>
+          <p:cNvCxnSpPr>
+            <a:cxnSpLocks/>
+            <a:stCxn id="7" idx="2"/>
+            <a:endCxn id="17" idx="0"/>
+          </p:cNvCxnSpPr>
+          <p:nvPr/>
+        </p:nvCxnSpPr>
+        <p:spPr>
+          <a:xfrm flipH="1">
+            <a:off x="2109811" y="2461470"/>
+            <a:ext cx="1" cy="182763"/>
+          </a:xfrm>
+          <a:prstGeom prst="straightConnector1">
+            <a:avLst/>
+          </a:prstGeom>
+          <a:ln>
+            <a:solidFill>
+              <a:schemeClr val="tx1"/>
+            </a:solidFill>
+            <a:tailEnd type="triangle"/>
+          </a:ln>
+        </p:spPr>
+        <p:style>
+          <a:lnRef idx="1">
+            <a:schemeClr val="accent1"/>
+          </a:lnRef>
+          <a:fillRef idx="0">
+            <a:schemeClr val="accent1"/>
+          </a:fillRef>
+          <a:effectRef idx="0">
+            <a:schemeClr val="accent1"/>
+          </a:effectRef>
+          <a:fontRef idx="minor">
+            <a:schemeClr val="tx1"/>
+          </a:fontRef>
+        </p:style>
+      </p:cxnSp>
+      <p:sp>
+        <p:nvSpPr>
+          <p:cNvPr id="22" name="正方形/長方形 21">
+            <a:extLst>
+              <a:ext uri="{FF2B5EF4-FFF2-40B4-BE49-F238E27FC236}">
+                <a16:creationId xmlns:a16="http://schemas.microsoft.com/office/drawing/2014/main" id="{FA846DDF-8446-4FBA-9DD6-62271F7FC6B9}"/>
+              </a:ext>
+            </a:extLst>
+          </p:cNvPr>
+          <p:cNvSpPr/>
+          <p:nvPr/>
+        </p:nvSpPr>
+        <p:spPr>
+          <a:xfrm>
+            <a:off x="2971469" y="1742142"/>
+            <a:ext cx="1278965" cy="245035"/>
+          </a:xfrm>
+          <a:prstGeom prst="rect">
+            <a:avLst/>
+          </a:prstGeom>
+          <a:noFill/>
+          <a:ln>
+            <a:solidFill>
+              <a:schemeClr val="tx1"/>
+            </a:solidFill>
+          </a:ln>
+        </p:spPr>
+        <p:style>
+          <a:lnRef idx="2">
+            <a:schemeClr val="accent1">
+              <a:shade val="50000"/>
+            </a:schemeClr>
+          </a:lnRef>
+          <a:fillRef idx="1">
+            <a:schemeClr val="accent1"/>
+          </a:fillRef>
+          <a:effectRef idx="0">
+            <a:schemeClr val="accent1"/>
+          </a:effectRef>
+          <a:fontRef idx="minor">
+            <a:schemeClr val="lt1"/>
+          </a:fontRef>
+        </p:style>
+        <p:txBody>
+          <a:bodyPr rtlCol="0" anchor="ctr"/>
+          <a:lstStyle/>
+          <a:p>
+            <a:pPr algn="ctr"/>
+            <a:r>
+              <a:rPr kumimoji="1" lang="en-US" altLang="ja-JP" baseline="-3000" dirty="0">
+                <a:solidFill>
+                  <a:schemeClr val="tx1"/>
+                </a:solidFill>
+              </a:rPr>
+              <a:t>1x1, 512</a:t>
+            </a:r>
+            <a:endParaRPr kumimoji="1" lang="ja-JP" altLang="en-US" baseline="-3000" dirty="0">
+              <a:solidFill>
+                <a:schemeClr val="tx1"/>
+              </a:solidFill>
+            </a:endParaRPr>
+          </a:p>
+        </p:txBody>
+      </p:sp>
+      <p:cxnSp>
+        <p:nvCxnSpPr>
+          <p:cNvPr id="24" name="コネクタ: カギ線 23">
+            <a:extLst>
+              <a:ext uri="{FF2B5EF4-FFF2-40B4-BE49-F238E27FC236}">
+                <a16:creationId xmlns:a16="http://schemas.microsoft.com/office/drawing/2014/main" id="{D1A1AA56-A255-4120-999C-17B87499DE14}"/>
+              </a:ext>
+            </a:extLst>
+          </p:cNvPr>
+          <p:cNvCxnSpPr>
+            <a:stCxn id="22" idx="2"/>
+            <a:endCxn id="17" idx="3"/>
+          </p:cNvCxnSpPr>
+          <p:nvPr/>
+        </p:nvCxnSpPr>
+        <p:spPr>
+          <a:xfrm rot="5400000">
+            <a:off x="2539639" y="1695438"/>
+            <a:ext cx="779574" cy="1363052"/>
+          </a:xfrm>
+          <a:prstGeom prst="bentConnector2">
+            <a:avLst/>
+          </a:prstGeom>
+          <a:ln>
+            <a:solidFill>
+              <a:schemeClr val="tx1"/>
+            </a:solidFill>
+            <a:tailEnd type="triangle"/>
+          </a:ln>
+        </p:spPr>
+        <p:style>
+          <a:lnRef idx="1">
+            <a:schemeClr val="accent1"/>
+          </a:lnRef>
+          <a:fillRef idx="0">
+            <a:schemeClr val="accent1"/>
+          </a:fillRef>
+          <a:effectRef idx="0">
+            <a:schemeClr val="accent1"/>
+          </a:effectRef>
+          <a:fontRef idx="minor">
+            <a:schemeClr val="tx1"/>
+          </a:fontRef>
+        </p:style>
+      </p:cxnSp>
+      <p:cxnSp>
+        <p:nvCxnSpPr>
+          <p:cNvPr id="25" name="コネクタ: カギ線 24">
+            <a:extLst>
+              <a:ext uri="{FF2B5EF4-FFF2-40B4-BE49-F238E27FC236}">
+                <a16:creationId xmlns:a16="http://schemas.microsoft.com/office/drawing/2014/main" id="{BED6D763-5AFF-4D74-AE7A-035C67C58C7C}"/>
+              </a:ext>
+            </a:extLst>
+          </p:cNvPr>
+          <p:cNvCxnSpPr>
+            <a:cxnSpLocks/>
+            <a:stCxn id="62" idx="2"/>
+            <a:endCxn id="22" idx="0"/>
+          </p:cNvCxnSpPr>
+          <p:nvPr/>
+        </p:nvCxnSpPr>
+        <p:spPr>
+          <a:xfrm rot="16200000" flipH="1">
+            <a:off x="2435279" y="566468"/>
+            <a:ext cx="850207" cy="1501140"/>
+          </a:xfrm>
+          <a:prstGeom prst="bentConnector3">
+            <a:avLst>
+              <a:gd name="adj1" fmla="val 16838"/>
+            </a:avLst>
+          </a:prstGeom>
+          <a:ln>
+            <a:solidFill>
+              <a:schemeClr val="tx1"/>
+            </a:solidFill>
+            <a:tailEnd type="triangle"/>
+          </a:ln>
+        </p:spPr>
+        <p:style>
+          <a:lnRef idx="1">
+            <a:schemeClr val="accent1"/>
+          </a:lnRef>
+          <a:fillRef idx="0">
+            <a:schemeClr val="accent1"/>
+          </a:fillRef>
+          <a:effectRef idx="0">
+            <a:schemeClr val="accent1"/>
+          </a:effectRef>
+          <a:fontRef idx="minor">
+            <a:schemeClr val="tx1"/>
+          </a:fontRef>
+        </p:style>
+      </p:cxnSp>
+      <p:sp>
+        <p:nvSpPr>
+          <p:cNvPr id="29" name="正方形/長方形 28">
+            <a:extLst>
+              <a:ext uri="{FF2B5EF4-FFF2-40B4-BE49-F238E27FC236}">
+                <a16:creationId xmlns:a16="http://schemas.microsoft.com/office/drawing/2014/main" id="{3B3696D5-008D-4D6E-B0AD-DC5DF266E370}"/>
+              </a:ext>
+            </a:extLst>
+          </p:cNvPr>
+          <p:cNvSpPr/>
+          <p:nvPr/>
+        </p:nvSpPr>
+        <p:spPr>
+          <a:xfrm>
+            <a:off x="1729409" y="825818"/>
+            <a:ext cx="1278965" cy="245035"/>
+          </a:xfrm>
+          <a:prstGeom prst="rect">
+            <a:avLst/>
+          </a:prstGeom>
+          <a:noFill/>
+          <a:ln>
+            <a:noFill/>
+          </a:ln>
+        </p:spPr>
+        <p:style>
+          <a:lnRef idx="2">
+            <a:schemeClr val="accent1">
+              <a:shade val="50000"/>
+            </a:schemeClr>
+          </a:lnRef>
+          <a:fillRef idx="1">
+            <a:schemeClr val="accent1"/>
+          </a:fillRef>
+          <a:effectRef idx="0">
+            <a:schemeClr val="accent1"/>
+          </a:effectRef>
+          <a:fontRef idx="minor">
+            <a:schemeClr val="lt1"/>
+          </a:fontRef>
+        </p:style>
+        <p:txBody>
+          <a:bodyPr rtlCol="0" anchor="ctr"/>
+          <a:lstStyle/>
+          <a:p>
+            <a:pPr algn="ctr"/>
+            <a:r>
+              <a:rPr kumimoji="1" lang="en-US" altLang="ja-JP" baseline="-3000" dirty="0">
+                <a:solidFill>
+                  <a:schemeClr val="tx1"/>
+                </a:solidFill>
+              </a:rPr>
+              <a:t>256-d</a:t>
+            </a:r>
+            <a:endParaRPr kumimoji="1" lang="ja-JP" altLang="en-US" baseline="-3000" dirty="0">
+              <a:solidFill>
+                <a:schemeClr val="tx1"/>
+              </a:solidFill>
+            </a:endParaRPr>
+          </a:p>
+        </p:txBody>
+      </p:sp>
+      <p:sp>
+        <p:nvSpPr>
+          <p:cNvPr id="30" name="正方形/長方形 29">
+            <a:extLst>
+              <a:ext uri="{FF2B5EF4-FFF2-40B4-BE49-F238E27FC236}">
+                <a16:creationId xmlns:a16="http://schemas.microsoft.com/office/drawing/2014/main" id="{49A92599-E9AB-4583-BF32-DFFEA75A9854}"/>
+              </a:ext>
+            </a:extLst>
+          </p:cNvPr>
+          <p:cNvSpPr/>
+          <p:nvPr/>
+        </p:nvSpPr>
+        <p:spPr>
+          <a:xfrm>
+            <a:off x="1660829" y="1473518"/>
+            <a:ext cx="1278965" cy="245035"/>
+          </a:xfrm>
+          <a:prstGeom prst="rect">
+            <a:avLst/>
+          </a:prstGeom>
+          <a:noFill/>
+          <a:ln>
+            <a:noFill/>
+          </a:ln>
+        </p:spPr>
+        <p:style>
+          <a:lnRef idx="2">
+            <a:schemeClr val="accent1">
+              <a:shade val="50000"/>
+            </a:schemeClr>
+          </a:lnRef>
+          <a:fillRef idx="1">
+            <a:schemeClr val="accent1"/>
+          </a:fillRef>
+          <a:effectRef idx="0">
+            <a:schemeClr val="accent1"/>
+          </a:effectRef>
+          <a:fontRef idx="minor">
+            <a:schemeClr val="lt1"/>
+          </a:fontRef>
+        </p:style>
+        <p:txBody>
+          <a:bodyPr rtlCol="0" anchor="ctr"/>
+          <a:lstStyle/>
+          <a:p>
+            <a:pPr algn="ctr"/>
+            <a:r>
+              <a:rPr kumimoji="1" lang="en-US" altLang="ja-JP" baseline="-3000">
+                <a:solidFill>
+                  <a:schemeClr val="tx1"/>
+                </a:solidFill>
+              </a:rPr>
+              <a:t>relu</a:t>
+            </a:r>
+            <a:endParaRPr kumimoji="1" lang="ja-JP" altLang="en-US" baseline="-3000" dirty="0">
+              <a:solidFill>
+                <a:schemeClr val="tx1"/>
+              </a:solidFill>
+            </a:endParaRPr>
+          </a:p>
+        </p:txBody>
+      </p:sp>
+      <p:sp>
+        <p:nvSpPr>
+          <p:cNvPr id="31" name="正方形/長方形 30">
+            <a:extLst>
+              <a:ext uri="{FF2B5EF4-FFF2-40B4-BE49-F238E27FC236}">
+                <a16:creationId xmlns:a16="http://schemas.microsoft.com/office/drawing/2014/main" id="{E33B40C0-B7EA-4A6F-A0D5-13E0A782CA50}"/>
+              </a:ext>
+            </a:extLst>
+          </p:cNvPr>
+          <p:cNvSpPr/>
+          <p:nvPr/>
+        </p:nvSpPr>
+        <p:spPr>
+          <a:xfrm>
+            <a:off x="1645589" y="1945958"/>
+            <a:ext cx="1278965" cy="245035"/>
+          </a:xfrm>
+          <a:prstGeom prst="rect">
+            <a:avLst/>
+          </a:prstGeom>
+          <a:noFill/>
+          <a:ln>
+            <a:noFill/>
+          </a:ln>
+        </p:spPr>
+        <p:style>
+          <a:lnRef idx="2">
+            <a:schemeClr val="accent1">
+              <a:shade val="50000"/>
+            </a:schemeClr>
+          </a:lnRef>
+          <a:fillRef idx="1">
+            <a:schemeClr val="accent1"/>
+          </a:fillRef>
+          <a:effectRef idx="0">
+            <a:schemeClr val="accent1"/>
+          </a:effectRef>
+          <a:fontRef idx="minor">
+            <a:schemeClr val="lt1"/>
+          </a:fontRef>
+        </p:style>
+        <p:txBody>
+          <a:bodyPr rtlCol="0" anchor="ctr"/>
+          <a:lstStyle/>
+          <a:p>
+            <a:pPr algn="ctr"/>
+            <a:r>
+              <a:rPr kumimoji="1" lang="en-US" altLang="ja-JP" baseline="-3000" dirty="0" err="1">
+                <a:solidFill>
+                  <a:schemeClr val="tx1"/>
+                </a:solidFill>
+              </a:rPr>
+              <a:t>relu</a:t>
+            </a:r>
+            <a:endParaRPr kumimoji="1" lang="ja-JP" altLang="en-US" baseline="-3000" dirty="0">
+              <a:solidFill>
+                <a:schemeClr val="tx1"/>
+              </a:solidFill>
+            </a:endParaRPr>
+          </a:p>
+        </p:txBody>
+      </p:sp>
+      <p:cxnSp>
+        <p:nvCxnSpPr>
+          <p:cNvPr id="32" name="直線矢印コネクタ 31">
+            <a:extLst>
+              <a:ext uri="{FF2B5EF4-FFF2-40B4-BE49-F238E27FC236}">
+                <a16:creationId xmlns:a16="http://schemas.microsoft.com/office/drawing/2014/main" id="{170963FC-0BAC-4FC8-BE58-6E7D37A1976B}"/>
+              </a:ext>
+            </a:extLst>
+          </p:cNvPr>
+          <p:cNvCxnSpPr>
+            <a:cxnSpLocks/>
+            <a:stCxn id="16" idx="4"/>
+            <a:endCxn id="36" idx="0"/>
+          </p:cNvCxnSpPr>
+          <p:nvPr/>
+        </p:nvCxnSpPr>
+        <p:spPr>
+          <a:xfrm flipH="1">
+            <a:off x="2109812" y="2923242"/>
+            <a:ext cx="927" cy="701206"/>
+          </a:xfrm>
+          <a:prstGeom prst="straightConnector1">
+            <a:avLst/>
+          </a:prstGeom>
+          <a:ln>
+            <a:solidFill>
+              <a:schemeClr val="tx1"/>
+            </a:solidFill>
+            <a:tailEnd type="triangle"/>
+          </a:ln>
+        </p:spPr>
+        <p:style>
+          <a:lnRef idx="1">
+            <a:schemeClr val="accent1"/>
+          </a:lnRef>
+          <a:fillRef idx="0">
+            <a:schemeClr val="accent1"/>
+          </a:fillRef>
+          <a:effectRef idx="0">
+            <a:schemeClr val="accent1"/>
+          </a:effectRef>
+          <a:fontRef idx="minor">
+            <a:schemeClr val="tx1"/>
+          </a:fontRef>
+        </p:style>
+      </p:cxnSp>
+      <p:sp>
+        <p:nvSpPr>
+          <p:cNvPr id="35" name="正方形/長方形 34">
+            <a:extLst>
+              <a:ext uri="{FF2B5EF4-FFF2-40B4-BE49-F238E27FC236}">
+                <a16:creationId xmlns:a16="http://schemas.microsoft.com/office/drawing/2014/main" id="{070167F6-E997-434B-B837-32A4032F6199}"/>
+              </a:ext>
+            </a:extLst>
+          </p:cNvPr>
+          <p:cNvSpPr/>
+          <p:nvPr/>
+        </p:nvSpPr>
+        <p:spPr>
+          <a:xfrm>
+            <a:off x="1645589" y="2860358"/>
+            <a:ext cx="1278965" cy="245035"/>
+          </a:xfrm>
+          <a:prstGeom prst="rect">
+            <a:avLst/>
+          </a:prstGeom>
+          <a:noFill/>
+          <a:ln>
+            <a:noFill/>
+          </a:ln>
+        </p:spPr>
+        <p:style>
+          <a:lnRef idx="2">
+            <a:schemeClr val="accent1">
+              <a:shade val="50000"/>
+            </a:schemeClr>
+          </a:lnRef>
+          <a:fillRef idx="1">
+            <a:schemeClr val="accent1"/>
+          </a:fillRef>
+          <a:effectRef idx="0">
+            <a:schemeClr val="accent1"/>
+          </a:effectRef>
+          <a:fontRef idx="minor">
+            <a:schemeClr val="lt1"/>
+          </a:fontRef>
+        </p:style>
+        <p:txBody>
+          <a:bodyPr rtlCol="0" anchor="ctr"/>
+          <a:lstStyle/>
+          <a:p>
+            <a:pPr algn="ctr"/>
+            <a:r>
+              <a:rPr kumimoji="1" lang="en-US" altLang="ja-JP" baseline="-3000" dirty="0" err="1">
+                <a:solidFill>
+                  <a:schemeClr val="tx1"/>
+                </a:solidFill>
+              </a:rPr>
+              <a:t>relu</a:t>
+            </a:r>
+            <a:endParaRPr kumimoji="1" lang="ja-JP" altLang="en-US" baseline="-3000" dirty="0">
+              <a:solidFill>
+                <a:schemeClr val="tx1"/>
+              </a:solidFill>
+            </a:endParaRPr>
+          </a:p>
+        </p:txBody>
+      </p:sp>
+      <p:sp>
+        <p:nvSpPr>
+          <p:cNvPr id="36" name="正方形/長方形 35">
+            <a:extLst>
+              <a:ext uri="{FF2B5EF4-FFF2-40B4-BE49-F238E27FC236}">
+                <a16:creationId xmlns:a16="http://schemas.microsoft.com/office/drawing/2014/main" id="{83476933-7448-4A0D-B446-3E8BEBFA1A1C}"/>
+              </a:ext>
+            </a:extLst>
+          </p:cNvPr>
+          <p:cNvSpPr/>
+          <p:nvPr/>
+        </p:nvSpPr>
+        <p:spPr>
+          <a:xfrm>
+            <a:off x="1470329" y="3624448"/>
+            <a:ext cx="1278965" cy="245035"/>
+          </a:xfrm>
+          <a:prstGeom prst="rect">
+            <a:avLst/>
+          </a:prstGeom>
+          <a:noFill/>
+          <a:ln>
+            <a:solidFill>
+              <a:schemeClr val="tx1"/>
+            </a:solidFill>
+          </a:ln>
+        </p:spPr>
+        <p:style>
+          <a:lnRef idx="2">
+            <a:schemeClr val="accent1">
+              <a:shade val="50000"/>
+            </a:schemeClr>
+          </a:lnRef>
+          <a:fillRef idx="1">
+            <a:schemeClr val="accent1"/>
+          </a:fillRef>
+          <a:effectRef idx="0">
+            <a:schemeClr val="accent1"/>
+          </a:effectRef>
+          <a:fontRef idx="minor">
+            <a:schemeClr val="lt1"/>
+          </a:fontRef>
+        </p:style>
+        <p:txBody>
+          <a:bodyPr rtlCol="0" anchor="ctr"/>
+          <a:lstStyle/>
+          <a:p>
+            <a:pPr algn="ctr"/>
+            <a:r>
+              <a:rPr kumimoji="1" lang="en-US" altLang="ja-JP" baseline="-3000" dirty="0">
+                <a:solidFill>
+                  <a:schemeClr val="tx1"/>
+                </a:solidFill>
+              </a:rPr>
+              <a:t>1x1, 128</a:t>
+            </a:r>
+            <a:endParaRPr kumimoji="1" lang="ja-JP" altLang="en-US" baseline="-3000" dirty="0">
+              <a:solidFill>
+                <a:schemeClr val="tx1"/>
+              </a:solidFill>
+            </a:endParaRPr>
+          </a:p>
+        </p:txBody>
+      </p:sp>
+      <p:sp>
+        <p:nvSpPr>
+          <p:cNvPr id="37" name="正方形/長方形 36">
+            <a:extLst>
+              <a:ext uri="{FF2B5EF4-FFF2-40B4-BE49-F238E27FC236}">
+                <a16:creationId xmlns:a16="http://schemas.microsoft.com/office/drawing/2014/main" id="{82FF201C-4479-41A4-BBAE-7F562EB71770}"/>
+              </a:ext>
+            </a:extLst>
+          </p:cNvPr>
+          <p:cNvSpPr/>
+          <p:nvPr/>
+        </p:nvSpPr>
+        <p:spPr>
+          <a:xfrm>
+            <a:off x="1470329" y="4098740"/>
+            <a:ext cx="1278965" cy="245035"/>
+          </a:xfrm>
+          <a:prstGeom prst="rect">
+            <a:avLst/>
+          </a:prstGeom>
+          <a:noFill/>
+          <a:ln>
+            <a:solidFill>
+              <a:schemeClr val="tx1"/>
+            </a:solidFill>
+          </a:ln>
+        </p:spPr>
+        <p:style>
+          <a:lnRef idx="2">
+            <a:schemeClr val="accent1">
+              <a:shade val="50000"/>
+            </a:schemeClr>
+          </a:lnRef>
+          <a:fillRef idx="1">
+            <a:schemeClr val="accent1"/>
+          </a:fillRef>
+          <a:effectRef idx="0">
+            <a:schemeClr val="accent1"/>
+          </a:effectRef>
+          <a:fontRef idx="minor">
+            <a:schemeClr val="lt1"/>
+          </a:fontRef>
+        </p:style>
+        <p:txBody>
+          <a:bodyPr rtlCol="0" anchor="ctr"/>
+          <a:lstStyle/>
+          <a:p>
+            <a:pPr algn="ctr"/>
+            <a:r>
+              <a:rPr lang="en-US" altLang="ja-JP" baseline="-3000" dirty="0">
+                <a:solidFill>
+                  <a:schemeClr val="tx1"/>
+                </a:solidFill>
+              </a:rPr>
+              <a:t>3</a:t>
+            </a:r>
+            <a:r>
+              <a:rPr kumimoji="1" lang="en-US" altLang="ja-JP" baseline="-3000" dirty="0">
+                <a:solidFill>
+                  <a:schemeClr val="tx1"/>
+                </a:solidFill>
+              </a:rPr>
+              <a:t>x3, 128</a:t>
+            </a:r>
+            <a:endParaRPr kumimoji="1" lang="ja-JP" altLang="en-US" baseline="-3000" dirty="0">
+              <a:solidFill>
+                <a:schemeClr val="tx1"/>
+              </a:solidFill>
+            </a:endParaRPr>
+          </a:p>
+        </p:txBody>
+      </p:sp>
+      <p:sp>
+        <p:nvSpPr>
+          <p:cNvPr id="38" name="正方形/長方形 37">
+            <a:extLst>
+              <a:ext uri="{FF2B5EF4-FFF2-40B4-BE49-F238E27FC236}">
+                <a16:creationId xmlns:a16="http://schemas.microsoft.com/office/drawing/2014/main" id="{5BBA0677-E80A-406A-AA4C-736459AAD98B}"/>
+              </a:ext>
+            </a:extLst>
+          </p:cNvPr>
+          <p:cNvSpPr/>
+          <p:nvPr/>
+        </p:nvSpPr>
+        <p:spPr>
+          <a:xfrm>
+            <a:off x="1470329" y="4573032"/>
+            <a:ext cx="1278965" cy="245035"/>
+          </a:xfrm>
+          <a:prstGeom prst="rect">
+            <a:avLst/>
+          </a:prstGeom>
+          <a:noFill/>
+          <a:ln>
+            <a:solidFill>
+              <a:schemeClr val="tx1"/>
+            </a:solidFill>
+          </a:ln>
+        </p:spPr>
+        <p:style>
+          <a:lnRef idx="2">
+            <a:schemeClr val="accent1">
+              <a:shade val="50000"/>
+            </a:schemeClr>
+          </a:lnRef>
+          <a:fillRef idx="1">
+            <a:schemeClr val="accent1"/>
+          </a:fillRef>
+          <a:effectRef idx="0">
+            <a:schemeClr val="accent1"/>
+          </a:effectRef>
+          <a:fontRef idx="minor">
+            <a:schemeClr val="lt1"/>
+          </a:fontRef>
+        </p:style>
+        <p:txBody>
+          <a:bodyPr rtlCol="0" anchor="ctr"/>
+          <a:lstStyle/>
+          <a:p>
+            <a:pPr algn="ctr"/>
+            <a:r>
+              <a:rPr kumimoji="1" lang="en-US" altLang="ja-JP" baseline="-3000" dirty="0">
+                <a:solidFill>
+                  <a:schemeClr val="tx1"/>
+                </a:solidFill>
+              </a:rPr>
+              <a:t>1x1, </a:t>
+            </a:r>
+            <a:r>
+              <a:rPr lang="en-US" altLang="ja-JP" baseline="-3000" dirty="0">
+                <a:solidFill>
+                  <a:schemeClr val="tx1"/>
+                </a:solidFill>
+              </a:rPr>
+              <a:t>512</a:t>
+            </a:r>
+            <a:endParaRPr kumimoji="1" lang="ja-JP" altLang="en-US" baseline="-3000" dirty="0">
+              <a:solidFill>
+                <a:schemeClr val="tx1"/>
+              </a:solidFill>
+            </a:endParaRPr>
+          </a:p>
+        </p:txBody>
+      </p:sp>
+      <p:cxnSp>
+        <p:nvCxnSpPr>
+          <p:cNvPr id="39" name="直線矢印コネクタ 38">
+            <a:extLst>
+              <a:ext uri="{FF2B5EF4-FFF2-40B4-BE49-F238E27FC236}">
+                <a16:creationId xmlns:a16="http://schemas.microsoft.com/office/drawing/2014/main" id="{7C972A59-BCCD-45D1-81B2-57F50D992A39}"/>
+              </a:ext>
+            </a:extLst>
+          </p:cNvPr>
+          <p:cNvCxnSpPr>
+            <a:cxnSpLocks/>
+            <a:stCxn id="36" idx="2"/>
+            <a:endCxn id="37" idx="0"/>
+          </p:cNvCxnSpPr>
+          <p:nvPr/>
+        </p:nvCxnSpPr>
+        <p:spPr>
+          <a:xfrm>
+            <a:off x="2109812" y="3869483"/>
+            <a:ext cx="0" cy="229257"/>
+          </a:xfrm>
+          <a:prstGeom prst="straightConnector1">
+            <a:avLst/>
+          </a:prstGeom>
+          <a:ln>
+            <a:solidFill>
+              <a:schemeClr val="tx1"/>
+            </a:solidFill>
+            <a:tailEnd type="triangle"/>
+          </a:ln>
+        </p:spPr>
+        <p:style>
+          <a:lnRef idx="1">
+            <a:schemeClr val="accent1"/>
+          </a:lnRef>
+          <a:fillRef idx="0">
+            <a:schemeClr val="accent1"/>
+          </a:fillRef>
+          <a:effectRef idx="0">
+            <a:schemeClr val="accent1"/>
+          </a:effectRef>
+          <a:fontRef idx="minor">
+            <a:schemeClr val="tx1"/>
+          </a:fontRef>
+        </p:style>
+      </p:cxnSp>
+      <p:cxnSp>
+        <p:nvCxnSpPr>
+          <p:cNvPr id="40" name="直線矢印コネクタ 39">
+            <a:extLst>
+              <a:ext uri="{FF2B5EF4-FFF2-40B4-BE49-F238E27FC236}">
+                <a16:creationId xmlns:a16="http://schemas.microsoft.com/office/drawing/2014/main" id="{5B5F940A-50A4-46DE-B5CE-5ACD82B8E5AD}"/>
+              </a:ext>
+            </a:extLst>
+          </p:cNvPr>
+          <p:cNvCxnSpPr>
+            <a:cxnSpLocks/>
+            <a:stCxn id="37" idx="2"/>
+            <a:endCxn id="38" idx="0"/>
+          </p:cNvCxnSpPr>
+          <p:nvPr/>
+        </p:nvCxnSpPr>
+        <p:spPr>
+          <a:xfrm>
+            <a:off x="2109812" y="4343775"/>
+            <a:ext cx="0" cy="229257"/>
+          </a:xfrm>
+          <a:prstGeom prst="straightConnector1">
+            <a:avLst/>
+          </a:prstGeom>
+          <a:ln>
+            <a:solidFill>
+              <a:schemeClr val="tx1"/>
+            </a:solidFill>
+            <a:tailEnd type="triangle"/>
+          </a:ln>
+        </p:spPr>
+        <p:style>
+          <a:lnRef idx="1">
+            <a:schemeClr val="accent1"/>
+          </a:lnRef>
+          <a:fillRef idx="0">
+            <a:schemeClr val="accent1"/>
+          </a:fillRef>
+          <a:effectRef idx="0">
+            <a:schemeClr val="accent1"/>
+          </a:effectRef>
+          <a:fontRef idx="minor">
+            <a:schemeClr val="tx1"/>
+          </a:fontRef>
+        </p:style>
+      </p:cxnSp>
+      <p:sp>
+        <p:nvSpPr>
+          <p:cNvPr id="41" name="正方形/長方形 40">
+            <a:extLst>
+              <a:ext uri="{FF2B5EF4-FFF2-40B4-BE49-F238E27FC236}">
+                <a16:creationId xmlns:a16="http://schemas.microsoft.com/office/drawing/2014/main" id="{11550D6E-D68F-40EC-B45B-8F978C324DCD}"/>
+              </a:ext>
+            </a:extLst>
+          </p:cNvPr>
+          <p:cNvSpPr/>
+          <p:nvPr/>
+        </p:nvSpPr>
+        <p:spPr>
+          <a:xfrm>
+            <a:off x="1660829" y="3830115"/>
+            <a:ext cx="1278965" cy="245035"/>
+          </a:xfrm>
+          <a:prstGeom prst="rect">
+            <a:avLst/>
+          </a:prstGeom>
+          <a:noFill/>
+          <a:ln>
+            <a:noFill/>
+          </a:ln>
+        </p:spPr>
+        <p:style>
+          <a:lnRef idx="2">
+            <a:schemeClr val="accent1">
+              <a:shade val="50000"/>
+            </a:schemeClr>
+          </a:lnRef>
+          <a:fillRef idx="1">
+            <a:schemeClr val="accent1"/>
+          </a:fillRef>
+          <a:effectRef idx="0">
+            <a:schemeClr val="accent1"/>
+          </a:effectRef>
+          <a:fontRef idx="minor">
+            <a:schemeClr val="lt1"/>
+          </a:fontRef>
+        </p:style>
+        <p:txBody>
+          <a:bodyPr rtlCol="0" anchor="ctr"/>
+          <a:lstStyle/>
+          <a:p>
+            <a:pPr algn="ctr"/>
+            <a:r>
+              <a:rPr kumimoji="1" lang="en-US" altLang="ja-JP" baseline="-3000">
+                <a:solidFill>
+                  <a:schemeClr val="tx1"/>
+                </a:solidFill>
+              </a:rPr>
+              <a:t>relu</a:t>
+            </a:r>
+            <a:endParaRPr kumimoji="1" lang="ja-JP" altLang="en-US" baseline="-3000" dirty="0">
+              <a:solidFill>
+                <a:schemeClr val="tx1"/>
+              </a:solidFill>
+            </a:endParaRPr>
+          </a:p>
+        </p:txBody>
+      </p:sp>
+      <p:sp>
+        <p:nvSpPr>
+          <p:cNvPr id="42" name="正方形/長方形 41">
+            <a:extLst>
+              <a:ext uri="{FF2B5EF4-FFF2-40B4-BE49-F238E27FC236}">
+                <a16:creationId xmlns:a16="http://schemas.microsoft.com/office/drawing/2014/main" id="{F0D9B4CD-2C50-4B58-91E2-4C16D09102DB}"/>
+              </a:ext>
+            </a:extLst>
+          </p:cNvPr>
+          <p:cNvSpPr/>
+          <p:nvPr/>
+        </p:nvSpPr>
+        <p:spPr>
+          <a:xfrm>
+            <a:off x="1645589" y="4302555"/>
+            <a:ext cx="1278965" cy="245035"/>
+          </a:xfrm>
+          <a:prstGeom prst="rect">
+            <a:avLst/>
+          </a:prstGeom>
+          <a:noFill/>
+          <a:ln>
+            <a:noFill/>
+          </a:ln>
+        </p:spPr>
+        <p:style>
+          <a:lnRef idx="2">
+            <a:schemeClr val="accent1">
+              <a:shade val="50000"/>
+            </a:schemeClr>
+          </a:lnRef>
+          <a:fillRef idx="1">
+            <a:schemeClr val="accent1"/>
+          </a:fillRef>
+          <a:effectRef idx="0">
+            <a:schemeClr val="accent1"/>
+          </a:effectRef>
+          <a:fontRef idx="minor">
+            <a:schemeClr val="lt1"/>
+          </a:fontRef>
+        </p:style>
+        <p:txBody>
+          <a:bodyPr rtlCol="0" anchor="ctr"/>
+          <a:lstStyle/>
+          <a:p>
+            <a:pPr algn="ctr"/>
+            <a:r>
+              <a:rPr kumimoji="1" lang="en-US" altLang="ja-JP" baseline="-3000" dirty="0" err="1">
+                <a:solidFill>
+                  <a:schemeClr val="tx1"/>
+                </a:solidFill>
+              </a:rPr>
+              <a:t>relu</a:t>
+            </a:r>
+            <a:endParaRPr kumimoji="1" lang="ja-JP" altLang="en-US" baseline="-3000" dirty="0">
+              <a:solidFill>
+                <a:schemeClr val="tx1"/>
+              </a:solidFill>
+            </a:endParaRPr>
+          </a:p>
+        </p:txBody>
+      </p:sp>
+      <p:grpSp>
+        <p:nvGrpSpPr>
+          <p:cNvPr id="44" name="グループ化 43">
+            <a:extLst>
+              <a:ext uri="{FF2B5EF4-FFF2-40B4-BE49-F238E27FC236}">
+                <a16:creationId xmlns:a16="http://schemas.microsoft.com/office/drawing/2014/main" id="{719D08B7-50DE-4E55-95CF-196D391C3C83}"/>
+              </a:ext>
+            </a:extLst>
+          </p:cNvPr>
+          <p:cNvGrpSpPr/>
+          <p:nvPr/>
+        </p:nvGrpSpPr>
+        <p:grpSpPr>
+          <a:xfrm>
+            <a:off x="1973839" y="5050911"/>
+            <a:ext cx="276178" cy="279009"/>
+            <a:chOff x="1933623" y="2662311"/>
+            <a:chExt cx="276178" cy="279009"/>
+          </a:xfrm>
+        </p:grpSpPr>
+        <p:sp>
+          <p:nvSpPr>
+            <p:cNvPr id="45" name="楕円 44">
+              <a:extLst>
+                <a:ext uri="{FF2B5EF4-FFF2-40B4-BE49-F238E27FC236}">
+                  <a16:creationId xmlns:a16="http://schemas.microsoft.com/office/drawing/2014/main" id="{3F329569-8977-4E91-9D7F-43C9DD3E90CD}"/>
+                </a:ext>
+              </a:extLst>
+            </p:cNvPr>
+            <p:cNvSpPr/>
+            <p:nvPr/>
+          </p:nvSpPr>
+          <p:spPr>
+            <a:xfrm>
+              <a:off x="1935480" y="2667000"/>
+              <a:ext cx="274320" cy="274320"/>
+            </a:xfrm>
+            <a:prstGeom prst="ellipse">
+              <a:avLst/>
+            </a:prstGeom>
+            <a:noFill/>
+            <a:ln>
+              <a:solidFill>
+                <a:schemeClr val="tx1"/>
+              </a:solidFill>
+            </a:ln>
+          </p:spPr>
+          <p:style>
+            <a:lnRef idx="2">
+              <a:schemeClr val="accent1">
+                <a:shade val="50000"/>
+              </a:schemeClr>
+            </a:lnRef>
+            <a:fillRef idx="1">
+              <a:schemeClr val="accent1"/>
+            </a:fillRef>
+            <a:effectRef idx="0">
+              <a:schemeClr val="accent1"/>
+            </a:effectRef>
+            <a:fontRef idx="minor">
+              <a:schemeClr val="lt1"/>
+            </a:fontRef>
+          </p:style>
+          <p:txBody>
+            <a:bodyPr rtlCol="0" anchor="ctr"/>
+            <a:lstStyle/>
+            <a:p>
+              <a:pPr algn="ctr"/>
+              <a:endParaRPr kumimoji="1" lang="ja-JP" altLang="en-US" dirty="0">
+                <a:solidFill>
+                  <a:schemeClr val="tx1"/>
+                </a:solidFill>
+              </a:endParaRPr>
+            </a:p>
+          </p:txBody>
+        </p:sp>
+        <p:sp>
+          <p:nvSpPr>
+            <p:cNvPr id="46" name="正方形/長方形 45">
+              <a:extLst>
+                <a:ext uri="{FF2B5EF4-FFF2-40B4-BE49-F238E27FC236}">
+                  <a16:creationId xmlns:a16="http://schemas.microsoft.com/office/drawing/2014/main" id="{89A8A84B-E958-430A-A4EF-E23A2E48C345}"/>
+                </a:ext>
+              </a:extLst>
+            </p:cNvPr>
+            <p:cNvSpPr/>
+            <p:nvPr/>
+          </p:nvSpPr>
+          <p:spPr>
+            <a:xfrm>
+              <a:off x="1933623" y="2662311"/>
+              <a:ext cx="276178" cy="245035"/>
+            </a:xfrm>
+            <a:prstGeom prst="rect">
+              <a:avLst/>
+            </a:prstGeom>
+            <a:noFill/>
+            <a:ln>
+              <a:noFill/>
+            </a:ln>
+          </p:spPr>
+          <p:style>
+            <a:lnRef idx="2">
+              <a:schemeClr val="accent1">
+                <a:shade val="50000"/>
+              </a:schemeClr>
+            </a:lnRef>
+            <a:fillRef idx="1">
+              <a:schemeClr val="accent1"/>
+            </a:fillRef>
+            <a:effectRef idx="0">
+              <a:schemeClr val="accent1"/>
+            </a:effectRef>
+            <a:fontRef idx="minor">
+              <a:schemeClr val="lt1"/>
+            </a:fontRef>
+          </p:style>
+          <p:txBody>
+            <a:bodyPr rtlCol="0" anchor="ctr"/>
+            <a:lstStyle/>
+            <a:p>
+              <a:pPr algn="ctr"/>
+              <a:r>
+                <a:rPr kumimoji="1" lang="en-US" altLang="ja-JP" sz="3200" baseline="-3000" dirty="0">
+                  <a:solidFill>
+                    <a:schemeClr val="tx1"/>
+                  </a:solidFill>
+                </a:rPr>
+                <a:t>+</a:t>
+              </a:r>
+              <a:endParaRPr kumimoji="1" lang="ja-JP" altLang="en-US" sz="3200" baseline="-3000" dirty="0">
+                <a:solidFill>
+                  <a:schemeClr val="tx1"/>
+                </a:solidFill>
+              </a:endParaRPr>
+            </a:p>
+          </p:txBody>
+        </p:sp>
+      </p:grpSp>
+      <p:cxnSp>
+        <p:nvCxnSpPr>
+          <p:cNvPr id="47" name="直線矢印コネクタ 46">
+            <a:extLst>
+              <a:ext uri="{FF2B5EF4-FFF2-40B4-BE49-F238E27FC236}">
+                <a16:creationId xmlns:a16="http://schemas.microsoft.com/office/drawing/2014/main" id="{D51094C7-5798-4C0B-A4CB-473E3E405C5B}"/>
+              </a:ext>
+            </a:extLst>
+          </p:cNvPr>
+          <p:cNvCxnSpPr>
+            <a:cxnSpLocks/>
+            <a:stCxn id="45" idx="4"/>
+          </p:cNvCxnSpPr>
+          <p:nvPr/>
+        </p:nvCxnSpPr>
+        <p:spPr>
+          <a:xfrm flipH="1">
+            <a:off x="2111929" y="5329920"/>
+            <a:ext cx="927" cy="228766"/>
+          </a:xfrm>
+          <a:prstGeom prst="straightConnector1">
+            <a:avLst/>
+          </a:prstGeom>
+          <a:ln>
+            <a:solidFill>
+              <a:schemeClr val="tx1"/>
+            </a:solidFill>
+            <a:tailEnd type="triangle"/>
+          </a:ln>
+        </p:spPr>
+        <p:style>
+          <a:lnRef idx="1">
+            <a:schemeClr val="accent1"/>
+          </a:lnRef>
+          <a:fillRef idx="0">
+            <a:schemeClr val="accent1"/>
+          </a:fillRef>
+          <a:effectRef idx="0">
+            <a:schemeClr val="accent1"/>
+          </a:effectRef>
+          <a:fontRef idx="minor">
+            <a:schemeClr val="tx1"/>
+          </a:fontRef>
+        </p:style>
+      </p:cxnSp>
+      <p:cxnSp>
+        <p:nvCxnSpPr>
+          <p:cNvPr id="48" name="直線矢印コネクタ 47">
+            <a:extLst>
+              <a:ext uri="{FF2B5EF4-FFF2-40B4-BE49-F238E27FC236}">
+                <a16:creationId xmlns:a16="http://schemas.microsoft.com/office/drawing/2014/main" id="{9D137C71-AF49-4283-8131-6B1A62AF1430}"/>
+              </a:ext>
+            </a:extLst>
+          </p:cNvPr>
+          <p:cNvCxnSpPr>
+            <a:cxnSpLocks/>
+            <a:stCxn id="38" idx="2"/>
+            <a:endCxn id="46" idx="0"/>
+          </p:cNvCxnSpPr>
+          <p:nvPr/>
+        </p:nvCxnSpPr>
+        <p:spPr>
+          <a:xfrm>
+            <a:off x="2109812" y="4818067"/>
+            <a:ext cx="2116" cy="232844"/>
+          </a:xfrm>
+          <a:prstGeom prst="straightConnector1">
+            <a:avLst/>
+          </a:prstGeom>
+          <a:ln>
+            <a:solidFill>
+              <a:schemeClr val="tx1"/>
+            </a:solidFill>
+            <a:tailEnd type="triangle"/>
+          </a:ln>
+        </p:spPr>
+        <p:style>
+          <a:lnRef idx="1">
+            <a:schemeClr val="accent1"/>
+          </a:lnRef>
+          <a:fillRef idx="0">
+            <a:schemeClr val="accent1"/>
+          </a:fillRef>
+          <a:effectRef idx="0">
+            <a:schemeClr val="accent1"/>
+          </a:effectRef>
+          <a:fontRef idx="minor">
+            <a:schemeClr val="tx1"/>
+          </a:fontRef>
+        </p:style>
+      </p:cxnSp>
+      <p:sp>
+        <p:nvSpPr>
+          <p:cNvPr id="51" name="正方形/長方形 50">
+            <a:extLst>
+              <a:ext uri="{FF2B5EF4-FFF2-40B4-BE49-F238E27FC236}">
+                <a16:creationId xmlns:a16="http://schemas.microsoft.com/office/drawing/2014/main" id="{68D001AD-76CB-478D-AC1F-76DC4EE6C1A6}"/>
+              </a:ext>
+            </a:extLst>
+          </p:cNvPr>
+          <p:cNvSpPr/>
+          <p:nvPr/>
+        </p:nvSpPr>
+        <p:spPr>
+          <a:xfrm>
+            <a:off x="1750743" y="3242368"/>
+            <a:ext cx="1278965" cy="245035"/>
+          </a:xfrm>
+          <a:prstGeom prst="rect">
+            <a:avLst/>
+          </a:prstGeom>
+          <a:noFill/>
+          <a:ln>
+            <a:noFill/>
+          </a:ln>
+        </p:spPr>
+        <p:style>
+          <a:lnRef idx="2">
+            <a:schemeClr val="accent1">
+              <a:shade val="50000"/>
+            </a:schemeClr>
+          </a:lnRef>
+          <a:fillRef idx="1">
+            <a:schemeClr val="accent1"/>
+          </a:fillRef>
+          <a:effectRef idx="0">
+            <a:schemeClr val="accent1"/>
+          </a:effectRef>
+          <a:fontRef idx="minor">
+            <a:schemeClr val="lt1"/>
+          </a:fontRef>
+        </p:style>
+        <p:txBody>
+          <a:bodyPr rtlCol="0" anchor="ctr"/>
+          <a:lstStyle/>
+          <a:p>
+            <a:pPr algn="ctr"/>
+            <a:r>
+              <a:rPr kumimoji="1" lang="en-US" altLang="ja-JP" baseline="-3000" dirty="0">
+                <a:solidFill>
+                  <a:schemeClr val="tx1"/>
+                </a:solidFill>
+              </a:rPr>
+              <a:t>512-d</a:t>
+            </a:r>
+            <a:endParaRPr kumimoji="1" lang="ja-JP" altLang="en-US" baseline="-3000" dirty="0">
+              <a:solidFill>
+                <a:schemeClr val="tx1"/>
+              </a:solidFill>
+            </a:endParaRPr>
+          </a:p>
+        </p:txBody>
+      </p:sp>
+      <p:cxnSp>
+        <p:nvCxnSpPr>
+          <p:cNvPr id="52" name="コネクタ: カギ線 51">
+            <a:extLst>
+              <a:ext uri="{FF2B5EF4-FFF2-40B4-BE49-F238E27FC236}">
+                <a16:creationId xmlns:a16="http://schemas.microsoft.com/office/drawing/2014/main" id="{9A1FA79E-84B3-443C-9E5C-EB21CC40C078}"/>
+              </a:ext>
+            </a:extLst>
+          </p:cNvPr>
+          <p:cNvCxnSpPr>
+            <a:cxnSpLocks/>
+            <a:stCxn id="16" idx="4"/>
+            <a:endCxn id="46" idx="3"/>
+          </p:cNvCxnSpPr>
+          <p:nvPr/>
+        </p:nvCxnSpPr>
+        <p:spPr>
+          <a:xfrm rot="16200000" flipH="1">
+            <a:off x="1055285" y="3978696"/>
+            <a:ext cx="2250187" cy="139278"/>
+          </a:xfrm>
+          <a:prstGeom prst="bentConnector4">
+            <a:avLst>
+              <a:gd name="adj1" fmla="val 24251"/>
+              <a:gd name="adj2" fmla="val 1073849"/>
+            </a:avLst>
+          </a:prstGeom>
+          <a:ln>
+            <a:solidFill>
+              <a:schemeClr val="tx1"/>
+            </a:solidFill>
+            <a:tailEnd type="triangle"/>
+          </a:ln>
+        </p:spPr>
+        <p:style>
+          <a:lnRef idx="1">
+            <a:schemeClr val="accent1"/>
+          </a:lnRef>
+          <a:fillRef idx="0">
+            <a:schemeClr val="accent1"/>
+          </a:fillRef>
+          <a:effectRef idx="0">
+            <a:schemeClr val="accent1"/>
+          </a:effectRef>
+          <a:fontRef idx="minor">
+            <a:schemeClr val="tx1"/>
+          </a:fontRef>
+        </p:style>
+      </p:cxnSp>
+      <p:sp>
+        <p:nvSpPr>
+          <p:cNvPr id="61" name="正方形/長方形 60">
+            <a:extLst>
+              <a:ext uri="{FF2B5EF4-FFF2-40B4-BE49-F238E27FC236}">
+                <a16:creationId xmlns:a16="http://schemas.microsoft.com/office/drawing/2014/main" id="{E4DBF646-4396-4CF6-9B63-6B42926B4817}"/>
+              </a:ext>
+            </a:extLst>
+          </p:cNvPr>
+          <p:cNvSpPr/>
+          <p:nvPr/>
+        </p:nvSpPr>
+        <p:spPr>
+          <a:xfrm>
+            <a:off x="1660829" y="5236312"/>
+            <a:ext cx="1278965" cy="245035"/>
+          </a:xfrm>
+          <a:prstGeom prst="rect">
+            <a:avLst/>
+          </a:prstGeom>
+          <a:noFill/>
+          <a:ln>
+            <a:noFill/>
+          </a:ln>
+        </p:spPr>
+        <p:style>
+          <a:lnRef idx="2">
+            <a:schemeClr val="accent1">
+              <a:shade val="50000"/>
+            </a:schemeClr>
+          </a:lnRef>
+          <a:fillRef idx="1">
+            <a:schemeClr val="accent1"/>
+          </a:fillRef>
+          <a:effectRef idx="0">
+            <a:schemeClr val="accent1"/>
+          </a:effectRef>
+          <a:fontRef idx="minor">
+            <a:schemeClr val="lt1"/>
+          </a:fontRef>
+        </p:style>
+        <p:txBody>
+          <a:bodyPr rtlCol="0" anchor="ctr"/>
+          <a:lstStyle/>
+          <a:p>
+            <a:pPr algn="ctr"/>
+            <a:r>
+              <a:rPr kumimoji="1" lang="en-US" altLang="ja-JP" baseline="-3000" dirty="0" err="1">
+                <a:solidFill>
+                  <a:schemeClr val="tx1"/>
+                </a:solidFill>
+              </a:rPr>
+              <a:t>relu</a:t>
+            </a:r>
+            <a:endParaRPr kumimoji="1" lang="ja-JP" altLang="en-US" baseline="-3000" dirty="0">
+              <a:solidFill>
+                <a:schemeClr val="tx1"/>
+              </a:solidFill>
+            </a:endParaRPr>
+          </a:p>
+        </p:txBody>
+      </p:sp>
+      <p:sp>
+        <p:nvSpPr>
+          <p:cNvPr id="62" name="正方形/長方形 61">
+            <a:extLst>
+              <a:ext uri="{FF2B5EF4-FFF2-40B4-BE49-F238E27FC236}">
+                <a16:creationId xmlns:a16="http://schemas.microsoft.com/office/drawing/2014/main" id="{84D08C5F-E315-4494-8DA8-DE1C96B28A00}"/>
+              </a:ext>
+            </a:extLst>
+          </p:cNvPr>
+          <p:cNvSpPr/>
+          <p:nvPr/>
+        </p:nvSpPr>
+        <p:spPr>
+          <a:xfrm>
+            <a:off x="1470329" y="646900"/>
+            <a:ext cx="1278965" cy="245035"/>
+          </a:xfrm>
+          <a:prstGeom prst="rect">
+            <a:avLst/>
+          </a:prstGeom>
+          <a:noFill/>
+          <a:ln>
+            <a:noFill/>
+          </a:ln>
+        </p:spPr>
+        <p:style>
+          <a:lnRef idx="2">
+            <a:schemeClr val="accent1">
+              <a:shade val="50000"/>
+            </a:schemeClr>
+          </a:lnRef>
+          <a:fillRef idx="1">
+            <a:schemeClr val="accent1"/>
+          </a:fillRef>
+          <a:effectRef idx="0">
+            <a:schemeClr val="accent1"/>
+          </a:effectRef>
+          <a:fontRef idx="minor">
+            <a:schemeClr val="lt1"/>
+          </a:fontRef>
+        </p:style>
+        <p:txBody>
+          <a:bodyPr rtlCol="0" anchor="ctr"/>
+          <a:lstStyle/>
+          <a:p>
+            <a:pPr algn="ctr"/>
+            <a:endParaRPr kumimoji="1" lang="ja-JP" altLang="en-US" baseline="-3000" dirty="0">
+              <a:solidFill>
+                <a:schemeClr val="tx1"/>
+              </a:solidFill>
+            </a:endParaRPr>
+          </a:p>
+        </p:txBody>
+      </p:sp>
+      <p:sp>
+        <p:nvSpPr>
+          <p:cNvPr id="67" name="正方形/長方形 66">
+            <a:extLst>
+              <a:ext uri="{FF2B5EF4-FFF2-40B4-BE49-F238E27FC236}">
+                <a16:creationId xmlns:a16="http://schemas.microsoft.com/office/drawing/2014/main" id="{FB47C035-D0E5-4682-A863-650971E56E47}"/>
+              </a:ext>
+            </a:extLst>
+          </p:cNvPr>
+          <p:cNvSpPr/>
+          <p:nvPr/>
+        </p:nvSpPr>
+        <p:spPr>
+          <a:xfrm>
+            <a:off x="764757" y="665590"/>
+            <a:ext cx="3875824" cy="5102750"/>
+          </a:xfrm>
+          <a:prstGeom prst="rect">
+            <a:avLst/>
+          </a:prstGeom>
+          <a:noFill/>
+          <a:ln w="9525">
+            <a:solidFill>
+              <a:schemeClr val="bg1">
+                <a:lumMod val="75000"/>
+              </a:schemeClr>
+            </a:solidFill>
+          </a:ln>
+        </p:spPr>
+        <p:style>
+          <a:lnRef idx="2">
+            <a:schemeClr val="accent1">
+              <a:shade val="50000"/>
+            </a:schemeClr>
+          </a:lnRef>
+          <a:fillRef idx="1">
+            <a:schemeClr val="accent1"/>
+          </a:fillRef>
+          <a:effectRef idx="0">
+            <a:schemeClr val="accent1"/>
+          </a:effectRef>
+          <a:fontRef idx="minor">
+            <a:schemeClr val="lt1"/>
+          </a:fontRef>
+        </p:style>
+        <p:txBody>
+          <a:bodyPr rtlCol="0" anchor="ctr"/>
+          <a:lstStyle/>
+          <a:p>
+            <a:pPr algn="ctr"/>
+            <a:endParaRPr kumimoji="1" lang="ja-JP" altLang="en-US"/>
+          </a:p>
+        </p:txBody>
+      </p:sp>
+      <p:sp>
+        <p:nvSpPr>
+          <p:cNvPr id="69" name="四角形: 角を丸くする 68">
+            <a:extLst>
+              <a:ext uri="{FF2B5EF4-FFF2-40B4-BE49-F238E27FC236}">
+                <a16:creationId xmlns:a16="http://schemas.microsoft.com/office/drawing/2014/main" id="{0059B860-355F-4A69-ACB2-9222937EB9D2}"/>
+              </a:ext>
+            </a:extLst>
+          </p:cNvPr>
+          <p:cNvSpPr/>
+          <p:nvPr/>
+        </p:nvSpPr>
+        <p:spPr>
+          <a:xfrm>
+            <a:off x="2842260" y="1584960"/>
+            <a:ext cx="1554474" cy="551838"/>
+          </a:xfrm>
+          <a:prstGeom prst="roundRect">
+            <a:avLst/>
+          </a:prstGeom>
+          <a:noFill/>
+          <a:ln w="12700">
+            <a:solidFill>
+              <a:srgbClr val="FF0000"/>
+            </a:solidFill>
+            <a:prstDash val="dash"/>
+          </a:ln>
+        </p:spPr>
+        <p:style>
+          <a:lnRef idx="2">
+            <a:schemeClr val="accent1">
+              <a:shade val="50000"/>
+            </a:schemeClr>
+          </a:lnRef>
+          <a:fillRef idx="1">
+            <a:schemeClr val="accent1"/>
+          </a:fillRef>
+          <a:effectRef idx="0">
+            <a:schemeClr val="accent1"/>
+          </a:effectRef>
+          <a:fontRef idx="minor">
+            <a:schemeClr val="lt1"/>
+          </a:fontRef>
+        </p:style>
+        <p:txBody>
+          <a:bodyPr rtlCol="0" anchor="ctr"/>
+          <a:lstStyle/>
+          <a:p>
+            <a:pPr algn="ctr"/>
+            <a:endParaRPr kumimoji="1" lang="ja-JP" altLang="en-US"/>
           </a:p>
         </p:txBody>
       </p:sp>
@@ -3499,15 +5376,7 @@
                 <a:ea typeface="メイリオ" panose="020B0604030504040204" pitchFamily="50" charset="-128"/>
                 <a:cs typeface="HackGen" panose="020B0509020203020207" pitchFamily="49" charset="-128"/>
               </a:rPr>
-              <a:t>解説</a:t>
-            </a:r>
-            <a:r>
-              <a:rPr lang="ja-JP" altLang="en-US" sz="3200" dirty="0" smtClean="0">
-                <a:latin typeface="+mn-lt"/>
-                <a:ea typeface="メイリオ" panose="020B0604030504040204" pitchFamily="50" charset="-128"/>
-                <a:cs typeface="HackGen" panose="020B0509020203020207" pitchFamily="49" charset="-128"/>
-              </a:rPr>
-              <a:t>予定のモデル</a:t>
+              <a:t>解説予定のモデル</a:t>
             </a:r>
             <a:endParaRPr kumimoji="1" lang="ja-JP" altLang="en-US" sz="3200" dirty="0">
               <a:latin typeface="+mn-lt"/>
@@ -3540,7 +5409,7 @@
           <a:lstStyle/>
           <a:p>
             <a:r>
-              <a:rPr lang="en-US" altLang="ja-JP" sz="2000" dirty="0" smtClean="0">
+              <a:rPr lang="en-US" altLang="ja-JP" sz="2000" dirty="0">
                 <a:ea typeface="メイリオ" panose="020B0604030504040204" pitchFamily="50" charset="-128"/>
                 <a:cs typeface="HackGen" panose="020B0509020203020207" pitchFamily="49" charset="-128"/>
               </a:rPr>
@@ -3549,7 +5418,7 @@
           </a:p>
           <a:p>
             <a:r>
-              <a:rPr lang="en-US" altLang="ja-JP" sz="2000" dirty="0" smtClean="0">
+              <a:rPr lang="en-US" altLang="ja-JP" sz="2000" dirty="0">
                 <a:latin typeface="+mn-lt"/>
                 <a:ea typeface="メイリオ" panose="020B0604030504040204" pitchFamily="50" charset="-128"/>
                 <a:cs typeface="HackGen" panose="020B0509020203020207" pitchFamily="49" charset="-128"/>
@@ -3559,7 +5428,7 @@
           </a:p>
           <a:p>
             <a:r>
-              <a:rPr lang="en-US" altLang="ja-JP" sz="2000" dirty="0" smtClean="0">
+              <a:rPr lang="en-US" altLang="ja-JP" sz="2000" dirty="0">
                 <a:latin typeface="+mn-lt"/>
                 <a:ea typeface="メイリオ" panose="020B0604030504040204" pitchFamily="50" charset="-128"/>
                 <a:cs typeface="HackGen" panose="020B0509020203020207" pitchFamily="49" charset="-128"/>
@@ -3569,7 +5438,7 @@
           </a:p>
           <a:p>
             <a:r>
-              <a:rPr lang="en-US" altLang="ja-JP" sz="2000" dirty="0" smtClean="0">
+              <a:rPr lang="en-US" altLang="ja-JP" sz="2000" dirty="0">
                 <a:ea typeface="メイリオ" panose="020B0604030504040204" pitchFamily="50" charset="-128"/>
                 <a:cs typeface="HackGen" panose="020B0509020203020207" pitchFamily="49" charset="-128"/>
               </a:rPr>
@@ -3578,85 +5447,85 @@
           </a:p>
           <a:p>
             <a:r>
-              <a:rPr lang="en-US" altLang="ja-JP" sz="2000" dirty="0" err="1" smtClean="0">
+              <a:rPr lang="en-US" altLang="ja-JP" sz="2000" dirty="0" err="1">
                 <a:ea typeface="メイリオ" panose="020B0604030504040204" pitchFamily="50" charset="-128"/>
                 <a:cs typeface="HackGen" panose="020B0509020203020207" pitchFamily="49" charset="-128"/>
               </a:rPr>
               <a:t>VGGNet</a:t>
             </a:r>
-            <a:endParaRPr lang="en-US" altLang="ja-JP" sz="2000" dirty="0" smtClean="0">
+            <a:endParaRPr lang="en-US" altLang="ja-JP" sz="2000" dirty="0">
               <a:ea typeface="メイリオ" panose="020B0604030504040204" pitchFamily="50" charset="-128"/>
               <a:cs typeface="HackGen" panose="020B0509020203020207" pitchFamily="49" charset="-128"/>
             </a:endParaRPr>
           </a:p>
           <a:p>
             <a:r>
-              <a:rPr lang="en-US" altLang="ja-JP" sz="2000" dirty="0" err="1" smtClean="0">
+              <a:rPr lang="en-US" altLang="ja-JP" sz="2000" dirty="0" err="1">
                 <a:ea typeface="メイリオ" panose="020B0604030504040204" pitchFamily="50" charset="-128"/>
                 <a:cs typeface="HackGen" panose="020B0509020203020207" pitchFamily="49" charset="-128"/>
               </a:rPr>
               <a:t>ResNet</a:t>
             </a:r>
-            <a:endParaRPr lang="en-US" altLang="ja-JP" sz="2000" dirty="0" smtClean="0">
+            <a:endParaRPr lang="en-US" altLang="ja-JP" sz="2000" dirty="0">
               <a:ea typeface="メイリオ" panose="020B0604030504040204" pitchFamily="50" charset="-128"/>
               <a:cs typeface="HackGen" panose="020B0509020203020207" pitchFamily="49" charset="-128"/>
             </a:endParaRPr>
           </a:p>
           <a:p>
             <a:r>
-              <a:rPr lang="en-US" altLang="ja-JP" sz="2000" dirty="0" err="1" smtClean="0">
+              <a:rPr lang="en-US" altLang="ja-JP" sz="2000" dirty="0" err="1">
                 <a:ea typeface="メイリオ" panose="020B0604030504040204" pitchFamily="50" charset="-128"/>
                 <a:cs typeface="HackGen" panose="020B0509020203020207" pitchFamily="49" charset="-128"/>
               </a:rPr>
               <a:t>AlexNet</a:t>
             </a:r>
-            <a:endParaRPr lang="en-US" altLang="ja-JP" sz="2000" dirty="0" smtClean="0">
+            <a:endParaRPr lang="en-US" altLang="ja-JP" sz="2000" dirty="0">
               <a:ea typeface="メイリオ" panose="020B0604030504040204" pitchFamily="50" charset="-128"/>
               <a:cs typeface="HackGen" panose="020B0509020203020207" pitchFamily="49" charset="-128"/>
             </a:endParaRPr>
           </a:p>
           <a:p>
             <a:r>
-              <a:rPr lang="en-US" altLang="ja-JP" sz="2000" dirty="0" err="1" smtClean="0">
+              <a:rPr lang="en-US" altLang="ja-JP" sz="2000" dirty="0" err="1">
                 <a:ea typeface="メイリオ" panose="020B0604030504040204" pitchFamily="50" charset="-128"/>
                 <a:cs typeface="HackGen" panose="020B0509020203020207" pitchFamily="49" charset="-128"/>
               </a:rPr>
               <a:t>GoogLeNet</a:t>
             </a:r>
-            <a:endParaRPr lang="en-US" altLang="ja-JP" sz="2000" dirty="0" smtClean="0">
+            <a:endParaRPr lang="en-US" altLang="ja-JP" sz="2000" dirty="0">
               <a:ea typeface="メイリオ" panose="020B0604030504040204" pitchFamily="50" charset="-128"/>
               <a:cs typeface="HackGen" panose="020B0509020203020207" pitchFamily="49" charset="-128"/>
             </a:endParaRPr>
           </a:p>
           <a:p>
             <a:r>
-              <a:rPr lang="en-US" altLang="ja-JP" sz="2000" dirty="0" err="1" smtClean="0">
+              <a:rPr lang="en-US" altLang="ja-JP" sz="2000" dirty="0" err="1">
                 <a:ea typeface="メイリオ" panose="020B0604030504040204" pitchFamily="50" charset="-128"/>
                 <a:cs typeface="HackGen" panose="020B0509020203020207" pitchFamily="49" charset="-128"/>
               </a:rPr>
               <a:t>SENet</a:t>
             </a:r>
-            <a:endParaRPr lang="en-US" altLang="ja-JP" sz="2000" dirty="0" smtClean="0">
+            <a:endParaRPr lang="en-US" altLang="ja-JP" sz="2000" dirty="0">
               <a:ea typeface="メイリオ" panose="020B0604030504040204" pitchFamily="50" charset="-128"/>
               <a:cs typeface="HackGen" panose="020B0509020203020207" pitchFamily="49" charset="-128"/>
             </a:endParaRPr>
           </a:p>
           <a:p>
             <a:r>
-              <a:rPr lang="en-US" altLang="ja-JP" sz="2000" dirty="0" err="1" smtClean="0">
+              <a:rPr lang="en-US" altLang="ja-JP" sz="2000" dirty="0" err="1">
                 <a:ea typeface="メイリオ" panose="020B0604030504040204" pitchFamily="50" charset="-128"/>
                 <a:cs typeface="HackGen" panose="020B0509020203020207" pitchFamily="49" charset="-128"/>
               </a:rPr>
               <a:t>Xception</a:t>
             </a:r>
-            <a:endParaRPr lang="en-US" altLang="ja-JP" sz="2000" dirty="0" smtClean="0">
+            <a:endParaRPr lang="en-US" altLang="ja-JP" sz="2000" dirty="0">
               <a:ea typeface="メイリオ" panose="020B0604030504040204" pitchFamily="50" charset="-128"/>
               <a:cs typeface="HackGen" panose="020B0509020203020207" pitchFamily="49" charset="-128"/>
             </a:endParaRPr>
           </a:p>
           <a:p>
             <a:r>
-              <a:rPr lang="en-US" altLang="ja-JP" sz="2000" dirty="0" smtClean="0">
+              <a:rPr lang="en-US" altLang="ja-JP" sz="2000" dirty="0">
                 <a:ea typeface="メイリオ" panose="020B0604030504040204" pitchFamily="50" charset="-128"/>
                 <a:cs typeface="HackGen" panose="020B0509020203020207" pitchFamily="49" charset="-128"/>
               </a:rPr>
@@ -3669,18 +5538,11 @@
                 <a:ea typeface="メイリオ" panose="020B0604030504040204" pitchFamily="50" charset="-128"/>
                 <a:cs typeface="HackGen" panose="020B0509020203020207" pitchFamily="49" charset="-128"/>
               </a:rPr>
-              <a:t>Noisy </a:t>
-            </a:r>
-            <a:r>
-              <a:rPr lang="en-US" altLang="ja-JP" sz="2000" dirty="0" smtClean="0">
-                <a:ea typeface="メイリオ" panose="020B0604030504040204" pitchFamily="50" charset="-128"/>
-                <a:cs typeface="HackGen" panose="020B0509020203020207" pitchFamily="49" charset="-128"/>
-              </a:rPr>
-              <a:t>Student</a:t>
-            </a:r>
-          </a:p>
-          <a:p>
-            <a:endParaRPr lang="en-US" altLang="ja-JP" sz="2000" dirty="0" smtClean="0">
+              <a:t>Noisy Student</a:t>
+            </a:r>
+          </a:p>
+          <a:p>
+            <a:endParaRPr lang="en-US" altLang="ja-JP" sz="2000" dirty="0">
               <a:ea typeface="メイリオ" panose="020B0604030504040204" pitchFamily="50" charset="-128"/>
               <a:cs typeface="HackGen" panose="020B0509020203020207" pitchFamily="49" charset="-128"/>
             </a:endParaRPr>
@@ -3874,33 +5736,33 @@
           </a:lstStyle>
           <a:p>
             <a:r>
-              <a:rPr lang="en-US" altLang="ja-JP" sz="2000" dirty="0" err="1" smtClean="0">
+              <a:rPr lang="en-US" altLang="ja-JP" sz="2000" dirty="0" err="1">
                 <a:ea typeface="メイリオ" panose="020B0604030504040204" pitchFamily="50" charset="-128"/>
                 <a:cs typeface="HackGen" panose="020B0509020203020207" pitchFamily="49" charset="-128"/>
               </a:rPr>
               <a:t>ConvNet</a:t>
             </a:r>
-            <a:endParaRPr lang="en-US" altLang="ja-JP" sz="2000" dirty="0" smtClean="0">
+            <a:endParaRPr lang="en-US" altLang="ja-JP" sz="2000" dirty="0">
               <a:ea typeface="メイリオ" panose="020B0604030504040204" pitchFamily="50" charset="-128"/>
               <a:cs typeface="HackGen" panose="020B0509020203020207" pitchFamily="49" charset="-128"/>
             </a:endParaRPr>
           </a:p>
           <a:p>
             <a:r>
-              <a:rPr lang="en-US" altLang="ja-JP" sz="2000" dirty="0" err="1" smtClean="0">
+              <a:rPr lang="en-US" altLang="ja-JP" sz="2000" dirty="0" err="1">
                 <a:ea typeface="メイリオ" panose="020B0604030504040204" pitchFamily="50" charset="-128"/>
                 <a:cs typeface="HackGen" panose="020B0509020203020207" pitchFamily="49" charset="-128"/>
               </a:rPr>
               <a:t>DenseNet</a:t>
             </a:r>
-            <a:endParaRPr lang="en-US" altLang="ja-JP" sz="2000" dirty="0" smtClean="0">
+            <a:endParaRPr lang="en-US" altLang="ja-JP" sz="2000" dirty="0">
               <a:ea typeface="メイリオ" panose="020B0604030504040204" pitchFamily="50" charset="-128"/>
               <a:cs typeface="HackGen" panose="020B0509020203020207" pitchFamily="49" charset="-128"/>
             </a:endParaRPr>
           </a:p>
           <a:p>
             <a:r>
-              <a:rPr lang="en-US" altLang="ja-JP" sz="2000" dirty="0" smtClean="0">
+              <a:rPr lang="en-US" altLang="ja-JP" sz="2000" dirty="0">
                 <a:ea typeface="メイリオ" panose="020B0604030504040204" pitchFamily="50" charset="-128"/>
                 <a:cs typeface="HackGen" panose="020B0509020203020207" pitchFamily="49" charset="-128"/>
               </a:rPr>
@@ -3909,46 +5771,46 @@
           </a:p>
           <a:p>
             <a:r>
-              <a:rPr lang="en-US" altLang="ja-JP" sz="2000" dirty="0" err="1" smtClean="0">
+              <a:rPr lang="en-US" altLang="ja-JP" sz="2000" dirty="0" err="1">
                 <a:ea typeface="メイリオ" panose="020B0604030504040204" pitchFamily="50" charset="-128"/>
                 <a:cs typeface="HackGen" panose="020B0509020203020207" pitchFamily="49" charset="-128"/>
               </a:rPr>
               <a:t>Mnasnet</a:t>
             </a:r>
-            <a:endParaRPr lang="en-US" altLang="ja-JP" sz="2000" dirty="0" smtClean="0">
+            <a:endParaRPr lang="en-US" altLang="ja-JP" sz="2000" dirty="0">
               <a:ea typeface="メイリオ" panose="020B0604030504040204" pitchFamily="50" charset="-128"/>
               <a:cs typeface="HackGen" panose="020B0509020203020207" pitchFamily="49" charset="-128"/>
             </a:endParaRPr>
           </a:p>
           <a:p>
             <a:r>
-              <a:rPr lang="en-US" altLang="ja-JP" sz="2000" dirty="0" err="1" smtClean="0">
+              <a:rPr lang="en-US" altLang="ja-JP" sz="2000" dirty="0" err="1">
                 <a:ea typeface="メイリオ" panose="020B0604030504040204" pitchFamily="50" charset="-128"/>
                 <a:cs typeface="HackGen" panose="020B0509020203020207" pitchFamily="49" charset="-128"/>
               </a:rPr>
               <a:t>RegNet</a:t>
             </a:r>
-            <a:endParaRPr lang="en-US" altLang="ja-JP" sz="2000" dirty="0" smtClean="0">
+            <a:endParaRPr lang="en-US" altLang="ja-JP" sz="2000" dirty="0">
               <a:ea typeface="メイリオ" panose="020B0604030504040204" pitchFamily="50" charset="-128"/>
               <a:cs typeface="HackGen" panose="020B0509020203020207" pitchFamily="49" charset="-128"/>
             </a:endParaRPr>
           </a:p>
           <a:p>
             <a:r>
-              <a:rPr lang="en-US" altLang="ja-JP" sz="2000" dirty="0" err="1" smtClean="0">
+              <a:rPr lang="en-US" altLang="ja-JP" sz="2000" dirty="0" err="1">
                 <a:ea typeface="メイリオ" panose="020B0604030504040204" pitchFamily="50" charset="-128"/>
                 <a:cs typeface="HackGen" panose="020B0509020203020207" pitchFamily="49" charset="-128"/>
               </a:rPr>
               <a:t>ShuffleNet</a:t>
             </a:r>
-            <a:endParaRPr lang="en-US" altLang="ja-JP" sz="2000" dirty="0" smtClean="0">
+            <a:endParaRPr lang="en-US" altLang="ja-JP" sz="2000" dirty="0">
               <a:ea typeface="メイリオ" panose="020B0604030504040204" pitchFamily="50" charset="-128"/>
               <a:cs typeface="HackGen" panose="020B0509020203020207" pitchFamily="49" charset="-128"/>
             </a:endParaRPr>
           </a:p>
           <a:p>
             <a:r>
-              <a:rPr lang="en-US" altLang="ja-JP" sz="2000" dirty="0" smtClean="0">
+              <a:rPr lang="en-US" altLang="ja-JP" sz="2000" dirty="0">
                 <a:ea typeface="メイリオ" panose="020B0604030504040204" pitchFamily="50" charset="-128"/>
                 <a:cs typeface="HackGen" panose="020B0509020203020207" pitchFamily="49" charset="-128"/>
               </a:rPr>
@@ -3957,20 +5819,20 @@
           </a:p>
           <a:p>
             <a:r>
-              <a:rPr lang="en-US" altLang="ja-JP" sz="2000" dirty="0" err="1" smtClean="0">
+              <a:rPr lang="en-US" altLang="ja-JP" sz="2000" dirty="0" err="1">
                 <a:ea typeface="メイリオ" panose="020B0604030504040204" pitchFamily="50" charset="-128"/>
                 <a:cs typeface="HackGen" panose="020B0509020203020207" pitchFamily="49" charset="-128"/>
               </a:rPr>
               <a:t>SqueezeNet</a:t>
             </a:r>
-            <a:endParaRPr lang="en-US" altLang="ja-JP" sz="2000" dirty="0" smtClean="0">
+            <a:endParaRPr lang="en-US" altLang="ja-JP" sz="2000" dirty="0">
               <a:ea typeface="メイリオ" panose="020B0604030504040204" pitchFamily="50" charset="-128"/>
               <a:cs typeface="HackGen" panose="020B0509020203020207" pitchFamily="49" charset="-128"/>
             </a:endParaRPr>
           </a:p>
           <a:p>
             <a:r>
-              <a:rPr lang="en-US" altLang="ja-JP" sz="2000" dirty="0" smtClean="0">
+              <a:rPr lang="en-US" altLang="ja-JP" sz="2000" dirty="0">
                 <a:ea typeface="メイリオ" panose="020B0604030504040204" pitchFamily="50" charset="-128"/>
                 <a:cs typeface="HackGen" panose="020B0509020203020207" pitchFamily="49" charset="-128"/>
               </a:rPr>
@@ -3979,20 +5841,20 @@
           </a:p>
           <a:p>
             <a:r>
-              <a:rPr lang="en-US" altLang="ja-JP" sz="2000" dirty="0" err="1" smtClean="0">
+              <a:rPr lang="en-US" altLang="ja-JP" sz="2000" dirty="0" err="1">
                 <a:ea typeface="メイリオ" panose="020B0604030504040204" pitchFamily="50" charset="-128"/>
                 <a:cs typeface="HackGen" panose="020B0509020203020207" pitchFamily="49" charset="-128"/>
               </a:rPr>
               <a:t>DeepLab</a:t>
             </a:r>
-            <a:endParaRPr lang="en-US" altLang="ja-JP" sz="2000" dirty="0" smtClean="0">
+            <a:endParaRPr lang="en-US" altLang="ja-JP" sz="2000" dirty="0">
               <a:ea typeface="メイリオ" panose="020B0604030504040204" pitchFamily="50" charset="-128"/>
               <a:cs typeface="HackGen" panose="020B0509020203020207" pitchFamily="49" charset="-128"/>
             </a:endParaRPr>
           </a:p>
           <a:p>
             <a:r>
-              <a:rPr lang="en-US" altLang="ja-JP" sz="2000" dirty="0" smtClean="0">
+              <a:rPr lang="en-US" altLang="ja-JP" sz="2000" dirty="0">
                 <a:ea typeface="メイリオ" panose="020B0604030504040204" pitchFamily="50" charset="-128"/>
                 <a:cs typeface="HackGen" panose="020B0509020203020207" pitchFamily="49" charset="-128"/>
               </a:rPr>
@@ -4001,19 +5863,19 @@
           </a:p>
           <a:p>
             <a:r>
-              <a:rPr lang="en-US" altLang="ja-JP" sz="2000" dirty="0" err="1" smtClean="0">
+              <a:rPr lang="en-US" altLang="ja-JP" sz="2000" dirty="0" err="1">
                 <a:ea typeface="メイリオ" panose="020B0604030504040204" pitchFamily="50" charset="-128"/>
                 <a:cs typeface="HackGen" panose="020B0509020203020207" pitchFamily="49" charset="-128"/>
               </a:rPr>
               <a:t>Lraspp</a:t>
             </a:r>
-            <a:endParaRPr lang="en-US" altLang="ja-JP" sz="2000" dirty="0" smtClean="0">
+            <a:endParaRPr lang="en-US" altLang="ja-JP" sz="2000" dirty="0">
               <a:ea typeface="メイリオ" panose="020B0604030504040204" pitchFamily="50" charset="-128"/>
               <a:cs typeface="HackGen" panose="020B0509020203020207" pitchFamily="49" charset="-128"/>
             </a:endParaRPr>
           </a:p>
           <a:p>
-            <a:endParaRPr lang="en-US" altLang="ja-JP" sz="2000" dirty="0" smtClean="0">
+            <a:endParaRPr lang="en-US" altLang="ja-JP" sz="2000" dirty="0">
               <a:ea typeface="メイリオ" panose="020B0604030504040204" pitchFamily="50" charset="-128"/>
               <a:cs typeface="HackGen" panose="020B0509020203020207" pitchFamily="49" charset="-128"/>
             </a:endParaRPr>
@@ -4073,7 +5935,7 @@
           <a:lstStyle/>
           <a:p>
             <a:r>
-              <a:rPr kumimoji="1" lang="en-US" altLang="ja-JP" sz="3200" dirty="0" err="1" smtClean="0">
+              <a:rPr kumimoji="1" lang="en-US" altLang="ja-JP" sz="3200" dirty="0" err="1">
                 <a:latin typeface="+mn-lt"/>
                 <a:ea typeface="メイリオ" panose="020B0604030504040204" pitchFamily="50" charset="-128"/>
                 <a:cs typeface="HackGen" panose="020B0509020203020207" pitchFamily="49" charset="-128"/>
@@ -4081,7 +5943,7 @@
               <a:t>MobileNets</a:t>
             </a:r>
             <a:r>
-              <a:rPr kumimoji="1" lang="en-US" altLang="ja-JP" sz="3200" dirty="0" smtClean="0">
+              <a:rPr kumimoji="1" lang="en-US" altLang="ja-JP" sz="3200" dirty="0">
                 <a:latin typeface="+mn-lt"/>
                 <a:ea typeface="メイリオ" panose="020B0604030504040204" pitchFamily="50" charset="-128"/>
                 <a:cs typeface="HackGen" panose="020B0509020203020207" pitchFamily="49" charset="-128"/>
@@ -4119,7 +5981,7 @@
           <a:lstStyle/>
           <a:p>
             <a:r>
-              <a:rPr lang="en-US" altLang="ja-JP" sz="2000" dirty="0" err="1" smtClean="0">
+              <a:rPr lang="en-US" altLang="ja-JP" sz="2000" dirty="0" err="1">
                 <a:ea typeface="メイリオ" panose="020B0604030504040204" pitchFamily="50" charset="-128"/>
                 <a:cs typeface="HackGen" panose="020B0509020203020207" pitchFamily="49" charset="-128"/>
               </a:rPr>
@@ -4130,89 +5992,82 @@
                 <a:ea typeface="メイリオ" panose="020B0604030504040204" pitchFamily="50" charset="-128"/>
                 <a:cs typeface="HackGen" panose="020B0509020203020207" pitchFamily="49" charset="-128"/>
               </a:rPr>
-              <a:t>: Efficient Convolutional Neural Networks for Mobile Vision </a:t>
-            </a:r>
-            <a:r>
-              <a:rPr lang="en-US" altLang="ja-JP" sz="2000" dirty="0" smtClean="0">
-                <a:ea typeface="メイリオ" panose="020B0604030504040204" pitchFamily="50" charset="-128"/>
-                <a:cs typeface="HackGen" panose="020B0509020203020207" pitchFamily="49" charset="-128"/>
-              </a:rPr>
-              <a:t>Applications(Google Inc.)</a:t>
+              <a:t>: Efficient Convolutional Neural Networks for Mobile Vision Applications(Google Inc.)</a:t>
             </a:r>
           </a:p>
           <a:p>
             <a:pPr lvl="1"/>
             <a:r>
-              <a:rPr lang="en-US" altLang="ja-JP" sz="1600" dirty="0" smtClean="0">
+              <a:rPr lang="en-US" altLang="ja-JP" sz="1600" dirty="0">
                 <a:ea typeface="メイリオ" panose="020B0604030504040204" pitchFamily="50" charset="-128"/>
                 <a:cs typeface="HackGen" panose="020B0509020203020207" pitchFamily="49" charset="-128"/>
                 <a:hlinkClick r:id="rId2"/>
               </a:rPr>
               <a:t>https://arxiv.org/abs/1704.04861</a:t>
             </a:r>
-            <a:endParaRPr lang="en-US" altLang="ja-JP" sz="1600" dirty="0" smtClean="0">
+            <a:endParaRPr lang="en-US" altLang="ja-JP" sz="1600" dirty="0">
               <a:ea typeface="メイリオ" panose="020B0604030504040204" pitchFamily="50" charset="-128"/>
               <a:cs typeface="HackGen" panose="020B0509020203020207" pitchFamily="49" charset="-128"/>
             </a:endParaRPr>
           </a:p>
           <a:p>
             <a:r>
-              <a:rPr lang="ja-JP" altLang="en-US" sz="2000" dirty="0" smtClean="0">
+              <a:rPr lang="ja-JP" altLang="en-US" sz="2000" dirty="0">
                 <a:ea typeface="メイリオ" panose="020B0604030504040204" pitchFamily="50" charset="-128"/>
                 <a:cs typeface="HackGen" panose="020B0509020203020207" pitchFamily="49" charset="-128"/>
               </a:rPr>
               <a:t>畳み込みを</a:t>
             </a:r>
             <a:r>
-              <a:rPr lang="en-US" altLang="ja-JP" sz="2000" dirty="0" err="1" smtClean="0">
+              <a:rPr lang="en-US" altLang="ja-JP" sz="2000" dirty="0" err="1">
                 <a:ea typeface="メイリオ" panose="020B0604030504040204" pitchFamily="50" charset="-128"/>
                 <a:cs typeface="HackGen" panose="020B0509020203020207" pitchFamily="49" charset="-128"/>
               </a:rPr>
               <a:t>depthwise</a:t>
             </a:r>
             <a:r>
-              <a:rPr lang="en-US" altLang="ja-JP" sz="2000" dirty="0" smtClean="0">
+              <a:rPr lang="en-US" altLang="ja-JP" sz="2000" dirty="0">
                 <a:ea typeface="メイリオ" panose="020B0604030504040204" pitchFamily="50" charset="-128"/>
                 <a:cs typeface="HackGen" panose="020B0509020203020207" pitchFamily="49" charset="-128"/>
               </a:rPr>
               <a:t>(</a:t>
             </a:r>
             <a:r>
-              <a:rPr lang="en-US" altLang="ja-JP" sz="2000" dirty="0" err="1" smtClean="0">
+              <a:rPr lang="en-US" altLang="ja-JP" sz="2000" dirty="0" err="1">
                 <a:ea typeface="メイリオ" panose="020B0604030504040204" pitchFamily="50" charset="-128"/>
                 <a:cs typeface="HackGen" panose="020B0509020203020207" pitchFamily="49" charset="-128"/>
               </a:rPr>
               <a:t>dw</a:t>
             </a:r>
             <a:r>
-              <a:rPr lang="en-US" altLang="ja-JP" sz="2000" dirty="0" smtClean="0">
+              <a:rPr lang="en-US" altLang="ja-JP" sz="2000" dirty="0">
                 <a:ea typeface="メイリオ" panose="020B0604030504040204" pitchFamily="50" charset="-128"/>
                 <a:cs typeface="HackGen" panose="020B0509020203020207" pitchFamily="49" charset="-128"/>
               </a:rPr>
               <a:t>)</a:t>
             </a:r>
             <a:r>
-              <a:rPr lang="ja-JP" altLang="en-US" sz="2000" dirty="0" smtClean="0">
+              <a:rPr lang="ja-JP" altLang="en-US" sz="2000" dirty="0">
                 <a:ea typeface="メイリオ" panose="020B0604030504040204" pitchFamily="50" charset="-128"/>
                 <a:cs typeface="HackGen" panose="020B0509020203020207" pitchFamily="49" charset="-128"/>
               </a:rPr>
               <a:t>と</a:t>
             </a:r>
             <a:r>
-              <a:rPr lang="en-US" altLang="ja-JP" sz="2000" dirty="0" smtClean="0">
+              <a:rPr lang="en-US" altLang="ja-JP" sz="2000" dirty="0">
                 <a:ea typeface="メイリオ" panose="020B0604030504040204" pitchFamily="50" charset="-128"/>
                 <a:cs typeface="HackGen" panose="020B0509020203020207" pitchFamily="49" charset="-128"/>
               </a:rPr>
               <a:t>pointwise(pw)</a:t>
             </a:r>
             <a:r>
-              <a:rPr lang="ja-JP" altLang="en-US" sz="2000" dirty="0" smtClean="0">
+              <a:rPr lang="ja-JP" altLang="en-US" sz="2000" dirty="0">
                 <a:ea typeface="メイリオ" panose="020B0604030504040204" pitchFamily="50" charset="-128"/>
                 <a:cs typeface="HackGen" panose="020B0509020203020207" pitchFamily="49" charset="-128"/>
               </a:rPr>
               <a:t>に分割して効率的な畳み込みを実現</a:t>
             </a:r>
-            <a:endParaRPr lang="en-US" altLang="ja-JP" sz="2000" dirty="0" smtClean="0">
+            <a:endParaRPr lang="en-US" altLang="ja-JP" sz="2000" dirty="0">
               <a:ea typeface="メイリオ" panose="020B0604030504040204" pitchFamily="50" charset="-128"/>
               <a:cs typeface="HackGen" panose="020B0509020203020207" pitchFamily="49" charset="-128"/>
             </a:endParaRPr>
@@ -4256,13 +6111,13 @@
             <a:lstStyle/>
             <a:p>
               <a:r>
-                <a:rPr lang="ja-JP" altLang="en-US" dirty="0" smtClean="0">
+                <a:rPr lang="ja-JP" altLang="en-US" dirty="0">
                   <a:ea typeface="メイリオ" panose="020B0604030504040204" pitchFamily="50" charset="-128"/>
                   <a:cs typeface="HackGen" panose="020B0509020203020207" pitchFamily="49" charset="-128"/>
                 </a:rPr>
                 <a:t>通常の畳み込み</a:t>
               </a:r>
-              <a:endParaRPr lang="en-US" altLang="ja-JP" dirty="0" smtClean="0">
+              <a:endParaRPr lang="en-US" altLang="ja-JP" dirty="0">
                 <a:ea typeface="メイリオ" panose="020B0604030504040204" pitchFamily="50" charset="-128"/>
                 <a:cs typeface="HackGen" panose="020B0509020203020207" pitchFamily="49" charset="-128"/>
               </a:endParaRPr>
@@ -4273,59 +6128,52 @@
                   <a:ea typeface="メイリオ" panose="020B0604030504040204" pitchFamily="50" charset="-128"/>
                   <a:cs typeface="HackGen" panose="020B0509020203020207" pitchFamily="49" charset="-128"/>
                 </a:rPr>
-                <a:t>s</a:t>
+                <a:t>shape = </a:t>
               </a:r>
               <a:r>
-                <a:rPr lang="en-US" altLang="ja-JP" dirty="0" smtClean="0">
-                  <a:ea typeface="メイリオ" panose="020B0604030504040204" pitchFamily="50" charset="-128"/>
-                  <a:cs typeface="HackGen" panose="020B0509020203020207" pitchFamily="49" charset="-128"/>
-                </a:rPr>
-                <a:t>hape = </a:t>
-              </a:r>
-              <a:r>
-                <a:rPr lang="en-US" altLang="ja-JP" dirty="0" err="1" smtClean="0">
+                <a:rPr lang="en-US" altLang="ja-JP" dirty="0" err="1">
                   <a:ea typeface="メイリオ" panose="020B0604030504040204" pitchFamily="50" charset="-128"/>
                   <a:cs typeface="HackGen" panose="020B0509020203020207" pitchFamily="49" charset="-128"/>
                 </a:rPr>
                 <a:t>ksize</a:t>
               </a:r>
               <a:r>
-                <a:rPr kumimoji="1" lang="en-US" altLang="ja-JP" dirty="0" smtClean="0">
+                <a:rPr kumimoji="1" lang="en-US" altLang="ja-JP" dirty="0">
                   <a:ea typeface="メイリオ" panose="020B0604030504040204" pitchFamily="50" charset="-128"/>
                   <a:cs typeface="HackGen" panose="020B0509020203020207" pitchFamily="49" charset="-128"/>
                 </a:rPr>
                 <a:t> x </a:t>
               </a:r>
               <a:r>
-                <a:rPr kumimoji="1" lang="en-US" altLang="ja-JP" dirty="0" err="1" smtClean="0">
+                <a:rPr kumimoji="1" lang="en-US" altLang="ja-JP" dirty="0" err="1">
                   <a:ea typeface="メイリオ" panose="020B0604030504040204" pitchFamily="50" charset="-128"/>
                   <a:cs typeface="HackGen" panose="020B0509020203020207" pitchFamily="49" charset="-128"/>
                 </a:rPr>
                 <a:t>ksize</a:t>
               </a:r>
               <a:r>
-                <a:rPr kumimoji="1" lang="en-US" altLang="ja-JP" dirty="0" smtClean="0">
+                <a:rPr kumimoji="1" lang="en-US" altLang="ja-JP" dirty="0">
                   <a:ea typeface="メイリオ" panose="020B0604030504040204" pitchFamily="50" charset="-128"/>
                   <a:cs typeface="HackGen" panose="020B0509020203020207" pitchFamily="49" charset="-128"/>
                 </a:rPr>
                 <a:t> x </a:t>
               </a:r>
               <a:r>
-                <a:rPr kumimoji="1" lang="en-US" altLang="ja-JP" dirty="0" err="1" smtClean="0">
+                <a:rPr kumimoji="1" lang="en-US" altLang="ja-JP" dirty="0" err="1">
                   <a:ea typeface="メイリオ" panose="020B0604030504040204" pitchFamily="50" charset="-128"/>
                   <a:cs typeface="HackGen" panose="020B0509020203020207" pitchFamily="49" charset="-128"/>
                 </a:rPr>
                 <a:t>InputSize</a:t>
               </a:r>
               <a:r>
-                <a:rPr kumimoji="1" lang="en-US" altLang="ja-JP" dirty="0" smtClean="0">
+                <a:rPr kumimoji="1" lang="en-US" altLang="ja-JP" dirty="0">
                   <a:ea typeface="メイリオ" panose="020B0604030504040204" pitchFamily="50" charset="-128"/>
                   <a:cs typeface="HackGen" panose="020B0509020203020207" pitchFamily="49" charset="-128"/>
                 </a:rPr>
                 <a:t> x </a:t>
               </a:r>
               <a:r>
-                <a:rPr kumimoji="1" lang="en-US" altLang="ja-JP" dirty="0" err="1" smtClean="0">
+                <a:rPr kumimoji="1" lang="en-US" altLang="ja-JP" dirty="0" err="1">
                   <a:ea typeface="メイリオ" panose="020B0604030504040204" pitchFamily="50" charset="-128"/>
                   <a:cs typeface="HackGen" panose="020B0509020203020207" pitchFamily="49" charset="-128"/>
                 </a:rPr>
@@ -4361,27 +6209,27 @@
             <a:lstStyle/>
             <a:p>
               <a:r>
-                <a:rPr lang="en-US" altLang="ja-JP" dirty="0" err="1" smtClean="0">
+                <a:rPr lang="en-US" altLang="ja-JP" dirty="0" err="1">
                   <a:ea typeface="メイリオ" panose="020B0604030504040204" pitchFamily="50" charset="-128"/>
                   <a:cs typeface="HackGen" panose="020B0509020203020207" pitchFamily="49" charset="-128"/>
                 </a:rPr>
                 <a:t>MobileNets</a:t>
               </a:r>
               <a:r>
-                <a:rPr lang="en-US" altLang="ja-JP" dirty="0" smtClean="0">
+                <a:rPr lang="en-US" altLang="ja-JP" dirty="0">
                   <a:ea typeface="メイリオ" panose="020B0604030504040204" pitchFamily="50" charset="-128"/>
                   <a:cs typeface="HackGen" panose="020B0509020203020207" pitchFamily="49" charset="-128"/>
                 </a:rPr>
                 <a:t>(V1): </a:t>
               </a:r>
               <a:r>
-                <a:rPr lang="en-US" altLang="ja-JP" dirty="0" err="1" smtClean="0">
+                <a:rPr lang="en-US" altLang="ja-JP" dirty="0" err="1">
                   <a:ea typeface="メイリオ" panose="020B0604030504040204" pitchFamily="50" charset="-128"/>
                   <a:cs typeface="HackGen" panose="020B0509020203020207" pitchFamily="49" charset="-128"/>
                 </a:rPr>
                 <a:t>dw+pw</a:t>
               </a:r>
-              <a:endParaRPr lang="en-US" altLang="ja-JP" dirty="0" smtClean="0">
+              <a:endParaRPr lang="en-US" altLang="ja-JP" dirty="0">
                 <a:ea typeface="メイリオ" panose="020B0604030504040204" pitchFamily="50" charset="-128"/>
                 <a:cs typeface="HackGen" panose="020B0509020203020207" pitchFamily="49" charset="-128"/>
               </a:endParaRPr>
@@ -4392,52 +6240,45 @@
                   <a:ea typeface="メイリオ" panose="020B0604030504040204" pitchFamily="50" charset="-128"/>
                   <a:cs typeface="HackGen" panose="020B0509020203020207" pitchFamily="49" charset="-128"/>
                 </a:rPr>
-                <a:t>s</a:t>
+                <a:t>shape = </a:t>
               </a:r>
               <a:r>
-                <a:rPr lang="en-US" altLang="ja-JP" dirty="0" smtClean="0">
-                  <a:ea typeface="メイリオ" panose="020B0604030504040204" pitchFamily="50" charset="-128"/>
-                  <a:cs typeface="HackGen" panose="020B0509020203020207" pitchFamily="49" charset="-128"/>
-                </a:rPr>
-                <a:t>hape = </a:t>
-              </a:r>
-              <a:r>
-                <a:rPr lang="en-US" altLang="ja-JP" dirty="0" err="1" smtClean="0">
+                <a:rPr lang="en-US" altLang="ja-JP" dirty="0" err="1">
                   <a:ea typeface="メイリオ" panose="020B0604030504040204" pitchFamily="50" charset="-128"/>
                   <a:cs typeface="HackGen" panose="020B0509020203020207" pitchFamily="49" charset="-128"/>
                 </a:rPr>
                 <a:t>ksize</a:t>
               </a:r>
               <a:r>
-                <a:rPr kumimoji="1" lang="en-US" altLang="ja-JP" dirty="0" smtClean="0">
+                <a:rPr kumimoji="1" lang="en-US" altLang="ja-JP" dirty="0">
                   <a:ea typeface="メイリオ" panose="020B0604030504040204" pitchFamily="50" charset="-128"/>
                   <a:cs typeface="HackGen" panose="020B0509020203020207" pitchFamily="49" charset="-128"/>
                 </a:rPr>
                 <a:t> x </a:t>
               </a:r>
               <a:r>
-                <a:rPr kumimoji="1" lang="en-US" altLang="ja-JP" dirty="0" err="1" smtClean="0">
+                <a:rPr kumimoji="1" lang="en-US" altLang="ja-JP" dirty="0" err="1">
                   <a:ea typeface="メイリオ" panose="020B0604030504040204" pitchFamily="50" charset="-128"/>
                   <a:cs typeface="HackGen" panose="020B0509020203020207" pitchFamily="49" charset="-128"/>
                 </a:rPr>
                 <a:t>ksize</a:t>
               </a:r>
               <a:r>
-                <a:rPr kumimoji="1" lang="en-US" altLang="ja-JP" dirty="0" smtClean="0">
+                <a:rPr kumimoji="1" lang="en-US" altLang="ja-JP" dirty="0">
                   <a:ea typeface="メイリオ" panose="020B0604030504040204" pitchFamily="50" charset="-128"/>
                   <a:cs typeface="HackGen" panose="020B0509020203020207" pitchFamily="49" charset="-128"/>
                 </a:rPr>
                 <a:t> x </a:t>
               </a:r>
               <a:r>
-                <a:rPr kumimoji="1" lang="en-US" altLang="ja-JP" dirty="0" err="1" smtClean="0">
+                <a:rPr kumimoji="1" lang="en-US" altLang="ja-JP" dirty="0" err="1">
                   <a:ea typeface="メイリオ" panose="020B0604030504040204" pitchFamily="50" charset="-128"/>
                   <a:cs typeface="HackGen" panose="020B0509020203020207" pitchFamily="49" charset="-128"/>
                 </a:rPr>
                 <a:t>InputSize</a:t>
               </a:r>
               <a:r>
-                <a:rPr kumimoji="1" lang="en-US" altLang="ja-JP" dirty="0" smtClean="0">
+                <a:rPr kumimoji="1" lang="en-US" altLang="ja-JP" dirty="0">
                   <a:ea typeface="メイリオ" panose="020B0604030504040204" pitchFamily="50" charset="-128"/>
                   <a:cs typeface="HackGen" panose="020B0509020203020207" pitchFamily="49" charset="-128"/>
                 </a:rPr>
@@ -4453,28 +6294,28 @@
                 <a:t>	</a:t>
               </a:r>
               <a:r>
-                <a:rPr kumimoji="1" lang="en-US" altLang="ja-JP" dirty="0" smtClean="0">
+                <a:rPr kumimoji="1" lang="en-US" altLang="ja-JP" dirty="0">
                   <a:ea typeface="メイリオ" panose="020B0604030504040204" pitchFamily="50" charset="-128"/>
                   <a:cs typeface="HackGen" panose="020B0509020203020207" pitchFamily="49" charset="-128"/>
                 </a:rPr>
                 <a:t>+ </a:t>
               </a:r>
               <a:r>
-                <a:rPr kumimoji="1" lang="en-US" altLang="ja-JP" dirty="0" err="1" smtClean="0">
+                <a:rPr kumimoji="1" lang="en-US" altLang="ja-JP" dirty="0" err="1">
                   <a:ea typeface="メイリオ" panose="020B0604030504040204" pitchFamily="50" charset="-128"/>
                   <a:cs typeface="HackGen" panose="020B0509020203020207" pitchFamily="49" charset="-128"/>
                 </a:rPr>
                 <a:t>InputSize</a:t>
               </a:r>
               <a:r>
-                <a:rPr kumimoji="1" lang="en-US" altLang="ja-JP" dirty="0" smtClean="0">
+                <a:rPr kumimoji="1" lang="en-US" altLang="ja-JP" dirty="0">
                   <a:ea typeface="メイリオ" panose="020B0604030504040204" pitchFamily="50" charset="-128"/>
                   <a:cs typeface="HackGen" panose="020B0509020203020207" pitchFamily="49" charset="-128"/>
                 </a:rPr>
                 <a:t> x </a:t>
               </a:r>
               <a:r>
-                <a:rPr kumimoji="1" lang="en-US" altLang="ja-JP" dirty="0" err="1" smtClean="0">
+                <a:rPr kumimoji="1" lang="en-US" altLang="ja-JP" dirty="0" err="1">
                   <a:ea typeface="メイリオ" panose="020B0604030504040204" pitchFamily="50" charset="-128"/>
                   <a:cs typeface="HackGen" panose="020B0509020203020207" pitchFamily="49" charset="-128"/>
                 </a:rPr>
@@ -4824,7 +6665,7 @@
               <a:lstStyle/>
               <a:p>
                 <a:r>
-                  <a:rPr kumimoji="1" lang="en-US" altLang="ja-JP" dirty="0" smtClean="0">
+                  <a:rPr kumimoji="1" lang="en-US" altLang="ja-JP" dirty="0">
                     <a:ea typeface="メイリオ" panose="020B0604030504040204" pitchFamily="50" charset="-128"/>
                     <a:cs typeface="HackGen" panose="020B0509020203020207" pitchFamily="49" charset="-128"/>
                   </a:rPr>
@@ -4910,7 +6751,7 @@
             <a:lstStyle/>
             <a:p>
               <a:r>
-                <a:rPr kumimoji="1" lang="en-US" altLang="ja-JP" dirty="0" smtClean="0">
+                <a:rPr kumimoji="1" lang="en-US" altLang="ja-JP" dirty="0">
                   <a:ea typeface="メイリオ" panose="020B0604030504040204" pitchFamily="50" charset="-128"/>
                   <a:cs typeface="HackGen" panose="020B0509020203020207" pitchFamily="49" charset="-128"/>
                 </a:rPr>
@@ -4919,7 +6760,7 @@
             </a:p>
             <a:p>
               <a:r>
-                <a:rPr kumimoji="1" lang="en-US" altLang="ja-JP" dirty="0" smtClean="0">
+                <a:rPr kumimoji="1" lang="en-US" altLang="ja-JP" dirty="0">
                   <a:ea typeface="メイリオ" panose="020B0604030504040204" pitchFamily="50" charset="-128"/>
                   <a:cs typeface="HackGen" panose="020B0509020203020207" pitchFamily="49" charset="-128"/>
                 </a:rPr>
@@ -5004,7 +6845,7 @@
             <a:lstStyle/>
             <a:p>
               <a:r>
-                <a:rPr kumimoji="1" lang="en-US" altLang="ja-JP" dirty="0" smtClean="0">
+                <a:rPr kumimoji="1" lang="en-US" altLang="ja-JP" dirty="0">
                   <a:ea typeface="メイリオ" panose="020B0604030504040204" pitchFamily="50" charset="-128"/>
                   <a:cs typeface="HackGen" panose="020B0509020203020207" pitchFamily="49" charset="-128"/>
                 </a:rPr>
@@ -5013,7 +6854,7 @@
             </a:p>
             <a:p>
               <a:r>
-                <a:rPr lang="en-US" altLang="ja-JP" dirty="0" smtClean="0">
+                <a:rPr lang="en-US" altLang="ja-JP" dirty="0">
                   <a:ea typeface="メイリオ" panose="020B0604030504040204" pitchFamily="50" charset="-128"/>
                   <a:cs typeface="HackGen" panose="020B0509020203020207" pitchFamily="49" charset="-128"/>
                 </a:rPr>
@@ -5100,7 +6941,7 @@
             <a:lstStyle/>
             <a:p>
               <a:r>
-                <a:rPr kumimoji="1" lang="en-US" altLang="ja-JP" sz="1400" dirty="0" err="1" smtClean="0">
+                <a:rPr kumimoji="1" lang="en-US" altLang="ja-JP" sz="1400" dirty="0" err="1">
                   <a:ea typeface="メイリオ" panose="020B0604030504040204" pitchFamily="50" charset="-128"/>
                   <a:cs typeface="HackGen" panose="020B0509020203020207" pitchFamily="49" charset="-128"/>
                 </a:rPr>
@@ -5136,7 +6977,7 @@
             <a:lstStyle/>
             <a:p>
               <a:r>
-                <a:rPr kumimoji="1" lang="en-US" altLang="ja-JP" sz="1400" dirty="0" err="1" smtClean="0">
+                <a:rPr kumimoji="1" lang="en-US" altLang="ja-JP" sz="1400" dirty="0" err="1">
                   <a:ea typeface="メイリオ" panose="020B0604030504040204" pitchFamily="50" charset="-128"/>
                   <a:cs typeface="HackGen" panose="020B0509020203020207" pitchFamily="49" charset="-128"/>
                 </a:rPr>
@@ -5333,7 +7174,7 @@
               <a:lstStyle/>
               <a:p>
                 <a:r>
-                  <a:rPr kumimoji="1" lang="en-US" altLang="ja-JP" dirty="0" smtClean="0">
+                  <a:rPr kumimoji="1" lang="en-US" altLang="ja-JP" dirty="0">
                     <a:ea typeface="メイリオ" panose="020B0604030504040204" pitchFamily="50" charset="-128"/>
                     <a:cs typeface="HackGen" panose="020B0509020203020207" pitchFamily="49" charset="-128"/>
                   </a:rPr>
@@ -6408,7 +8249,7 @@
               <a:lstStyle/>
               <a:p>
                 <a:r>
-                  <a:rPr kumimoji="1" lang="en-US" altLang="ja-JP" dirty="0" smtClean="0">
+                  <a:rPr kumimoji="1" lang="en-US" altLang="ja-JP" dirty="0">
                     <a:ea typeface="メイリオ" panose="020B0604030504040204" pitchFamily="50" charset="-128"/>
                     <a:cs typeface="HackGen" panose="020B0509020203020207" pitchFamily="49" charset="-128"/>
                   </a:rPr>
@@ -6606,7 +8447,7 @@
               <a:lstStyle/>
               <a:p>
                 <a:r>
-                  <a:rPr kumimoji="1" lang="en-US" altLang="ja-JP" dirty="0" smtClean="0">
+                  <a:rPr kumimoji="1" lang="en-US" altLang="ja-JP" dirty="0">
                     <a:ea typeface="メイリオ" panose="020B0604030504040204" pitchFamily="50" charset="-128"/>
                     <a:cs typeface="HackGen" panose="020B0509020203020207" pitchFamily="49" charset="-128"/>
                   </a:rPr>
@@ -7086,7 +8927,7 @@
               <a:lstStyle/>
               <a:p>
                 <a:r>
-                  <a:rPr kumimoji="1" lang="en-US" altLang="ja-JP" dirty="0" smtClean="0">
+                  <a:rPr kumimoji="1" lang="en-US" altLang="ja-JP" dirty="0">
                     <a:ea typeface="メイリオ" panose="020B0604030504040204" pitchFamily="50" charset="-128"/>
                     <a:cs typeface="HackGen" panose="020B0509020203020207" pitchFamily="49" charset="-128"/>
                   </a:rPr>
@@ -7896,7 +9737,7 @@
             <a:lstStyle/>
             <a:p>
               <a:r>
-                <a:rPr kumimoji="1" lang="en-US" altLang="ja-JP" dirty="0" smtClean="0">
+                <a:rPr kumimoji="1" lang="en-US" altLang="ja-JP" dirty="0">
                   <a:ea typeface="メイリオ" panose="020B0604030504040204" pitchFamily="50" charset="-128"/>
                   <a:cs typeface="HackGen" panose="020B0509020203020207" pitchFamily="49" charset="-128"/>
                 </a:rPr>
@@ -7905,7 +9746,7 @@
             </a:p>
             <a:p>
               <a:r>
-                <a:rPr kumimoji="1" lang="en-US" altLang="ja-JP" dirty="0" smtClean="0">
+                <a:rPr kumimoji="1" lang="en-US" altLang="ja-JP" dirty="0">
                   <a:ea typeface="メイリオ" panose="020B0604030504040204" pitchFamily="50" charset="-128"/>
                   <a:cs typeface="HackGen" panose="020B0509020203020207" pitchFamily="49" charset="-128"/>
                 </a:rPr>
@@ -7990,7 +9831,7 @@
             <a:lstStyle/>
             <a:p>
               <a:r>
-                <a:rPr kumimoji="1" lang="en-US" altLang="ja-JP" dirty="0" smtClean="0">
+                <a:rPr kumimoji="1" lang="en-US" altLang="ja-JP" dirty="0">
                   <a:ea typeface="メイリオ" panose="020B0604030504040204" pitchFamily="50" charset="-128"/>
                   <a:cs typeface="HackGen" panose="020B0509020203020207" pitchFamily="49" charset="-128"/>
                 </a:rPr>
@@ -7999,7 +9840,7 @@
             </a:p>
             <a:p>
               <a:r>
-                <a:rPr lang="en-US" altLang="ja-JP" dirty="0" smtClean="0">
+                <a:rPr lang="en-US" altLang="ja-JP" dirty="0">
                   <a:ea typeface="メイリオ" panose="020B0604030504040204" pitchFamily="50" charset="-128"/>
                   <a:cs typeface="HackGen" panose="020B0509020203020207" pitchFamily="49" charset="-128"/>
                 </a:rPr>
@@ -8036,13 +9877,13 @@
             <a:p>
               <a:pPr algn="ctr"/>
               <a:r>
-                <a:rPr kumimoji="1" lang="en-US" altLang="ja-JP" sz="1100" b="1" dirty="0" err="1" smtClean="0">
+                <a:rPr kumimoji="1" lang="en-US" altLang="ja-JP" sz="1100" b="1" dirty="0" err="1">
                   <a:ea typeface="メイリオ" panose="020B0604030504040204" pitchFamily="50" charset="-128"/>
                   <a:cs typeface="HackGen" panose="020B0509020203020207" pitchFamily="49" charset="-128"/>
                 </a:rPr>
                 <a:t>dw</a:t>
               </a:r>
-              <a:endParaRPr kumimoji="1" lang="en-US" altLang="ja-JP" sz="1100" b="1" dirty="0" smtClean="0">
+              <a:endParaRPr kumimoji="1" lang="en-US" altLang="ja-JP" sz="1100" b="1" dirty="0">
                 <a:ea typeface="メイリオ" panose="020B0604030504040204" pitchFamily="50" charset="-128"/>
                 <a:cs typeface="HackGen" panose="020B0509020203020207" pitchFamily="49" charset="-128"/>
               </a:endParaRPr>
@@ -8050,7 +9891,7 @@
             <a:p>
               <a:pPr algn="ctr"/>
               <a:r>
-                <a:rPr lang="en-US" altLang="ja-JP" sz="1100" b="1" dirty="0" smtClean="0">
+                <a:rPr lang="en-US" altLang="ja-JP" sz="1100" b="1" dirty="0">
                   <a:ea typeface="メイリオ" panose="020B0604030504040204" pitchFamily="50" charset="-128"/>
                   <a:cs typeface="HackGen" panose="020B0509020203020207" pitchFamily="49" charset="-128"/>
                 </a:rPr>
@@ -8087,7 +9928,7 @@
             <a:p>
               <a:pPr algn="ctr"/>
               <a:r>
-                <a:rPr kumimoji="1" lang="en-US" altLang="ja-JP" sz="1100" b="1" dirty="0" smtClean="0">
+                <a:rPr kumimoji="1" lang="en-US" altLang="ja-JP" sz="1100" b="1" dirty="0">
                   <a:ea typeface="メイリオ" panose="020B0604030504040204" pitchFamily="50" charset="-128"/>
                   <a:cs typeface="HackGen" panose="020B0509020203020207" pitchFamily="49" charset="-128"/>
                 </a:rPr>
@@ -8097,7 +9938,7 @@
             <a:p>
               <a:pPr algn="ctr"/>
               <a:r>
-                <a:rPr kumimoji="1" lang="en-US" altLang="ja-JP" sz="1100" b="1" dirty="0" smtClean="0">
+                <a:rPr kumimoji="1" lang="en-US" altLang="ja-JP" sz="1100" b="1" dirty="0">
                   <a:ea typeface="メイリオ" panose="020B0604030504040204" pitchFamily="50" charset="-128"/>
                   <a:cs typeface="HackGen" panose="020B0509020203020207" pitchFamily="49" charset="-128"/>
                 </a:rPr>
@@ -8212,12 +10053,12 @@
           <a:lstStyle/>
           <a:p>
             <a:r>
-              <a:rPr lang="ja-JP" altLang="en-US" sz="2000" dirty="0" smtClean="0">
+              <a:rPr lang="ja-JP" altLang="en-US" sz="2000" dirty="0">
                 <a:ea typeface="メイリオ" panose="020B0604030504040204" pitchFamily="50" charset="-128"/>
               </a:rPr>
               <a:t>他の切り口の図解</a:t>
             </a:r>
-            <a:endParaRPr lang="en-US" altLang="ja-JP" sz="2000" dirty="0" smtClean="0">
+            <a:endParaRPr lang="en-US" altLang="ja-JP" sz="2000" dirty="0">
               <a:ea typeface="メイリオ" panose="020B0604030504040204" pitchFamily="50" charset="-128"/>
             </a:endParaRPr>
           </a:p>
@@ -8458,24 +10299,24 @@
           </a:lstStyle>
           <a:p>
             <a:r>
-              <a:rPr lang="ja-JP" altLang="en-US" sz="2000" dirty="0" smtClean="0">
+              <a:rPr lang="ja-JP" altLang="en-US" sz="2000" dirty="0">
                 <a:ea typeface="メイリオ" panose="020B0604030504040204" pitchFamily="50" charset="-128"/>
               </a:rPr>
               <a:t>公式のブロック図</a:t>
             </a:r>
-            <a:endParaRPr lang="en-US" altLang="ja-JP" sz="2000" dirty="0" smtClean="0">
+            <a:endParaRPr lang="en-US" altLang="ja-JP" sz="2000" dirty="0">
               <a:ea typeface="メイリオ" panose="020B0604030504040204" pitchFamily="50" charset="-128"/>
             </a:endParaRPr>
           </a:p>
           <a:p>
             <a:pPr lvl="1"/>
             <a:r>
-              <a:rPr lang="ja-JP" altLang="en-US" sz="2000" dirty="0" smtClean="0">
+              <a:rPr lang="ja-JP" altLang="en-US" sz="2000" dirty="0">
                 <a:ea typeface="メイリオ" panose="020B0604030504040204" pitchFamily="50" charset="-128"/>
               </a:rPr>
               <a:t>以下をスタックすることで</a:t>
             </a:r>
-            <a:endParaRPr lang="en-US" altLang="ja-JP" sz="2000" dirty="0" smtClean="0">
+            <a:endParaRPr lang="en-US" altLang="ja-JP" sz="2000" dirty="0">
               <a:ea typeface="メイリオ" panose="020B0604030504040204" pitchFamily="50" charset="-128"/>
             </a:endParaRPr>
           </a:p>
@@ -8484,7 +10325,7 @@
               <a:buNone/>
             </a:pPr>
             <a:r>
-              <a:rPr lang="ja-JP" altLang="en-US" sz="2000" dirty="0" smtClean="0">
+              <a:rPr lang="ja-JP" altLang="en-US" sz="2000" dirty="0">
                 <a:ea typeface="メイリオ" panose="020B0604030504040204" pitchFamily="50" charset="-128"/>
               </a:rPr>
               <a:t>　最終的なモデルを構成する。</a:t>
@@ -8549,7 +10390,7 @@
           <a:lstStyle/>
           <a:p>
             <a:r>
-              <a:rPr kumimoji="1" lang="en-US" altLang="ja-JP" sz="3200" dirty="0" err="1" smtClean="0">
+              <a:rPr kumimoji="1" lang="en-US" altLang="ja-JP" sz="3200" dirty="0" err="1">
                 <a:latin typeface="+mn-lt"/>
                 <a:ea typeface="メイリオ" panose="020B0604030504040204" pitchFamily="50" charset="-128"/>
                 <a:cs typeface="HackGen" panose="020B0509020203020207" pitchFamily="49" charset="-128"/>
@@ -8557,7 +10398,7 @@
               <a:t>MobileNets</a:t>
             </a:r>
             <a:r>
-              <a:rPr kumimoji="1" lang="en-US" altLang="ja-JP" sz="3200" dirty="0" smtClean="0">
+              <a:rPr kumimoji="1" lang="en-US" altLang="ja-JP" sz="3200" dirty="0">
                 <a:latin typeface="+mn-lt"/>
                 <a:ea typeface="メイリオ" panose="020B0604030504040204" pitchFamily="50" charset="-128"/>
                 <a:cs typeface="HackGen" panose="020B0509020203020207" pitchFamily="49" charset="-128"/>
@@ -8625,24 +10466,12 @@
           <a:lstStyle/>
           <a:p>
             <a:r>
-              <a:rPr lang="ja-JP" altLang="en-US" sz="2000" dirty="0" smtClean="0">
-                <a:ea typeface="メイリオ" panose="020B0604030504040204" pitchFamily="50" charset="-128"/>
-              </a:rPr>
-              <a:t>最終的な</a:t>
-            </a:r>
-            <a:r>
               <a:rPr lang="ja-JP" altLang="en-US" sz="2000" dirty="0">
                 <a:ea typeface="メイリオ" panose="020B0604030504040204" pitchFamily="50" charset="-128"/>
               </a:rPr>
-              <a:t>スタック</a:t>
-            </a:r>
-            <a:r>
-              <a:rPr lang="ja-JP" altLang="en-US" sz="2000" dirty="0" smtClean="0">
-                <a:ea typeface="メイリオ" panose="020B0604030504040204" pitchFamily="50" charset="-128"/>
-              </a:rPr>
-              <a:t>構造</a:t>
-            </a:r>
-            <a:endParaRPr lang="en-US" altLang="ja-JP" sz="2000" dirty="0" smtClean="0">
+              <a:t>最終的なスタック構造</a:t>
+            </a:r>
+            <a:endParaRPr lang="en-US" altLang="ja-JP" sz="2000" dirty="0">
               <a:ea typeface="メイリオ" panose="020B0604030504040204" pitchFamily="50" charset="-128"/>
             </a:endParaRPr>
           </a:p>
@@ -8866,13 +10695,13 @@
           </a:lstStyle>
           <a:p>
             <a:r>
-              <a:rPr lang="en-US" altLang="ja-JP" sz="2000" dirty="0" err="1" smtClean="0">
+              <a:rPr lang="en-US" altLang="ja-JP" sz="2000" dirty="0" err="1">
                 <a:ea typeface="メイリオ" panose="020B0604030504040204" pitchFamily="50" charset="-128"/>
               </a:rPr>
               <a:t>PyTorch</a:t>
             </a:r>
             <a:r>
-              <a:rPr lang="ja-JP" altLang="en-US" sz="2000" dirty="0" smtClean="0">
+              <a:rPr lang="ja-JP" altLang="en-US" sz="2000" dirty="0">
                 <a:ea typeface="メイリオ" panose="020B0604030504040204" pitchFamily="50" charset="-128"/>
               </a:rPr>
               <a:t>的にはこんな構造</a:t>
@@ -8910,689 +10739,689 @@
           <a:lstStyle/>
           <a:p>
             <a:r>
-              <a:rPr lang="en-US" altLang="ja-JP" sz="700" dirty="0" smtClean="0"/>
+              <a:rPr lang="en-US" altLang="ja-JP" sz="700" dirty="0"/>
               <a:t>class </a:t>
             </a:r>
             <a:r>
-              <a:rPr lang="en-US" altLang="ja-JP" sz="700" dirty="0" err="1" smtClean="0"/>
+              <a:rPr lang="en-US" altLang="ja-JP" sz="700" dirty="0" err="1"/>
               <a:t>MobileNet</a:t>
             </a:r>
             <a:r>
-              <a:rPr lang="en-US" altLang="ja-JP" sz="700" dirty="0" smtClean="0"/>
+              <a:rPr lang="en-US" altLang="ja-JP" sz="700" dirty="0"/>
               <a:t>(</a:t>
             </a:r>
             <a:r>
-              <a:rPr lang="en-US" altLang="ja-JP" sz="700" dirty="0" err="1" smtClean="0"/>
+              <a:rPr lang="en-US" altLang="ja-JP" sz="700" dirty="0" err="1"/>
               <a:t>nn.Module</a:t>
             </a:r>
             <a:r>
-              <a:rPr lang="en-US" altLang="ja-JP" sz="700" dirty="0" smtClean="0"/>
+              <a:rPr lang="en-US" altLang="ja-JP" sz="700" dirty="0"/>
               <a:t>):</a:t>
             </a:r>
           </a:p>
           <a:p>
             <a:r>
-              <a:rPr lang="en-US" altLang="ja-JP" sz="700" dirty="0" smtClean="0"/>
+              <a:rPr lang="en-US" altLang="ja-JP" sz="700" dirty="0"/>
               <a:t>    </a:t>
             </a:r>
             <a:r>
-              <a:rPr lang="en-US" altLang="ja-JP" sz="700" dirty="0" err="1" smtClean="0"/>
+              <a:rPr lang="en-US" altLang="ja-JP" sz="700" dirty="0" err="1"/>
               <a:t>def</a:t>
             </a:r>
             <a:r>
-              <a:rPr lang="en-US" altLang="ja-JP" sz="700" dirty="0" smtClean="0"/>
+              <a:rPr lang="en-US" altLang="ja-JP" sz="700" dirty="0"/>
               <a:t> __</a:t>
             </a:r>
             <a:r>
-              <a:rPr lang="en-US" altLang="ja-JP" sz="700" dirty="0" err="1" smtClean="0"/>
+              <a:rPr lang="en-US" altLang="ja-JP" sz="700" dirty="0" err="1"/>
               <a:t>init</a:t>
             </a:r>
             <a:r>
-              <a:rPr lang="en-US" altLang="ja-JP" sz="700" dirty="0" smtClean="0"/>
+              <a:rPr lang="en-US" altLang="ja-JP" sz="700" dirty="0"/>
               <a:t>__(self):</a:t>
             </a:r>
           </a:p>
           <a:p>
             <a:r>
-              <a:rPr lang="en-US" altLang="ja-JP" sz="700" dirty="0" smtClean="0"/>
+              <a:rPr lang="en-US" altLang="ja-JP" sz="700" dirty="0"/>
               <a:t>        super(Net, self).__</a:t>
             </a:r>
             <a:r>
-              <a:rPr lang="en-US" altLang="ja-JP" sz="700" dirty="0" err="1" smtClean="0"/>
+              <a:rPr lang="en-US" altLang="ja-JP" sz="700" dirty="0" err="1"/>
               <a:t>init</a:t>
             </a:r>
             <a:r>
-              <a:rPr lang="en-US" altLang="ja-JP" sz="700" dirty="0" smtClean="0"/>
+              <a:rPr lang="en-US" altLang="ja-JP" sz="700" dirty="0"/>
               <a:t>__()</a:t>
             </a:r>
           </a:p>
           <a:p>
-            <a:endParaRPr lang="en-US" altLang="ja-JP" sz="700" dirty="0" smtClean="0"/>
-          </a:p>
-          <a:p>
-            <a:r>
-              <a:rPr lang="en-US" altLang="ja-JP" sz="700" dirty="0" smtClean="0"/>
+            <a:endParaRPr lang="en-US" altLang="ja-JP" sz="700" dirty="0"/>
+          </a:p>
+          <a:p>
+            <a:r>
+              <a:rPr lang="en-US" altLang="ja-JP" sz="700" dirty="0"/>
               <a:t>        </a:t>
             </a:r>
             <a:r>
-              <a:rPr lang="en-US" altLang="ja-JP" sz="700" dirty="0" err="1" smtClean="0"/>
+              <a:rPr lang="en-US" altLang="ja-JP" sz="700" dirty="0" err="1"/>
               <a:t>def</a:t>
             </a:r>
             <a:r>
-              <a:rPr lang="en-US" altLang="ja-JP" sz="700" dirty="0" smtClean="0"/>
+              <a:rPr lang="en-US" altLang="ja-JP" sz="700" dirty="0"/>
               <a:t> </a:t>
             </a:r>
             <a:r>
-              <a:rPr lang="en-US" altLang="ja-JP" sz="700" dirty="0" err="1" smtClean="0"/>
+              <a:rPr lang="en-US" altLang="ja-JP" sz="700" dirty="0" err="1"/>
               <a:t>conv_bn</a:t>
             </a:r>
             <a:r>
-              <a:rPr lang="en-US" altLang="ja-JP" sz="700" dirty="0" smtClean="0"/>
+              <a:rPr lang="en-US" altLang="ja-JP" sz="700" dirty="0"/>
               <a:t>(</a:t>
             </a:r>
             <a:r>
-              <a:rPr lang="en-US" altLang="ja-JP" sz="700" dirty="0" err="1" smtClean="0"/>
+              <a:rPr lang="en-US" altLang="ja-JP" sz="700" dirty="0" err="1"/>
               <a:t>inp</a:t>
             </a:r>
             <a:r>
-              <a:rPr lang="en-US" altLang="ja-JP" sz="700" dirty="0" smtClean="0"/>
+              <a:rPr lang="en-US" altLang="ja-JP" sz="700" dirty="0"/>
               <a:t>, </a:t>
             </a:r>
             <a:r>
-              <a:rPr lang="en-US" altLang="ja-JP" sz="700" dirty="0" err="1" smtClean="0"/>
+              <a:rPr lang="en-US" altLang="ja-JP" sz="700" dirty="0" err="1"/>
               <a:t>oup</a:t>
             </a:r>
             <a:r>
-              <a:rPr lang="en-US" altLang="ja-JP" sz="700" dirty="0" smtClean="0"/>
+              <a:rPr lang="en-US" altLang="ja-JP" sz="700" dirty="0"/>
               <a:t>, stride):</a:t>
             </a:r>
           </a:p>
           <a:p>
             <a:r>
-              <a:rPr lang="en-US" altLang="ja-JP" sz="700" dirty="0" smtClean="0"/>
+              <a:rPr lang="en-US" altLang="ja-JP" sz="700" dirty="0"/>
               <a:t>            return </a:t>
             </a:r>
             <a:r>
-              <a:rPr lang="en-US" altLang="ja-JP" sz="700" dirty="0" err="1" smtClean="0"/>
+              <a:rPr lang="en-US" altLang="ja-JP" sz="700" dirty="0" err="1"/>
               <a:t>nn.Sequential</a:t>
             </a:r>
             <a:r>
-              <a:rPr lang="en-US" altLang="ja-JP" sz="700" dirty="0" smtClean="0"/>
+              <a:rPr lang="en-US" altLang="ja-JP" sz="700" dirty="0"/>
               <a:t>(</a:t>
             </a:r>
           </a:p>
           <a:p>
             <a:r>
-              <a:rPr lang="en-US" altLang="ja-JP" sz="700" dirty="0" smtClean="0"/>
+              <a:rPr lang="en-US" altLang="ja-JP" sz="700" dirty="0"/>
               <a:t>                nn.Conv2d(</a:t>
             </a:r>
             <a:r>
-              <a:rPr lang="en-US" altLang="ja-JP" sz="700" dirty="0" err="1" smtClean="0"/>
+              <a:rPr lang="en-US" altLang="ja-JP" sz="700" dirty="0" err="1"/>
               <a:t>inp</a:t>
             </a:r>
             <a:r>
-              <a:rPr lang="en-US" altLang="ja-JP" sz="700" dirty="0" smtClean="0"/>
+              <a:rPr lang="en-US" altLang="ja-JP" sz="700" dirty="0"/>
               <a:t>, </a:t>
             </a:r>
             <a:r>
-              <a:rPr lang="en-US" altLang="ja-JP" sz="700" dirty="0" err="1" smtClean="0"/>
+              <a:rPr lang="en-US" altLang="ja-JP" sz="700" dirty="0" err="1"/>
               <a:t>oup</a:t>
             </a:r>
             <a:r>
-              <a:rPr lang="en-US" altLang="ja-JP" sz="700" dirty="0" smtClean="0"/>
+              <a:rPr lang="en-US" altLang="ja-JP" sz="700" dirty="0"/>
               <a:t>, 3, stride, 1, bias=False),</a:t>
             </a:r>
           </a:p>
           <a:p>
             <a:r>
-              <a:rPr lang="en-US" altLang="ja-JP" sz="700" dirty="0" smtClean="0"/>
+              <a:rPr lang="en-US" altLang="ja-JP" sz="700" dirty="0"/>
               <a:t>                nn.BatchNorm2d(</a:t>
             </a:r>
             <a:r>
-              <a:rPr lang="en-US" altLang="ja-JP" sz="700" dirty="0" err="1" smtClean="0"/>
+              <a:rPr lang="en-US" altLang="ja-JP" sz="700" dirty="0" err="1"/>
               <a:t>oup</a:t>
             </a:r>
             <a:r>
-              <a:rPr lang="en-US" altLang="ja-JP" sz="700" dirty="0" smtClean="0"/>
+              <a:rPr lang="en-US" altLang="ja-JP" sz="700" dirty="0"/>
               <a:t>),</a:t>
             </a:r>
           </a:p>
           <a:p>
             <a:r>
-              <a:rPr lang="en-US" altLang="ja-JP" sz="700" dirty="0" smtClean="0"/>
+              <a:rPr lang="en-US" altLang="ja-JP" sz="700" dirty="0"/>
               <a:t>                </a:t>
             </a:r>
             <a:r>
-              <a:rPr lang="en-US" altLang="ja-JP" sz="700" dirty="0" err="1" smtClean="0"/>
+              <a:rPr lang="en-US" altLang="ja-JP" sz="700" dirty="0" err="1"/>
               <a:t>nn.ReLU</a:t>
             </a:r>
             <a:r>
-              <a:rPr lang="en-US" altLang="ja-JP" sz="700" dirty="0" smtClean="0"/>
+              <a:rPr lang="en-US" altLang="ja-JP" sz="700" dirty="0"/>
               <a:t>(</a:t>
             </a:r>
             <a:r>
-              <a:rPr lang="en-US" altLang="ja-JP" sz="700" dirty="0" err="1" smtClean="0"/>
+              <a:rPr lang="en-US" altLang="ja-JP" sz="700" dirty="0" err="1"/>
               <a:t>inplace</a:t>
             </a:r>
             <a:r>
-              <a:rPr lang="en-US" altLang="ja-JP" sz="700" dirty="0" smtClean="0"/>
+              <a:rPr lang="en-US" altLang="ja-JP" sz="700" dirty="0"/>
               <a:t>=True)</a:t>
             </a:r>
           </a:p>
           <a:p>
             <a:r>
-              <a:rPr lang="en-US" altLang="ja-JP" sz="700" dirty="0" smtClean="0"/>
+              <a:rPr lang="en-US" altLang="ja-JP" sz="700" dirty="0"/>
               <a:t>            )</a:t>
             </a:r>
           </a:p>
           <a:p>
-            <a:endParaRPr lang="en-US" altLang="ja-JP" sz="700" dirty="0" smtClean="0"/>
-          </a:p>
-          <a:p>
-            <a:r>
-              <a:rPr lang="en-US" altLang="ja-JP" sz="700" dirty="0" smtClean="0"/>
+            <a:endParaRPr lang="en-US" altLang="ja-JP" sz="700" dirty="0"/>
+          </a:p>
+          <a:p>
+            <a:r>
+              <a:rPr lang="en-US" altLang="ja-JP" sz="700" dirty="0"/>
               <a:t>        </a:t>
             </a:r>
             <a:r>
-              <a:rPr lang="en-US" altLang="ja-JP" sz="700" dirty="0" err="1" smtClean="0"/>
+              <a:rPr lang="en-US" altLang="ja-JP" sz="700" dirty="0" err="1"/>
               <a:t>def</a:t>
             </a:r>
             <a:r>
-              <a:rPr lang="en-US" altLang="ja-JP" sz="700" dirty="0" smtClean="0"/>
+              <a:rPr lang="en-US" altLang="ja-JP" sz="700" dirty="0"/>
               <a:t> </a:t>
             </a:r>
             <a:r>
-              <a:rPr lang="en-US" altLang="ja-JP" sz="700" dirty="0" err="1" smtClean="0"/>
+              <a:rPr lang="en-US" altLang="ja-JP" sz="700" dirty="0" err="1"/>
               <a:t>conv_dw</a:t>
             </a:r>
             <a:r>
-              <a:rPr lang="en-US" altLang="ja-JP" sz="700" dirty="0" smtClean="0"/>
+              <a:rPr lang="en-US" altLang="ja-JP" sz="700" dirty="0"/>
               <a:t>(</a:t>
             </a:r>
             <a:r>
-              <a:rPr lang="en-US" altLang="ja-JP" sz="700" dirty="0" err="1" smtClean="0"/>
+              <a:rPr lang="en-US" altLang="ja-JP" sz="700" dirty="0" err="1"/>
               <a:t>inp</a:t>
             </a:r>
             <a:r>
-              <a:rPr lang="en-US" altLang="ja-JP" sz="700" dirty="0" smtClean="0"/>
+              <a:rPr lang="en-US" altLang="ja-JP" sz="700" dirty="0"/>
               <a:t>, </a:t>
             </a:r>
             <a:r>
-              <a:rPr lang="en-US" altLang="ja-JP" sz="700" dirty="0" err="1" smtClean="0"/>
+              <a:rPr lang="en-US" altLang="ja-JP" sz="700" dirty="0" err="1"/>
               <a:t>oup</a:t>
             </a:r>
             <a:r>
-              <a:rPr lang="en-US" altLang="ja-JP" sz="700" dirty="0" smtClean="0"/>
+              <a:rPr lang="en-US" altLang="ja-JP" sz="700" dirty="0"/>
               <a:t>, stride):</a:t>
             </a:r>
           </a:p>
           <a:p>
             <a:r>
-              <a:rPr lang="en-US" altLang="ja-JP" sz="700" dirty="0" smtClean="0"/>
+              <a:rPr lang="en-US" altLang="ja-JP" sz="700" dirty="0"/>
               <a:t>            return </a:t>
             </a:r>
             <a:r>
-              <a:rPr lang="en-US" altLang="ja-JP" sz="700" dirty="0" err="1" smtClean="0"/>
+              <a:rPr lang="en-US" altLang="ja-JP" sz="700" dirty="0" err="1"/>
               <a:t>nn.Sequential</a:t>
             </a:r>
             <a:r>
-              <a:rPr lang="en-US" altLang="ja-JP" sz="700" dirty="0" smtClean="0"/>
+              <a:rPr lang="en-US" altLang="ja-JP" sz="700" dirty="0"/>
               <a:t>(</a:t>
             </a:r>
           </a:p>
           <a:p>
             <a:r>
-              <a:rPr lang="en-US" altLang="ja-JP" sz="700" dirty="0" smtClean="0"/>
+              <a:rPr lang="en-US" altLang="ja-JP" sz="700" dirty="0"/>
               <a:t>                nn.Conv2d(</a:t>
             </a:r>
             <a:r>
-              <a:rPr lang="en-US" altLang="ja-JP" sz="700" dirty="0" err="1" smtClean="0"/>
+              <a:rPr lang="en-US" altLang="ja-JP" sz="700" dirty="0" err="1"/>
               <a:t>inp</a:t>
             </a:r>
             <a:r>
-              <a:rPr lang="en-US" altLang="ja-JP" sz="700" dirty="0" smtClean="0"/>
+              <a:rPr lang="en-US" altLang="ja-JP" sz="700" dirty="0"/>
               <a:t>, </a:t>
             </a:r>
             <a:r>
-              <a:rPr lang="en-US" altLang="ja-JP" sz="700" dirty="0" err="1" smtClean="0"/>
+              <a:rPr lang="en-US" altLang="ja-JP" sz="700" dirty="0" err="1"/>
               <a:t>inp</a:t>
             </a:r>
             <a:r>
-              <a:rPr lang="en-US" altLang="ja-JP" sz="700" dirty="0" smtClean="0"/>
+              <a:rPr lang="en-US" altLang="ja-JP" sz="700" dirty="0"/>
               <a:t>, 3, stride, 1, groups=</a:t>
             </a:r>
             <a:r>
-              <a:rPr lang="en-US" altLang="ja-JP" sz="700" dirty="0" err="1" smtClean="0"/>
+              <a:rPr lang="en-US" altLang="ja-JP" sz="700" dirty="0" err="1"/>
               <a:t>inp</a:t>
             </a:r>
             <a:r>
-              <a:rPr lang="en-US" altLang="ja-JP" sz="700" dirty="0" smtClean="0"/>
+              <a:rPr lang="en-US" altLang="ja-JP" sz="700" dirty="0"/>
               <a:t>, bias=False),</a:t>
             </a:r>
           </a:p>
           <a:p>
             <a:r>
-              <a:rPr lang="en-US" altLang="ja-JP" sz="700" dirty="0" smtClean="0"/>
+              <a:rPr lang="en-US" altLang="ja-JP" sz="700" dirty="0"/>
               <a:t>                nn.BatchNorm2d(</a:t>
             </a:r>
             <a:r>
-              <a:rPr lang="en-US" altLang="ja-JP" sz="700" dirty="0" err="1" smtClean="0"/>
+              <a:rPr lang="en-US" altLang="ja-JP" sz="700" dirty="0" err="1"/>
               <a:t>inp</a:t>
             </a:r>
             <a:r>
-              <a:rPr lang="en-US" altLang="ja-JP" sz="700" dirty="0" smtClean="0"/>
+              <a:rPr lang="en-US" altLang="ja-JP" sz="700" dirty="0"/>
               <a:t>),</a:t>
             </a:r>
           </a:p>
           <a:p>
             <a:r>
-              <a:rPr lang="en-US" altLang="ja-JP" sz="700" dirty="0" smtClean="0"/>
+              <a:rPr lang="en-US" altLang="ja-JP" sz="700" dirty="0"/>
               <a:t>                </a:t>
             </a:r>
             <a:r>
-              <a:rPr lang="en-US" altLang="ja-JP" sz="700" dirty="0" err="1" smtClean="0"/>
+              <a:rPr lang="en-US" altLang="ja-JP" sz="700" dirty="0" err="1"/>
               <a:t>nn.ReLU</a:t>
             </a:r>
             <a:r>
-              <a:rPr lang="en-US" altLang="ja-JP" sz="700" dirty="0" smtClean="0"/>
+              <a:rPr lang="en-US" altLang="ja-JP" sz="700" dirty="0"/>
               <a:t>(</a:t>
             </a:r>
             <a:r>
-              <a:rPr lang="en-US" altLang="ja-JP" sz="700" dirty="0" err="1" smtClean="0"/>
+              <a:rPr lang="en-US" altLang="ja-JP" sz="700" dirty="0" err="1"/>
               <a:t>inplace</a:t>
             </a:r>
             <a:r>
-              <a:rPr lang="en-US" altLang="ja-JP" sz="700" dirty="0" smtClean="0"/>
+              <a:rPr lang="en-US" altLang="ja-JP" sz="700" dirty="0"/>
               <a:t>=True),</a:t>
             </a:r>
           </a:p>
           <a:p>
             <a:r>
-              <a:rPr lang="en-US" altLang="ja-JP" sz="700" dirty="0" smtClean="0"/>
+              <a:rPr lang="en-US" altLang="ja-JP" sz="700" dirty="0"/>
               <a:t>    </a:t>
             </a:r>
           </a:p>
           <a:p>
             <a:r>
-              <a:rPr lang="en-US" altLang="ja-JP" sz="700" dirty="0" smtClean="0"/>
+              <a:rPr lang="en-US" altLang="ja-JP" sz="700" dirty="0"/>
               <a:t>                nn.Conv2d(</a:t>
             </a:r>
             <a:r>
-              <a:rPr lang="en-US" altLang="ja-JP" sz="700" dirty="0" err="1" smtClean="0"/>
+              <a:rPr lang="en-US" altLang="ja-JP" sz="700" dirty="0" err="1"/>
               <a:t>inp</a:t>
             </a:r>
             <a:r>
-              <a:rPr lang="en-US" altLang="ja-JP" sz="700" dirty="0" smtClean="0"/>
+              <a:rPr lang="en-US" altLang="ja-JP" sz="700" dirty="0"/>
               <a:t>, </a:t>
             </a:r>
             <a:r>
-              <a:rPr lang="en-US" altLang="ja-JP" sz="700" dirty="0" err="1" smtClean="0"/>
+              <a:rPr lang="en-US" altLang="ja-JP" sz="700" dirty="0" err="1"/>
               <a:t>oup</a:t>
             </a:r>
             <a:r>
-              <a:rPr lang="en-US" altLang="ja-JP" sz="700" dirty="0" smtClean="0"/>
+              <a:rPr lang="en-US" altLang="ja-JP" sz="700" dirty="0"/>
               <a:t>, 1, 1, 0, bias=False),</a:t>
             </a:r>
           </a:p>
           <a:p>
             <a:r>
-              <a:rPr lang="en-US" altLang="ja-JP" sz="700" dirty="0" smtClean="0"/>
+              <a:rPr lang="en-US" altLang="ja-JP" sz="700" dirty="0"/>
               <a:t>                nn.BatchNorm2d(</a:t>
             </a:r>
             <a:r>
-              <a:rPr lang="en-US" altLang="ja-JP" sz="700" dirty="0" err="1" smtClean="0"/>
+              <a:rPr lang="en-US" altLang="ja-JP" sz="700" dirty="0" err="1"/>
               <a:t>oup</a:t>
             </a:r>
             <a:r>
-              <a:rPr lang="en-US" altLang="ja-JP" sz="700" dirty="0" smtClean="0"/>
+              <a:rPr lang="en-US" altLang="ja-JP" sz="700" dirty="0"/>
               <a:t>),</a:t>
             </a:r>
           </a:p>
           <a:p>
             <a:r>
-              <a:rPr lang="en-US" altLang="ja-JP" sz="700" dirty="0" smtClean="0"/>
+              <a:rPr lang="en-US" altLang="ja-JP" sz="700" dirty="0"/>
               <a:t>                </a:t>
             </a:r>
             <a:r>
-              <a:rPr lang="en-US" altLang="ja-JP" sz="700" dirty="0" err="1" smtClean="0"/>
+              <a:rPr lang="en-US" altLang="ja-JP" sz="700" dirty="0" err="1"/>
               <a:t>nn.ReLU</a:t>
             </a:r>
             <a:r>
-              <a:rPr lang="en-US" altLang="ja-JP" sz="700" dirty="0" smtClean="0"/>
+              <a:rPr lang="en-US" altLang="ja-JP" sz="700" dirty="0"/>
               <a:t>(</a:t>
             </a:r>
             <a:r>
-              <a:rPr lang="en-US" altLang="ja-JP" sz="700" dirty="0" err="1" smtClean="0"/>
+              <a:rPr lang="en-US" altLang="ja-JP" sz="700" dirty="0" err="1"/>
               <a:t>inplace</a:t>
             </a:r>
             <a:r>
-              <a:rPr lang="en-US" altLang="ja-JP" sz="700" dirty="0" smtClean="0"/>
+              <a:rPr lang="en-US" altLang="ja-JP" sz="700" dirty="0"/>
               <a:t>=True),</a:t>
             </a:r>
           </a:p>
           <a:p>
             <a:r>
-              <a:rPr lang="en-US" altLang="ja-JP" sz="700" dirty="0" smtClean="0"/>
+              <a:rPr lang="en-US" altLang="ja-JP" sz="700" dirty="0"/>
               <a:t>            )</a:t>
             </a:r>
           </a:p>
           <a:p>
-            <a:endParaRPr lang="en-US" altLang="ja-JP" sz="700" dirty="0" smtClean="0"/>
-          </a:p>
-          <a:p>
-            <a:r>
-              <a:rPr lang="en-US" altLang="ja-JP" sz="700" dirty="0" smtClean="0"/>
+            <a:endParaRPr lang="en-US" altLang="ja-JP" sz="700" dirty="0"/>
+          </a:p>
+          <a:p>
+            <a:r>
+              <a:rPr lang="en-US" altLang="ja-JP" sz="700" dirty="0"/>
               <a:t>        </a:t>
             </a:r>
             <a:r>
-              <a:rPr lang="en-US" altLang="ja-JP" sz="700" dirty="0" err="1" smtClean="0"/>
+              <a:rPr lang="en-US" altLang="ja-JP" sz="700" dirty="0" err="1"/>
               <a:t>self.model</a:t>
             </a:r>
             <a:r>
-              <a:rPr lang="en-US" altLang="ja-JP" sz="700" dirty="0" smtClean="0"/>
+              <a:rPr lang="en-US" altLang="ja-JP" sz="700" dirty="0"/>
               <a:t> = </a:t>
             </a:r>
             <a:r>
-              <a:rPr lang="en-US" altLang="ja-JP" sz="700" dirty="0" err="1" smtClean="0"/>
+              <a:rPr lang="en-US" altLang="ja-JP" sz="700" dirty="0" err="1"/>
               <a:t>nn.Sequential</a:t>
             </a:r>
             <a:r>
-              <a:rPr lang="en-US" altLang="ja-JP" sz="700" dirty="0" smtClean="0"/>
+              <a:rPr lang="en-US" altLang="ja-JP" sz="700" dirty="0"/>
               <a:t>(</a:t>
             </a:r>
           </a:p>
           <a:p>
             <a:r>
-              <a:rPr lang="en-US" altLang="ja-JP" sz="700" dirty="0" smtClean="0"/>
+              <a:rPr lang="en-US" altLang="ja-JP" sz="700" dirty="0"/>
               <a:t>            </a:t>
             </a:r>
             <a:r>
-              <a:rPr lang="en-US" altLang="ja-JP" sz="700" dirty="0" err="1" smtClean="0"/>
+              <a:rPr lang="en-US" altLang="ja-JP" sz="700" dirty="0" err="1"/>
               <a:t>conv_bn</a:t>
             </a:r>
             <a:r>
-              <a:rPr lang="en-US" altLang="ja-JP" sz="700" dirty="0" smtClean="0"/>
+              <a:rPr lang="en-US" altLang="ja-JP" sz="700" dirty="0"/>
               <a:t>(  3,  32, 2), </a:t>
             </a:r>
           </a:p>
           <a:p>
             <a:r>
-              <a:rPr lang="en-US" altLang="ja-JP" sz="700" dirty="0" smtClean="0"/>
+              <a:rPr lang="en-US" altLang="ja-JP" sz="700" dirty="0"/>
               <a:t>            </a:t>
             </a:r>
             <a:r>
-              <a:rPr lang="en-US" altLang="ja-JP" sz="700" dirty="0" err="1" smtClean="0"/>
+              <a:rPr lang="en-US" altLang="ja-JP" sz="700" dirty="0" err="1"/>
               <a:t>conv_dw</a:t>
             </a:r>
             <a:r>
-              <a:rPr lang="en-US" altLang="ja-JP" sz="700" dirty="0" smtClean="0"/>
+              <a:rPr lang="en-US" altLang="ja-JP" sz="700" dirty="0"/>
               <a:t>( 32,  64, 1),</a:t>
             </a:r>
           </a:p>
           <a:p>
             <a:r>
-              <a:rPr lang="en-US" altLang="ja-JP" sz="700" dirty="0" smtClean="0"/>
+              <a:rPr lang="en-US" altLang="ja-JP" sz="700" dirty="0"/>
               <a:t>            </a:t>
             </a:r>
             <a:r>
-              <a:rPr lang="en-US" altLang="ja-JP" sz="700" dirty="0" err="1" smtClean="0"/>
+              <a:rPr lang="en-US" altLang="ja-JP" sz="700" dirty="0" err="1"/>
               <a:t>conv_dw</a:t>
             </a:r>
             <a:r>
-              <a:rPr lang="en-US" altLang="ja-JP" sz="700" dirty="0" smtClean="0"/>
+              <a:rPr lang="en-US" altLang="ja-JP" sz="700" dirty="0"/>
               <a:t>( 64, 128, 2),</a:t>
             </a:r>
           </a:p>
           <a:p>
             <a:r>
-              <a:rPr lang="en-US" altLang="ja-JP" sz="700" dirty="0" smtClean="0"/>
+              <a:rPr lang="en-US" altLang="ja-JP" sz="700" dirty="0"/>
               <a:t>            </a:t>
             </a:r>
             <a:r>
-              <a:rPr lang="en-US" altLang="ja-JP" sz="700" dirty="0" err="1" smtClean="0"/>
+              <a:rPr lang="en-US" altLang="ja-JP" sz="700" dirty="0" err="1"/>
               <a:t>conv_dw</a:t>
             </a:r>
             <a:r>
-              <a:rPr lang="en-US" altLang="ja-JP" sz="700" dirty="0" smtClean="0"/>
+              <a:rPr lang="en-US" altLang="ja-JP" sz="700" dirty="0"/>
               <a:t>(128, 128, 1),</a:t>
             </a:r>
           </a:p>
           <a:p>
             <a:r>
-              <a:rPr lang="en-US" altLang="ja-JP" sz="700" dirty="0" smtClean="0"/>
+              <a:rPr lang="en-US" altLang="ja-JP" sz="700" dirty="0"/>
               <a:t>            </a:t>
             </a:r>
             <a:r>
-              <a:rPr lang="en-US" altLang="ja-JP" sz="700" dirty="0" err="1" smtClean="0"/>
+              <a:rPr lang="en-US" altLang="ja-JP" sz="700" dirty="0" err="1"/>
               <a:t>conv_dw</a:t>
             </a:r>
             <a:r>
-              <a:rPr lang="en-US" altLang="ja-JP" sz="700" dirty="0" smtClean="0"/>
+              <a:rPr lang="en-US" altLang="ja-JP" sz="700" dirty="0"/>
               <a:t>(128, 256, 2),</a:t>
             </a:r>
           </a:p>
           <a:p>
             <a:r>
-              <a:rPr lang="en-US" altLang="ja-JP" sz="700" dirty="0" smtClean="0"/>
+              <a:rPr lang="en-US" altLang="ja-JP" sz="700" dirty="0"/>
               <a:t>            </a:t>
             </a:r>
             <a:r>
-              <a:rPr lang="en-US" altLang="ja-JP" sz="700" dirty="0" err="1" smtClean="0"/>
+              <a:rPr lang="en-US" altLang="ja-JP" sz="700" dirty="0" err="1"/>
               <a:t>conv_dw</a:t>
             </a:r>
             <a:r>
-              <a:rPr lang="en-US" altLang="ja-JP" sz="700" dirty="0" smtClean="0"/>
+              <a:rPr lang="en-US" altLang="ja-JP" sz="700" dirty="0"/>
               <a:t>(256, 256, 1),</a:t>
             </a:r>
           </a:p>
           <a:p>
             <a:r>
-              <a:rPr lang="en-US" altLang="ja-JP" sz="700" dirty="0" smtClean="0"/>
+              <a:rPr lang="en-US" altLang="ja-JP" sz="700" dirty="0"/>
               <a:t>            </a:t>
             </a:r>
             <a:r>
-              <a:rPr lang="en-US" altLang="ja-JP" sz="700" dirty="0" err="1" smtClean="0"/>
+              <a:rPr lang="en-US" altLang="ja-JP" sz="700" dirty="0" err="1"/>
               <a:t>conv_dw</a:t>
             </a:r>
             <a:r>
-              <a:rPr lang="en-US" altLang="ja-JP" sz="700" dirty="0" smtClean="0"/>
+              <a:rPr lang="en-US" altLang="ja-JP" sz="700" dirty="0"/>
               <a:t>(256, 512, 2),</a:t>
             </a:r>
           </a:p>
           <a:p>
             <a:r>
-              <a:rPr lang="en-US" altLang="ja-JP" sz="700" dirty="0" smtClean="0"/>
+              <a:rPr lang="en-US" altLang="ja-JP" sz="700" dirty="0"/>
               <a:t>            </a:t>
             </a:r>
             <a:r>
-              <a:rPr lang="en-US" altLang="ja-JP" sz="700" dirty="0" err="1" smtClean="0"/>
+              <a:rPr lang="en-US" altLang="ja-JP" sz="700" dirty="0" err="1"/>
               <a:t>conv_dw</a:t>
             </a:r>
             <a:r>
-              <a:rPr lang="en-US" altLang="ja-JP" sz="700" dirty="0" smtClean="0"/>
+              <a:rPr lang="en-US" altLang="ja-JP" sz="700" dirty="0"/>
               <a:t>(512, 512, 1),</a:t>
             </a:r>
           </a:p>
           <a:p>
             <a:r>
-              <a:rPr lang="en-US" altLang="ja-JP" sz="700" dirty="0" smtClean="0"/>
+              <a:rPr lang="en-US" altLang="ja-JP" sz="700" dirty="0"/>
               <a:t>            </a:t>
             </a:r>
             <a:r>
-              <a:rPr lang="en-US" altLang="ja-JP" sz="700" dirty="0" err="1" smtClean="0"/>
+              <a:rPr lang="en-US" altLang="ja-JP" sz="700" dirty="0" err="1"/>
               <a:t>conv_dw</a:t>
             </a:r>
             <a:r>
-              <a:rPr lang="en-US" altLang="ja-JP" sz="700" dirty="0" smtClean="0"/>
+              <a:rPr lang="en-US" altLang="ja-JP" sz="700" dirty="0"/>
               <a:t>(512, 512, 1),</a:t>
             </a:r>
           </a:p>
           <a:p>
             <a:r>
-              <a:rPr lang="en-US" altLang="ja-JP" sz="700" dirty="0" smtClean="0"/>
+              <a:rPr lang="en-US" altLang="ja-JP" sz="700" dirty="0"/>
               <a:t>            </a:t>
             </a:r>
             <a:r>
-              <a:rPr lang="en-US" altLang="ja-JP" sz="700" dirty="0" err="1" smtClean="0"/>
+              <a:rPr lang="en-US" altLang="ja-JP" sz="700" dirty="0" err="1"/>
               <a:t>conv_dw</a:t>
             </a:r>
             <a:r>
-              <a:rPr lang="en-US" altLang="ja-JP" sz="700" dirty="0" smtClean="0"/>
+              <a:rPr lang="en-US" altLang="ja-JP" sz="700" dirty="0"/>
               <a:t>(512, 512, 1),</a:t>
             </a:r>
           </a:p>
           <a:p>
             <a:r>
-              <a:rPr lang="en-US" altLang="ja-JP" sz="700" dirty="0" smtClean="0"/>
+              <a:rPr lang="en-US" altLang="ja-JP" sz="700" dirty="0"/>
               <a:t>            </a:t>
             </a:r>
             <a:r>
-              <a:rPr lang="en-US" altLang="ja-JP" sz="700" dirty="0" err="1" smtClean="0"/>
+              <a:rPr lang="en-US" altLang="ja-JP" sz="700" dirty="0" err="1"/>
               <a:t>conv_dw</a:t>
             </a:r>
             <a:r>
-              <a:rPr lang="en-US" altLang="ja-JP" sz="700" dirty="0" smtClean="0"/>
+              <a:rPr lang="en-US" altLang="ja-JP" sz="700" dirty="0"/>
               <a:t>(512, 512, 1),</a:t>
             </a:r>
           </a:p>
           <a:p>
             <a:r>
-              <a:rPr lang="en-US" altLang="ja-JP" sz="700" dirty="0" smtClean="0"/>
+              <a:rPr lang="en-US" altLang="ja-JP" sz="700" dirty="0"/>
               <a:t>            </a:t>
             </a:r>
             <a:r>
-              <a:rPr lang="en-US" altLang="ja-JP" sz="700" dirty="0" err="1" smtClean="0"/>
+              <a:rPr lang="en-US" altLang="ja-JP" sz="700" dirty="0" err="1"/>
               <a:t>conv_dw</a:t>
             </a:r>
             <a:r>
-              <a:rPr lang="en-US" altLang="ja-JP" sz="700" dirty="0" smtClean="0"/>
+              <a:rPr lang="en-US" altLang="ja-JP" sz="700" dirty="0"/>
               <a:t>(512, 512, 1),</a:t>
             </a:r>
           </a:p>
           <a:p>
             <a:r>
-              <a:rPr lang="en-US" altLang="ja-JP" sz="700" dirty="0" smtClean="0"/>
+              <a:rPr lang="en-US" altLang="ja-JP" sz="700" dirty="0"/>
               <a:t>            </a:t>
             </a:r>
             <a:r>
-              <a:rPr lang="en-US" altLang="ja-JP" sz="700" dirty="0" err="1" smtClean="0"/>
+              <a:rPr lang="en-US" altLang="ja-JP" sz="700" dirty="0" err="1"/>
               <a:t>conv_dw</a:t>
             </a:r>
             <a:r>
-              <a:rPr lang="en-US" altLang="ja-JP" sz="700" dirty="0" smtClean="0"/>
+              <a:rPr lang="en-US" altLang="ja-JP" sz="700" dirty="0"/>
               <a:t>(512, 1024, 2),</a:t>
             </a:r>
           </a:p>
           <a:p>
             <a:r>
-              <a:rPr lang="en-US" altLang="ja-JP" sz="700" dirty="0" smtClean="0"/>
+              <a:rPr lang="en-US" altLang="ja-JP" sz="700" dirty="0"/>
               <a:t>            </a:t>
             </a:r>
             <a:r>
-              <a:rPr lang="en-US" altLang="ja-JP" sz="700" dirty="0" err="1" smtClean="0"/>
+              <a:rPr lang="en-US" altLang="ja-JP" sz="700" dirty="0" err="1"/>
               <a:t>conv_dw</a:t>
             </a:r>
             <a:r>
-              <a:rPr lang="en-US" altLang="ja-JP" sz="700" dirty="0" smtClean="0"/>
+              <a:rPr lang="en-US" altLang="ja-JP" sz="700" dirty="0"/>
               <a:t>(1024, 1024, 1),</a:t>
             </a:r>
           </a:p>
           <a:p>
             <a:r>
-              <a:rPr lang="en-US" altLang="ja-JP" sz="700" dirty="0" smtClean="0"/>
+              <a:rPr lang="en-US" altLang="ja-JP" sz="700" dirty="0"/>
               <a:t>            nn.AvgPool2d(7),</a:t>
             </a:r>
           </a:p>
           <a:p>
             <a:r>
-              <a:rPr lang="en-US" altLang="ja-JP" sz="700" dirty="0" smtClean="0"/>
+              <a:rPr lang="en-US" altLang="ja-JP" sz="700" dirty="0"/>
               <a:t>        )</a:t>
             </a:r>
           </a:p>
           <a:p>
             <a:r>
-              <a:rPr lang="en-US" altLang="ja-JP" sz="700" dirty="0" smtClean="0"/>
+              <a:rPr lang="en-US" altLang="ja-JP" sz="700" dirty="0"/>
               <a:t>        </a:t>
             </a:r>
             <a:r>
-              <a:rPr lang="en-US" altLang="ja-JP" sz="700" dirty="0" err="1" smtClean="0"/>
+              <a:rPr lang="en-US" altLang="ja-JP" sz="700" dirty="0" err="1"/>
               <a:t>self.fc</a:t>
             </a:r>
             <a:r>
-              <a:rPr lang="en-US" altLang="ja-JP" sz="700" dirty="0" smtClean="0"/>
+              <a:rPr lang="en-US" altLang="ja-JP" sz="700" dirty="0"/>
               <a:t> = </a:t>
             </a:r>
             <a:r>
-              <a:rPr lang="en-US" altLang="ja-JP" sz="700" dirty="0" err="1" smtClean="0"/>
+              <a:rPr lang="en-US" altLang="ja-JP" sz="700" dirty="0" err="1"/>
               <a:t>nn.Linear</a:t>
             </a:r>
             <a:r>
-              <a:rPr lang="en-US" altLang="ja-JP" sz="700" dirty="0" smtClean="0"/>
+              <a:rPr lang="en-US" altLang="ja-JP" sz="700" dirty="0"/>
               <a:t>(1024, 1000)</a:t>
             </a:r>
           </a:p>
           <a:p>
-            <a:endParaRPr lang="en-US" altLang="ja-JP" sz="700" dirty="0" smtClean="0"/>
-          </a:p>
-          <a:p>
-            <a:r>
-              <a:rPr lang="en-US" altLang="ja-JP" sz="700" dirty="0" smtClean="0"/>
+            <a:endParaRPr lang="en-US" altLang="ja-JP" sz="700" dirty="0"/>
+          </a:p>
+          <a:p>
+            <a:r>
+              <a:rPr lang="en-US" altLang="ja-JP" sz="700" dirty="0"/>
               <a:t>    </a:t>
             </a:r>
             <a:r>
-              <a:rPr lang="en-US" altLang="ja-JP" sz="700" dirty="0" err="1" smtClean="0"/>
+              <a:rPr lang="en-US" altLang="ja-JP" sz="700" dirty="0" err="1"/>
               <a:t>def</a:t>
             </a:r>
             <a:r>
-              <a:rPr lang="en-US" altLang="ja-JP" sz="700" dirty="0" smtClean="0"/>
+              <a:rPr lang="en-US" altLang="ja-JP" sz="700" dirty="0"/>
               <a:t> forward(self, x):</a:t>
             </a:r>
           </a:p>
           <a:p>
             <a:r>
-              <a:rPr lang="en-US" altLang="ja-JP" sz="700" dirty="0" smtClean="0"/>
+              <a:rPr lang="en-US" altLang="ja-JP" sz="700" dirty="0"/>
               <a:t>        x = </a:t>
             </a:r>
             <a:r>
-              <a:rPr lang="en-US" altLang="ja-JP" sz="700" dirty="0" err="1" smtClean="0"/>
+              <a:rPr lang="en-US" altLang="ja-JP" sz="700" dirty="0" err="1"/>
               <a:t>self.model</a:t>
             </a:r>
             <a:r>
-              <a:rPr lang="en-US" altLang="ja-JP" sz="700" dirty="0" smtClean="0"/>
+              <a:rPr lang="en-US" altLang="ja-JP" sz="700" dirty="0"/>
               <a:t>(x)</a:t>
             </a:r>
           </a:p>
           <a:p>
             <a:r>
-              <a:rPr lang="en-US" altLang="ja-JP" sz="700" dirty="0" smtClean="0"/>
+              <a:rPr lang="en-US" altLang="ja-JP" sz="700" dirty="0"/>
               <a:t>        x = </a:t>
             </a:r>
             <a:r>
-              <a:rPr lang="en-US" altLang="ja-JP" sz="700" dirty="0" err="1" smtClean="0"/>
+              <a:rPr lang="en-US" altLang="ja-JP" sz="700" dirty="0" err="1"/>
               <a:t>x.view</a:t>
             </a:r>
             <a:r>
-              <a:rPr lang="en-US" altLang="ja-JP" sz="700" dirty="0" smtClean="0"/>
+              <a:rPr lang="en-US" altLang="ja-JP" sz="700" dirty="0"/>
               <a:t>(-1, 1024)</a:t>
             </a:r>
           </a:p>
           <a:p>
             <a:r>
-              <a:rPr lang="en-US" altLang="ja-JP" sz="700" dirty="0" smtClean="0"/>
+              <a:rPr lang="en-US" altLang="ja-JP" sz="700" dirty="0"/>
               <a:t>        x = </a:t>
             </a:r>
             <a:r>
-              <a:rPr lang="en-US" altLang="ja-JP" sz="700" dirty="0" err="1" smtClean="0"/>
+              <a:rPr lang="en-US" altLang="ja-JP" sz="700" dirty="0" err="1"/>
               <a:t>self.fc</a:t>
             </a:r>
             <a:r>
-              <a:rPr lang="en-US" altLang="ja-JP" sz="700" dirty="0" smtClean="0"/>
+              <a:rPr lang="en-US" altLang="ja-JP" sz="700" dirty="0"/>
               <a:t>(x)</a:t>
             </a:r>
           </a:p>
           <a:p>
             <a:r>
-              <a:rPr lang="en-US" altLang="ja-JP" sz="700" dirty="0" smtClean="0"/>
+              <a:rPr lang="en-US" altLang="ja-JP" sz="700" dirty="0"/>
               <a:t>        return x</a:t>
             </a:r>
             <a:endParaRPr lang="ja-JP" altLang="en-US" sz="700" dirty="0"/>
@@ -9625,15 +11454,9 @@
               <a:rPr lang="en-US" altLang="ja-JP" sz="1100" dirty="0">
                 <a:hlinkClick r:id="rId3"/>
               </a:rPr>
-              <a:t>https://</a:t>
-            </a:r>
-            <a:r>
-              <a:rPr lang="en-US" altLang="ja-JP" sz="1100" dirty="0" smtClean="0">
-                <a:hlinkClick r:id="rId3"/>
-              </a:rPr>
-              <a:t>github.com/wjc852456/pytorch-mobilenet-v1</a:t>
-            </a:r>
-            <a:endParaRPr lang="en-US" altLang="ja-JP" sz="1100" dirty="0" smtClean="0"/>
+              <a:t>https://github.com/wjc852456/pytorch-mobilenet-v1</a:t>
+            </a:r>
+            <a:endParaRPr lang="en-US" altLang="ja-JP" sz="1100" dirty="0"/>
           </a:p>
         </p:txBody>
       </p:sp>
@@ -9660,7 +11483,7 @@
           <a:lstStyle/>
           <a:p>
             <a:r>
-              <a:rPr kumimoji="1" lang="en-US" altLang="ja-JP" sz="3200" dirty="0" err="1" smtClean="0">
+              <a:rPr kumimoji="1" lang="en-US" altLang="ja-JP" sz="3200" dirty="0" err="1">
                 <a:latin typeface="+mn-lt"/>
                 <a:ea typeface="メイリオ" panose="020B0604030504040204" pitchFamily="50" charset="-128"/>
                 <a:cs typeface="HackGen" panose="020B0509020203020207" pitchFamily="49" charset="-128"/>
@@ -9668,7 +11491,7 @@
               <a:t>MobileNets</a:t>
             </a:r>
             <a:r>
-              <a:rPr kumimoji="1" lang="en-US" altLang="ja-JP" sz="3200" dirty="0" smtClean="0">
+              <a:rPr kumimoji="1" lang="en-US" altLang="ja-JP" sz="3200" dirty="0">
                 <a:latin typeface="+mn-lt"/>
                 <a:ea typeface="メイリオ" panose="020B0604030504040204" pitchFamily="50" charset="-128"/>
                 <a:cs typeface="HackGen" panose="020B0509020203020207" pitchFamily="49" charset="-128"/>
@@ -9736,7 +11559,7 @@
           <a:lstStyle/>
           <a:p>
             <a:r>
-              <a:rPr lang="en-US" altLang="ja-JP" sz="3200" dirty="0" smtClean="0">
+              <a:rPr lang="en-US" altLang="ja-JP" sz="3200" dirty="0">
                 <a:latin typeface="+mn-lt"/>
                 <a:ea typeface="メイリオ" panose="020B0604030504040204" pitchFamily="50" charset="-128"/>
                 <a:cs typeface="HackGen" panose="020B0509020203020207" pitchFamily="49" charset="-128"/>
@@ -9938,7 +11761,7 @@
           </a:lstStyle>
           <a:p>
             <a:r>
-              <a:rPr lang="en-US" altLang="ja-JP" sz="2000" dirty="0" smtClean="0">
+              <a:rPr lang="en-US" altLang="ja-JP" sz="2000" dirty="0">
                 <a:ea typeface="メイリオ" panose="020B0604030504040204" pitchFamily="50" charset="-128"/>
                 <a:cs typeface="HackGen" panose="020B0509020203020207" pitchFamily="49" charset="-128"/>
               </a:rPr>
@@ -9948,55 +11771,55 @@
           <a:p>
             <a:pPr lvl="1"/>
             <a:r>
-              <a:rPr lang="en-US" altLang="ja-JP" sz="1600" dirty="0" smtClean="0">
+              <a:rPr lang="en-US" altLang="ja-JP" sz="1600" dirty="0">
                 <a:ea typeface="メイリオ" panose="020B0604030504040204" pitchFamily="50" charset="-128"/>
                 <a:cs typeface="HackGen" panose="020B0509020203020207" pitchFamily="49" charset="-128"/>
                 <a:hlinkClick r:id="rId2"/>
               </a:rPr>
               <a:t>https://arxiv.org/pdf/1801.04381.pdf</a:t>
             </a:r>
-            <a:endParaRPr lang="en-US" altLang="ja-JP" sz="1600" dirty="0" smtClean="0">
+            <a:endParaRPr lang="en-US" altLang="ja-JP" sz="1600" dirty="0">
               <a:ea typeface="メイリオ" panose="020B0604030504040204" pitchFamily="50" charset="-128"/>
               <a:cs typeface="HackGen" panose="020B0509020203020207" pitchFamily="49" charset="-128"/>
             </a:endParaRPr>
           </a:p>
           <a:p>
             <a:r>
-              <a:rPr lang="ja-JP" altLang="en-US" sz="2000" dirty="0" smtClean="0">
+              <a:rPr lang="ja-JP" altLang="en-US" sz="2000" dirty="0">
                 <a:ea typeface="メイリオ" panose="020B0604030504040204" pitchFamily="50" charset="-128"/>
                 <a:cs typeface="HackGen" panose="020B0509020203020207" pitchFamily="49" charset="-128"/>
               </a:rPr>
               <a:t>さらなる効率化のため、</a:t>
             </a:r>
             <a:r>
-              <a:rPr lang="en-US" altLang="ja-JP" sz="2000" dirty="0" smtClean="0">
+              <a:rPr lang="en-US" altLang="ja-JP" sz="2000" dirty="0">
                 <a:ea typeface="メイリオ" panose="020B0604030504040204" pitchFamily="50" charset="-128"/>
                 <a:cs typeface="HackGen" panose="020B0509020203020207" pitchFamily="49" charset="-128"/>
               </a:rPr>
               <a:t>V1</a:t>
             </a:r>
             <a:r>
-              <a:rPr lang="ja-JP" altLang="en-US" sz="2000" dirty="0" smtClean="0">
+              <a:rPr lang="ja-JP" altLang="en-US" sz="2000" dirty="0">
                 <a:ea typeface="メイリオ" panose="020B0604030504040204" pitchFamily="50" charset="-128"/>
                 <a:cs typeface="HackGen" panose="020B0509020203020207" pitchFamily="49" charset="-128"/>
               </a:rPr>
               <a:t>の</a:t>
             </a:r>
             <a:r>
-              <a:rPr lang="en-US" altLang="ja-JP" sz="2000" dirty="0" smtClean="0">
+              <a:rPr lang="en-US" altLang="ja-JP" sz="2000" dirty="0">
                 <a:ea typeface="メイリオ" panose="020B0604030504040204" pitchFamily="50" charset="-128"/>
                 <a:cs typeface="HackGen" panose="020B0509020203020207" pitchFamily="49" charset="-128"/>
               </a:rPr>
               <a:t>pw</a:t>
             </a:r>
             <a:r>
-              <a:rPr lang="ja-JP" altLang="en-US" sz="2000" dirty="0" smtClean="0">
+              <a:rPr lang="ja-JP" altLang="en-US" sz="2000" dirty="0">
                 <a:ea typeface="メイリオ" panose="020B0604030504040204" pitchFamily="50" charset="-128"/>
                 <a:cs typeface="HackGen" panose="020B0509020203020207" pitchFamily="49" charset="-128"/>
               </a:rPr>
               <a:t>のチャンネル数を減らす工夫がされている。</a:t>
             </a:r>
-            <a:endParaRPr lang="en-US" altLang="ja-JP" sz="2000" dirty="0" smtClean="0">
+            <a:endParaRPr lang="en-US" altLang="ja-JP" sz="2000" dirty="0">
               <a:ea typeface="メイリオ" panose="020B0604030504040204" pitchFamily="50" charset="-128"/>
               <a:cs typeface="HackGen" panose="020B0509020203020207" pitchFamily="49" charset="-128"/>
             </a:endParaRPr>
@@ -10004,28 +11827,28 @@
           <a:p>
             <a:pPr lvl="1"/>
             <a:r>
-              <a:rPr lang="ja-JP" altLang="en-US" sz="1600" dirty="0" smtClean="0">
+              <a:rPr lang="ja-JP" altLang="en-US" sz="1600" dirty="0">
                 <a:ea typeface="メイリオ" panose="020B0604030504040204" pitchFamily="50" charset="-128"/>
                 <a:cs typeface="HackGen" panose="020B0509020203020207" pitchFamily="49" charset="-128"/>
               </a:rPr>
               <a:t>工夫は、</a:t>
             </a:r>
             <a:r>
-              <a:rPr lang="en-US" altLang="ja-JP" sz="1600" dirty="0" err="1" smtClean="0">
+              <a:rPr lang="en-US" altLang="ja-JP" sz="1600" dirty="0" err="1">
                 <a:ea typeface="メイリオ" panose="020B0604030504040204" pitchFamily="50" charset="-128"/>
                 <a:cs typeface="HackGen" panose="020B0509020203020207" pitchFamily="49" charset="-128"/>
               </a:rPr>
               <a:t>ResNet</a:t>
             </a:r>
             <a:r>
-              <a:rPr lang="ja-JP" altLang="en-US" sz="1600" dirty="0" smtClean="0">
+              <a:rPr lang="ja-JP" altLang="en-US" sz="1600" dirty="0">
                 <a:ea typeface="メイリオ" panose="020B0604030504040204" pitchFamily="50" charset="-128"/>
                 <a:cs typeface="HackGen" panose="020B0509020203020207" pitchFamily="49" charset="-128"/>
               </a:rPr>
               <a:t>の</a:t>
             </a:r>
             <a:r>
-              <a:rPr lang="en-US" altLang="ja-JP" sz="1600" dirty="0" smtClean="0">
+              <a:rPr lang="en-US" altLang="ja-JP" sz="1600" dirty="0">
                 <a:ea typeface="メイリオ" panose="020B0604030504040204" pitchFamily="50" charset="-128"/>
                 <a:cs typeface="HackGen" panose="020B0509020203020207" pitchFamily="49" charset="-128"/>
               </a:rPr>
@@ -10039,49 +11862,28 @@
               <a:t> </a:t>
             </a:r>
             <a:r>
-              <a:rPr lang="en-US" altLang="ja-JP" sz="1600" dirty="0" smtClean="0">
+              <a:rPr lang="en-US" altLang="ja-JP" sz="1600" dirty="0">
                 <a:ea typeface="メイリオ" panose="020B0604030504040204" pitchFamily="50" charset="-128"/>
                 <a:cs typeface="HackGen" panose="020B0509020203020207" pitchFamily="49" charset="-128"/>
               </a:rPr>
               <a:t>block</a:t>
             </a:r>
             <a:r>
-              <a:rPr lang="ja-JP" altLang="en-US" sz="1600" dirty="0" smtClean="0">
+              <a:rPr lang="ja-JP" altLang="en-US" sz="1600" dirty="0">
                 <a:ea typeface="メイリオ" panose="020B0604030504040204" pitchFamily="50" charset="-128"/>
                 <a:cs typeface="HackGen" panose="020B0509020203020207" pitchFamily="49" charset="-128"/>
               </a:rPr>
-              <a:t>を応用</a:t>
+              <a:t>を応用し</a:t>
+            </a:r>
+            <a:r>
+              <a:rPr lang="en-US" altLang="ja-JP" sz="1600" dirty="0">
+                <a:ea typeface="メイリオ" panose="020B0604030504040204" pitchFamily="50" charset="-128"/>
+                <a:cs typeface="HackGen" panose="020B0509020203020207" pitchFamily="49" charset="-128"/>
+              </a:rPr>
+              <a:t>Inverted residual Block</a:t>
             </a:r>
             <a:r>
               <a:rPr lang="ja-JP" altLang="en-US" sz="1600" dirty="0">
-                <a:ea typeface="メイリオ" panose="020B0604030504040204" pitchFamily="50" charset="-128"/>
-                <a:cs typeface="HackGen" panose="020B0509020203020207" pitchFamily="49" charset="-128"/>
-              </a:rPr>
-              <a:t>し</a:t>
-            </a:r>
-            <a:r>
-              <a:rPr lang="en-US" altLang="ja-JP" sz="1600" dirty="0" smtClean="0">
-                <a:ea typeface="メイリオ" panose="020B0604030504040204" pitchFamily="50" charset="-128"/>
-                <a:cs typeface="HackGen" panose="020B0509020203020207" pitchFamily="49" charset="-128"/>
-              </a:rPr>
-              <a:t>Inverted </a:t>
-            </a:r>
-            <a:r>
-              <a:rPr lang="en-US" altLang="ja-JP" sz="1600" dirty="0">
-                <a:ea typeface="メイリオ" panose="020B0604030504040204" pitchFamily="50" charset="-128"/>
-                <a:cs typeface="HackGen" panose="020B0509020203020207" pitchFamily="49" charset="-128"/>
-              </a:rPr>
-              <a:t>r</a:t>
-            </a:r>
-            <a:r>
-              <a:rPr lang="en-US" altLang="ja-JP" sz="1600" dirty="0" smtClean="0">
-                <a:ea typeface="メイリオ" panose="020B0604030504040204" pitchFamily="50" charset="-128"/>
-                <a:cs typeface="HackGen" panose="020B0509020203020207" pitchFamily="49" charset="-128"/>
-              </a:rPr>
-              <a:t>esidual Block</a:t>
-            </a:r>
-            <a:r>
-              <a:rPr lang="ja-JP" altLang="en-US" sz="1600" dirty="0" smtClean="0">
                 <a:ea typeface="メイリオ" panose="020B0604030504040204" pitchFamily="50" charset="-128"/>
                 <a:cs typeface="HackGen" panose="020B0509020203020207" pitchFamily="49" charset="-128"/>
               </a:rPr>
@@ -10168,72 +11970,72 @@
           <a:lstStyle/>
           <a:p>
             <a:r>
-              <a:rPr kumimoji="1" lang="en-US" altLang="ja-JP" sz="1200" dirty="0" smtClean="0">
+              <a:rPr kumimoji="1" lang="en-US" altLang="ja-JP" sz="1200" dirty="0">
                 <a:ea typeface="メイリオ" panose="020B0604030504040204" pitchFamily="50" charset="-128"/>
               </a:rPr>
               <a:t>Residual block</a:t>
             </a:r>
             <a:r>
-              <a:rPr kumimoji="1" lang="ja-JP" altLang="en-US" sz="1200" dirty="0" smtClean="0">
+              <a:rPr kumimoji="1" lang="ja-JP" altLang="en-US" sz="1200" dirty="0">
                 <a:ea typeface="メイリオ" panose="020B0604030504040204" pitchFamily="50" charset="-128"/>
               </a:rPr>
               <a:t>は</a:t>
             </a:r>
             <a:r>
-              <a:rPr lang="en-US" altLang="ja-JP" sz="1200" dirty="0" smtClean="0">
+              <a:rPr lang="en-US" altLang="ja-JP" sz="1200" dirty="0">
                 <a:ea typeface="メイリオ" panose="020B0604030504040204" pitchFamily="50" charset="-128"/>
               </a:rPr>
               <a:t>pw</a:t>
             </a:r>
             <a:r>
-              <a:rPr lang="ja-JP" altLang="en-US" sz="1200" dirty="0" smtClean="0">
+              <a:rPr lang="ja-JP" altLang="en-US" sz="1200" dirty="0">
                 <a:ea typeface="メイリオ" panose="020B0604030504040204" pitchFamily="50" charset="-128"/>
               </a:rPr>
               <a:t>で一度</a:t>
             </a:r>
             <a:r>
-              <a:rPr lang="en-US" altLang="ja-JP" sz="1200" dirty="0" smtClean="0">
+              <a:rPr lang="en-US" altLang="ja-JP" sz="1200" dirty="0">
                 <a:ea typeface="メイリオ" panose="020B0604030504040204" pitchFamily="50" charset="-128"/>
               </a:rPr>
               <a:t>channel</a:t>
             </a:r>
             <a:r>
-              <a:rPr lang="ja-JP" altLang="en-US" sz="1200" dirty="0" smtClean="0">
+              <a:rPr lang="ja-JP" altLang="en-US" sz="1200" dirty="0">
                 <a:ea typeface="メイリオ" panose="020B0604030504040204" pitchFamily="50" charset="-128"/>
               </a:rPr>
               <a:t>を圧縮してから</a:t>
             </a:r>
             <a:r>
-              <a:rPr lang="en-US" altLang="ja-JP" sz="1200" dirty="0" smtClean="0">
+              <a:rPr lang="en-US" altLang="ja-JP" sz="1200" dirty="0">
                 <a:ea typeface="メイリオ" panose="020B0604030504040204" pitchFamily="50" charset="-128"/>
               </a:rPr>
               <a:t>3x3</a:t>
             </a:r>
             <a:r>
-              <a:rPr lang="ja-JP" altLang="en-US" sz="1200" dirty="0" smtClean="0">
+              <a:rPr lang="ja-JP" altLang="en-US" sz="1200" dirty="0">
                 <a:ea typeface="メイリオ" panose="020B0604030504040204" pitchFamily="50" charset="-128"/>
               </a:rPr>
               <a:t>畳み込み。</a:t>
             </a:r>
-            <a:endParaRPr lang="en-US" altLang="ja-JP" sz="1200" dirty="0" smtClean="0">
+            <a:endParaRPr lang="en-US" altLang="ja-JP" sz="1200" dirty="0">
               <a:ea typeface="メイリオ" panose="020B0604030504040204" pitchFamily="50" charset="-128"/>
             </a:endParaRPr>
           </a:p>
           <a:p>
             <a:r>
-              <a:rPr lang="ja-JP" altLang="en-US" sz="1200" dirty="0" smtClean="0">
+              <a:rPr lang="ja-JP" altLang="en-US" sz="1200" dirty="0">
                 <a:ea typeface="メイリオ" panose="020B0604030504040204" pitchFamily="50" charset="-128"/>
               </a:rPr>
               <a:t>その後、</a:t>
             </a:r>
             <a:r>
-              <a:rPr lang="en-US" altLang="ja-JP" sz="1200" dirty="0" smtClean="0">
+              <a:rPr lang="en-US" altLang="ja-JP" sz="1200" dirty="0">
                 <a:ea typeface="メイリオ" panose="020B0604030504040204" pitchFamily="50" charset="-128"/>
               </a:rPr>
               <a:t>pw</a:t>
             </a:r>
             <a:r>
-              <a:rPr lang="ja-JP" altLang="en-US" sz="1200" dirty="0" smtClean="0">
+              <a:rPr lang="ja-JP" altLang="en-US" sz="1200" dirty="0">
                 <a:ea typeface="メイリオ" panose="020B0604030504040204" pitchFamily="50" charset="-128"/>
               </a:rPr>
               <a:t>でチャンネルを戻す。</a:t>
@@ -10290,139 +12092,64 @@
           <a:lstStyle/>
           <a:p>
             <a:r>
-              <a:rPr kumimoji="1" lang="en-US" altLang="ja-JP" sz="1200" dirty="0" smtClean="0">
+              <a:rPr kumimoji="1" lang="en-US" altLang="ja-JP" sz="1200" dirty="0">
                 <a:ea typeface="メイリオ" panose="020B0604030504040204" pitchFamily="50" charset="-128"/>
               </a:rPr>
               <a:t>Inverted residual block</a:t>
             </a:r>
             <a:r>
-              <a:rPr kumimoji="1" lang="ja-JP" altLang="en-US" sz="1200" dirty="0" smtClean="0">
+              <a:rPr kumimoji="1" lang="ja-JP" altLang="en-US" sz="1200" dirty="0">
                 <a:ea typeface="メイリオ" panose="020B0604030504040204" pitchFamily="50" charset="-128"/>
               </a:rPr>
               <a:t>はその逆で、</a:t>
             </a:r>
-            <a:endParaRPr kumimoji="1" lang="en-US" altLang="ja-JP" sz="1200" dirty="0" smtClean="0">
+            <a:endParaRPr kumimoji="1" lang="en-US" altLang="ja-JP" sz="1200" dirty="0">
               <a:ea typeface="メイリオ" panose="020B0604030504040204" pitchFamily="50" charset="-128"/>
             </a:endParaRPr>
           </a:p>
           <a:p>
             <a:r>
-              <a:rPr lang="en-US" altLang="ja-JP" sz="1200" dirty="0" smtClean="0">
+              <a:rPr lang="en-US" altLang="ja-JP" sz="1200" dirty="0">
                 <a:ea typeface="メイリオ" panose="020B0604030504040204" pitchFamily="50" charset="-128"/>
               </a:rPr>
               <a:t>pw</a:t>
             </a:r>
             <a:r>
-              <a:rPr lang="ja-JP" altLang="en-US" sz="1200" dirty="0" smtClean="0">
+              <a:rPr lang="ja-JP" altLang="en-US" sz="1200" dirty="0">
                 <a:ea typeface="メイリオ" panose="020B0604030504040204" pitchFamily="50" charset="-128"/>
               </a:rPr>
               <a:t>で一度</a:t>
             </a:r>
             <a:r>
-              <a:rPr lang="en-US" altLang="ja-JP" sz="1200" dirty="0" smtClean="0">
+              <a:rPr lang="en-US" altLang="ja-JP" sz="1200" dirty="0">
                 <a:ea typeface="メイリオ" panose="020B0604030504040204" pitchFamily="50" charset="-128"/>
               </a:rPr>
               <a:t>channel</a:t>
             </a:r>
             <a:r>
-              <a:rPr lang="ja-JP" altLang="en-US" sz="1200" dirty="0" smtClean="0">
+              <a:rPr lang="ja-JP" altLang="en-US" sz="1200" dirty="0">
                 <a:ea typeface="メイリオ" panose="020B0604030504040204" pitchFamily="50" charset="-128"/>
               </a:rPr>
               <a:t>を拡張してから</a:t>
             </a:r>
-            <a:endParaRPr lang="en-US" altLang="ja-JP" sz="1200" dirty="0" smtClean="0">
-              <a:ea typeface="メイリオ" panose="020B0604030504040204" pitchFamily="50" charset="-128"/>
-            </a:endParaRPr>
-          </a:p>
-          <a:p>
-            <a:r>
-              <a:rPr lang="en-US" altLang="ja-JP" sz="1200" dirty="0" smtClean="0">
-                <a:ea typeface="メイリオ" panose="020B0604030504040204" pitchFamily="50" charset="-128"/>
-              </a:rPr>
-              <a:t>3x3</a:t>
-            </a:r>
-            <a:r>
-              <a:rPr lang="ja-JP" altLang="en-US" sz="1200" dirty="0" smtClean="0">
-                <a:ea typeface="メイリオ" panose="020B0604030504040204" pitchFamily="50" charset="-128"/>
-              </a:rPr>
-              <a:t>畳み込み。</a:t>
-            </a:r>
-            <a:endParaRPr lang="en-US" altLang="ja-JP" sz="1200" dirty="0" smtClean="0">
-              <a:ea typeface="メイリオ" panose="020B0604030504040204" pitchFamily="50" charset="-128"/>
-            </a:endParaRPr>
-          </a:p>
-          <a:p>
-            <a:r>
-              <a:rPr lang="ja-JP" altLang="en-US" sz="1200" dirty="0" smtClean="0">
-                <a:ea typeface="メイリオ" panose="020B0604030504040204" pitchFamily="50" charset="-128"/>
-              </a:rPr>
-              <a:t>その後、</a:t>
-            </a:r>
-            <a:r>
-              <a:rPr lang="en-US" altLang="ja-JP" sz="1200" dirty="0" smtClean="0">
-                <a:ea typeface="メイリオ" panose="020B0604030504040204" pitchFamily="50" charset="-128"/>
-              </a:rPr>
-              <a:t>pw</a:t>
-            </a:r>
-            <a:r>
-              <a:rPr lang="ja-JP" altLang="en-US" sz="1200" dirty="0" smtClean="0">
-                <a:ea typeface="メイリオ" panose="020B0604030504040204" pitchFamily="50" charset="-128"/>
-              </a:rPr>
-              <a:t>でチャンネルを戻す。</a:t>
-            </a:r>
-            <a:endParaRPr lang="en-US" altLang="ja-JP" sz="1200" dirty="0" smtClean="0">
-              <a:ea typeface="メイリオ" panose="020B0604030504040204" pitchFamily="50" charset="-128"/>
-            </a:endParaRPr>
-          </a:p>
-          <a:p>
             <a:endParaRPr lang="en-US" altLang="ja-JP" sz="1200" dirty="0">
               <a:ea typeface="メイリオ" panose="020B0604030504040204" pitchFamily="50" charset="-128"/>
             </a:endParaRPr>
           </a:p>
           <a:p>
             <a:r>
-              <a:rPr lang="en-US" altLang="ja-JP" sz="1200" dirty="0" smtClean="0">
-                <a:ea typeface="メイリオ" panose="020B0604030504040204" pitchFamily="50" charset="-128"/>
-              </a:rPr>
-              <a:t>ReLU6(</a:t>
-            </a:r>
-            <a:r>
-              <a:rPr lang="ja-JP" altLang="en-US" sz="1200" dirty="0" smtClean="0">
-                <a:ea typeface="メイリオ" panose="020B0604030504040204" pitchFamily="50" charset="-128"/>
-              </a:rPr>
-              <a:t>上限が</a:t>
-            </a:r>
-            <a:r>
-              <a:rPr lang="en-US" altLang="ja-JP" sz="1200" dirty="0" smtClean="0">
-                <a:ea typeface="メイリオ" panose="020B0604030504040204" pitchFamily="50" charset="-128"/>
-              </a:rPr>
-              <a:t>6</a:t>
-            </a:r>
-            <a:r>
-              <a:rPr lang="ja-JP" altLang="en-US" sz="1200" dirty="0" smtClean="0">
-                <a:ea typeface="メイリオ" panose="020B0604030504040204" pitchFamily="50" charset="-128"/>
-              </a:rPr>
-              <a:t>となった</a:t>
-            </a:r>
-            <a:r>
-              <a:rPr lang="en-US" altLang="ja-JP" sz="1200" dirty="0" err="1" smtClean="0">
-                <a:ea typeface="メイリオ" panose="020B0604030504040204" pitchFamily="50" charset="-128"/>
-              </a:rPr>
-              <a:t>ReLU</a:t>
-            </a:r>
-            <a:r>
-              <a:rPr lang="en-US" altLang="ja-JP" sz="1200" dirty="0" smtClean="0">
-                <a:ea typeface="メイリオ" panose="020B0604030504040204" pitchFamily="50" charset="-128"/>
-              </a:rPr>
-              <a:t>)</a:t>
-            </a:r>
-            <a:r>
-              <a:rPr lang="ja-JP" altLang="en-US" sz="1200" dirty="0" smtClean="0">
-                <a:ea typeface="メイリオ" panose="020B0604030504040204" pitchFamily="50" charset="-128"/>
-              </a:rPr>
-              <a:t>を</a:t>
-            </a:r>
-            <a:endParaRPr lang="en-US" altLang="ja-JP" sz="1200" dirty="0" smtClean="0">
+              <a:rPr lang="en-US" altLang="ja-JP" sz="1200" dirty="0">
+                <a:ea typeface="メイリオ" panose="020B0604030504040204" pitchFamily="50" charset="-128"/>
+              </a:rPr>
+              <a:t>3x3</a:t>
+            </a:r>
+            <a:r>
+              <a:rPr lang="ja-JP" altLang="en-US" sz="1200" dirty="0">
+                <a:ea typeface="メイリオ" panose="020B0604030504040204" pitchFamily="50" charset="-128"/>
+              </a:rPr>
+              <a:t>畳み込み。</a:t>
+            </a:r>
+            <a:endParaRPr lang="en-US" altLang="ja-JP" sz="1200" dirty="0">
               <a:ea typeface="メイリオ" panose="020B0604030504040204" pitchFamily="50" charset="-128"/>
             </a:endParaRPr>
           </a:p>
@@ -10431,15 +12158,84 @@
               <a:rPr lang="ja-JP" altLang="en-US" sz="1200" dirty="0">
                 <a:ea typeface="メイリオ" panose="020B0604030504040204" pitchFamily="50" charset="-128"/>
               </a:rPr>
-              <a:t>使</a:t>
-            </a:r>
-            <a:r>
-              <a:rPr lang="ja-JP" altLang="en-US" sz="1200" dirty="0" smtClean="0">
-                <a:ea typeface="メイリオ" panose="020B0604030504040204" pitchFamily="50" charset="-128"/>
-              </a:rPr>
-              <a:t>うのは、ロバスト性のため。</a:t>
-            </a:r>
-            <a:endParaRPr lang="en-US" altLang="ja-JP" sz="1200" dirty="0" smtClean="0">
+              <a:t>その後、</a:t>
+            </a:r>
+            <a:r>
+              <a:rPr lang="en-US" altLang="ja-JP" sz="1200" dirty="0">
+                <a:ea typeface="メイリオ" panose="020B0604030504040204" pitchFamily="50" charset="-128"/>
+              </a:rPr>
+              <a:t>pw</a:t>
+            </a:r>
+            <a:r>
+              <a:rPr lang="ja-JP" altLang="en-US" sz="1200" dirty="0">
+                <a:ea typeface="メイリオ" panose="020B0604030504040204" pitchFamily="50" charset="-128"/>
+              </a:rPr>
+              <a:t>でチャンネルを戻す。</a:t>
+            </a:r>
+            <a:endParaRPr lang="en-US" altLang="ja-JP" sz="1200" dirty="0">
+              <a:ea typeface="メイリオ" panose="020B0604030504040204" pitchFamily="50" charset="-128"/>
+            </a:endParaRPr>
+          </a:p>
+          <a:p>
+            <a:endParaRPr lang="en-US" altLang="ja-JP" sz="1200" dirty="0">
+              <a:ea typeface="メイリオ" panose="020B0604030504040204" pitchFamily="50" charset="-128"/>
+            </a:endParaRPr>
+          </a:p>
+          <a:p>
+            <a:r>
+              <a:rPr lang="en-US" altLang="ja-JP" sz="1200" dirty="0">
+                <a:ea typeface="メイリオ" panose="020B0604030504040204" pitchFamily="50" charset="-128"/>
+              </a:rPr>
+              <a:t>ReLU6(</a:t>
+            </a:r>
+            <a:r>
+              <a:rPr lang="ja-JP" altLang="en-US" sz="1200" dirty="0">
+                <a:ea typeface="メイリオ" panose="020B0604030504040204" pitchFamily="50" charset="-128"/>
+              </a:rPr>
+              <a:t>上限が</a:t>
+            </a:r>
+            <a:r>
+              <a:rPr lang="en-US" altLang="ja-JP" sz="1200" dirty="0">
+                <a:ea typeface="メイリオ" panose="020B0604030504040204" pitchFamily="50" charset="-128"/>
+              </a:rPr>
+              <a:t>6</a:t>
+            </a:r>
+            <a:r>
+              <a:rPr lang="ja-JP" altLang="en-US" sz="1200" dirty="0">
+                <a:ea typeface="メイリオ" panose="020B0604030504040204" pitchFamily="50" charset="-128"/>
+              </a:rPr>
+              <a:t>となった</a:t>
+            </a:r>
+            <a:r>
+              <a:rPr lang="en-US" altLang="ja-JP" sz="1200" dirty="0" err="1">
+                <a:ea typeface="メイリオ" panose="020B0604030504040204" pitchFamily="50" charset="-128"/>
+              </a:rPr>
+              <a:t>ReLU</a:t>
+            </a:r>
+            <a:r>
+              <a:rPr lang="en-US" altLang="ja-JP" sz="1200" dirty="0">
+                <a:ea typeface="メイリオ" panose="020B0604030504040204" pitchFamily="50" charset="-128"/>
+              </a:rPr>
+              <a:t>)</a:t>
+            </a:r>
+            <a:r>
+              <a:rPr lang="ja-JP" altLang="en-US" sz="1200" dirty="0">
+                <a:ea typeface="メイリオ" panose="020B0604030504040204" pitchFamily="50" charset="-128"/>
+              </a:rPr>
+              <a:t>を</a:t>
+            </a:r>
+            <a:endParaRPr lang="en-US" altLang="ja-JP" sz="1200" dirty="0">
+              <a:ea typeface="メイリオ" panose="020B0604030504040204" pitchFamily="50" charset="-128"/>
+            </a:endParaRPr>
+          </a:p>
+          <a:p>
+            <a:r>
+              <a:rPr lang="ja-JP" altLang="en-US" sz="1200" dirty="0">
+                <a:ea typeface="メイリオ" panose="020B0604030504040204" pitchFamily="50" charset="-128"/>
+              </a:rPr>
+              <a:t>使うのは、ロバスト性のため。</a:t>
+            </a:r>
+            <a:endParaRPr lang="en-US" altLang="ja-JP" sz="1200" dirty="0">
               <a:ea typeface="メイリオ" panose="020B0604030504040204" pitchFamily="50" charset="-128"/>
             </a:endParaRPr>
           </a:p>
@@ -10468,312 +12264,280 @@
           <a:lstStyle/>
           <a:p>
             <a:r>
-              <a:rPr lang="en-US" altLang="ja-JP" sz="1600" dirty="0" smtClean="0">
+              <a:rPr lang="en-US" altLang="ja-JP" sz="1600" dirty="0">
                 <a:ea typeface="メイリオ" panose="020B0604030504040204" pitchFamily="50" charset="-128"/>
               </a:rPr>
               <a:t>(a)</a:t>
             </a:r>
             <a:r>
-              <a:rPr lang="ja-JP" altLang="en-US" sz="1600" dirty="0" smtClean="0">
+              <a:rPr lang="ja-JP" altLang="en-US" sz="1600" dirty="0">
                 <a:ea typeface="メイリオ" panose="020B0604030504040204" pitchFamily="50" charset="-128"/>
               </a:rPr>
               <a:t>よりも</a:t>
             </a:r>
             <a:r>
-              <a:rPr lang="en-US" altLang="ja-JP" sz="1600" dirty="0" smtClean="0">
+              <a:rPr lang="en-US" altLang="ja-JP" sz="1600" dirty="0">
                 <a:ea typeface="メイリオ" panose="020B0604030504040204" pitchFamily="50" charset="-128"/>
               </a:rPr>
               <a:t>(b)</a:t>
             </a:r>
             <a:r>
-              <a:rPr lang="ja-JP" altLang="en-US" sz="1600" dirty="0" smtClean="0">
+              <a:rPr lang="ja-JP" altLang="en-US" sz="1600" dirty="0">
                 <a:ea typeface="メイリオ" panose="020B0604030504040204" pitchFamily="50" charset="-128"/>
               </a:rPr>
               <a:t>の方が計算量が多いように</a:t>
             </a:r>
-            <a:endParaRPr lang="en-US" altLang="ja-JP" sz="1600" dirty="0" smtClean="0">
-              <a:ea typeface="メイリオ" panose="020B0604030504040204" pitchFamily="50" charset="-128"/>
-            </a:endParaRPr>
-          </a:p>
-          <a:p>
-            <a:r>
-              <a:rPr kumimoji="1" lang="ja-JP" altLang="en-US" sz="1600" dirty="0">
-                <a:ea typeface="メイリオ" panose="020B0604030504040204" pitchFamily="50" charset="-128"/>
-              </a:rPr>
-              <a:t>見</a:t>
-            </a:r>
-            <a:r>
-              <a:rPr kumimoji="1" lang="ja-JP" altLang="en-US" sz="1600" dirty="0" smtClean="0">
-                <a:ea typeface="メイリオ" panose="020B0604030504040204" pitchFamily="50" charset="-128"/>
-              </a:rPr>
-              <a:t>えるが、あくまで考え方の話である。</a:t>
-            </a:r>
-            <a:endParaRPr kumimoji="1" lang="en-US" altLang="ja-JP" sz="1600" dirty="0" smtClean="0">
-              <a:ea typeface="メイリオ" panose="020B0604030504040204" pitchFamily="50" charset="-128"/>
-            </a:endParaRPr>
-          </a:p>
-          <a:p>
             <a:endParaRPr lang="en-US" altLang="ja-JP" sz="1600" dirty="0">
               <a:ea typeface="メイリオ" panose="020B0604030504040204" pitchFamily="50" charset="-128"/>
             </a:endParaRPr>
           </a:p>
           <a:p>
             <a:r>
-              <a:rPr kumimoji="1" lang="ja-JP" altLang="en-US" sz="1600" dirty="0" smtClean="0">
-                <a:ea typeface="メイリオ" panose="020B0604030504040204" pitchFamily="50" charset="-128"/>
-              </a:rPr>
-              <a:t>実際は、</a:t>
-            </a:r>
-            <a:r>
-              <a:rPr kumimoji="1" lang="en-US" altLang="ja-JP" sz="1600" dirty="0" smtClean="0">
-                <a:ea typeface="メイリオ" panose="020B0604030504040204" pitchFamily="50" charset="-128"/>
-              </a:rPr>
-              <a:t>V1</a:t>
-            </a:r>
-            <a:r>
-              <a:rPr kumimoji="1" lang="ja-JP" altLang="en-US" sz="1600" dirty="0" smtClean="0">
-                <a:ea typeface="メイリオ" panose="020B0604030504040204" pitchFamily="50" charset="-128"/>
-              </a:rPr>
-              <a:t>を計算量を削減するために、</a:t>
-            </a:r>
-            <a:endParaRPr kumimoji="1" lang="en-US" altLang="ja-JP" sz="1600" dirty="0" smtClean="0">
-              <a:ea typeface="メイリオ" panose="020B0604030504040204" pitchFamily="50" charset="-128"/>
-            </a:endParaRPr>
-          </a:p>
-          <a:p>
-            <a:r>
-              <a:rPr lang="en-US" altLang="ja-JP" sz="1600" dirty="0">
-                <a:ea typeface="メイリオ" panose="020B0604030504040204" pitchFamily="50" charset="-128"/>
-              </a:rPr>
-              <a:t>p</a:t>
-            </a:r>
-            <a:r>
-              <a:rPr lang="en-US" altLang="ja-JP" sz="1600" dirty="0" smtClean="0">
-                <a:ea typeface="メイリオ" panose="020B0604030504040204" pitchFamily="50" charset="-128"/>
-              </a:rPr>
-              <a:t>w</a:t>
-            </a:r>
-            <a:r>
-              <a:rPr lang="ja-JP" altLang="en-US" sz="1600" dirty="0" smtClean="0">
-                <a:ea typeface="メイリオ" panose="020B0604030504040204" pitchFamily="50" charset="-128"/>
-              </a:rPr>
-              <a:t>のチャンネル数を減らしたいが、</a:t>
-            </a:r>
-            <a:endParaRPr lang="en-US" altLang="ja-JP" sz="1600" dirty="0" smtClean="0">
-              <a:ea typeface="メイリオ" panose="020B0604030504040204" pitchFamily="50" charset="-128"/>
-            </a:endParaRPr>
-          </a:p>
-          <a:p>
-            <a:r>
-              <a:rPr lang="en-US" altLang="ja-JP" sz="1600" dirty="0">
-                <a:ea typeface="メイリオ" panose="020B0604030504040204" pitchFamily="50" charset="-128"/>
-              </a:rPr>
-              <a:t>p</a:t>
-            </a:r>
-            <a:r>
-              <a:rPr kumimoji="1" lang="en-US" altLang="ja-JP" sz="1600" dirty="0" smtClean="0">
-                <a:ea typeface="メイリオ" panose="020B0604030504040204" pitchFamily="50" charset="-128"/>
-              </a:rPr>
-              <a:t>w</a:t>
-            </a:r>
-            <a:r>
-              <a:rPr kumimoji="1" lang="ja-JP" altLang="en-US" sz="1600" dirty="0" smtClean="0">
-                <a:ea typeface="メイリオ" panose="020B0604030504040204" pitchFamily="50" charset="-128"/>
-              </a:rPr>
-              <a:t>のチャンネル</a:t>
-            </a:r>
-            <a:r>
-              <a:rPr lang="ja-JP" altLang="en-US" sz="1600" dirty="0" smtClean="0">
-                <a:ea typeface="メイリオ" panose="020B0604030504040204" pitchFamily="50" charset="-128"/>
-              </a:rPr>
-              <a:t>数を減らすと、</a:t>
-            </a:r>
-            <a:endParaRPr lang="en-US" altLang="ja-JP" sz="1600" dirty="0" smtClean="0">
-              <a:ea typeface="メイリオ" panose="020B0604030504040204" pitchFamily="50" charset="-128"/>
-            </a:endParaRPr>
-          </a:p>
-          <a:p>
-            <a:r>
-              <a:rPr kumimoji="1" lang="en-US" altLang="ja-JP" sz="1600" dirty="0" err="1" smtClean="0">
-                <a:ea typeface="メイリオ" panose="020B0604030504040204" pitchFamily="50" charset="-128"/>
-              </a:rPr>
-              <a:t>ReLU</a:t>
-            </a:r>
-            <a:r>
-              <a:rPr kumimoji="1" lang="ja-JP" altLang="en-US" sz="1600" dirty="0" smtClean="0">
-                <a:ea typeface="メイリオ" panose="020B0604030504040204" pitchFamily="50" charset="-128"/>
-              </a:rPr>
-              <a:t>などの非線形な</a:t>
-            </a:r>
-            <a:r>
-              <a:rPr kumimoji="1" lang="en-US" altLang="ja-JP" sz="1600" dirty="0" smtClean="0">
-                <a:ea typeface="メイリオ" panose="020B0604030504040204" pitchFamily="50" charset="-128"/>
-              </a:rPr>
-              <a:t>activation</a:t>
-            </a:r>
-            <a:r>
-              <a:rPr kumimoji="1" lang="ja-JP" altLang="en-US" sz="1600" dirty="0" smtClean="0">
-                <a:ea typeface="メイリオ" panose="020B0604030504040204" pitchFamily="50" charset="-128"/>
-              </a:rPr>
-              <a:t>により、</a:t>
-            </a:r>
-            <a:endParaRPr kumimoji="1" lang="en-US" altLang="ja-JP" sz="1600" dirty="0" smtClean="0">
-              <a:ea typeface="メイリオ" panose="020B0604030504040204" pitchFamily="50" charset="-128"/>
-            </a:endParaRPr>
-          </a:p>
-          <a:p>
-            <a:r>
-              <a:rPr lang="en-US" altLang="ja-JP" sz="1600" dirty="0" smtClean="0">
-                <a:ea typeface="メイリオ" panose="020B0604030504040204" pitchFamily="50" charset="-128"/>
-              </a:rPr>
-              <a:t>0</a:t>
-            </a:r>
-            <a:r>
-              <a:rPr lang="ja-JP" altLang="en-US" sz="1600" dirty="0" smtClean="0">
-                <a:ea typeface="メイリオ" panose="020B0604030504040204" pitchFamily="50" charset="-128"/>
-              </a:rPr>
-              <a:t>以下の表現が失われ、多様体仮説が</a:t>
-            </a:r>
-            <a:endParaRPr lang="en-US" altLang="ja-JP" sz="1600" dirty="0" smtClean="0">
-              <a:ea typeface="メイリオ" panose="020B0604030504040204" pitchFamily="50" charset="-128"/>
-            </a:endParaRPr>
-          </a:p>
-          <a:p>
-            <a:r>
               <a:rPr kumimoji="1" lang="ja-JP" altLang="en-US" sz="1600" dirty="0">
                 <a:ea typeface="メイリオ" panose="020B0604030504040204" pitchFamily="50" charset="-128"/>
               </a:rPr>
-              <a:t>成り立</a:t>
-            </a:r>
-            <a:r>
-              <a:rPr kumimoji="1" lang="ja-JP" altLang="en-US" sz="1600" dirty="0" smtClean="0">
-                <a:ea typeface="メイリオ" panose="020B0604030504040204" pitchFamily="50" charset="-128"/>
-              </a:rPr>
-              <a:t>たなくなる。</a:t>
-            </a:r>
-            <a:endParaRPr lang="en-US" altLang="ja-JP" sz="1600" dirty="0" smtClean="0">
-              <a:ea typeface="メイリオ" panose="020B0604030504040204" pitchFamily="50" charset="-128"/>
-            </a:endParaRPr>
-          </a:p>
-          <a:p>
-            <a:r>
-              <a:rPr kumimoji="1" lang="ja-JP" altLang="en-US" sz="1600" dirty="0" smtClean="0">
-                <a:ea typeface="メイリオ" panose="020B0604030504040204" pitchFamily="50" charset="-128"/>
-              </a:rPr>
-              <a:t>その対策とし</a:t>
-            </a:r>
-            <a:r>
-              <a:rPr lang="ja-JP" altLang="en-US" sz="1600" dirty="0" smtClean="0">
-                <a:ea typeface="メイリオ" panose="020B0604030504040204" pitchFamily="50" charset="-128"/>
-              </a:rPr>
-              <a:t>て</a:t>
-            </a:r>
-            <a:r>
-              <a:rPr lang="en-US" altLang="ja-JP" sz="1600" dirty="0" smtClean="0">
-                <a:ea typeface="メイリオ" panose="020B0604030504040204" pitchFamily="50" charset="-128"/>
-              </a:rPr>
-              <a:t>channel</a:t>
-            </a:r>
-            <a:r>
-              <a:rPr lang="ja-JP" altLang="en-US" sz="1600" dirty="0" smtClean="0">
-                <a:ea typeface="メイリオ" panose="020B0604030504040204" pitchFamily="50" charset="-128"/>
-              </a:rPr>
-              <a:t>を拡張する。</a:t>
+              <a:t>見えるが、あくまで考え方の話である。</a:t>
             </a:r>
             <a:endParaRPr kumimoji="1" lang="en-US" altLang="ja-JP" sz="1600" dirty="0">
               <a:ea typeface="メイリオ" panose="020B0604030504040204" pitchFamily="50" charset="-128"/>
             </a:endParaRPr>
           </a:p>
           <a:p>
-            <a:r>
-              <a:rPr lang="ja-JP" altLang="en-US" sz="1600" dirty="0" smtClean="0">
-                <a:ea typeface="メイリオ" panose="020B0604030504040204" pitchFamily="50" charset="-128"/>
-              </a:rPr>
-              <a:t>これにより、出力の</a:t>
-            </a:r>
-            <a:r>
-              <a:rPr lang="en-US" altLang="ja-JP" sz="1600" dirty="0" smtClean="0">
-                <a:ea typeface="メイリオ" panose="020B0604030504040204" pitchFamily="50" charset="-128"/>
-              </a:rPr>
-              <a:t>channel</a:t>
-            </a:r>
-            <a:r>
-              <a:rPr lang="ja-JP" altLang="en-US" sz="1600" dirty="0" smtClean="0">
-                <a:ea typeface="メイリオ" panose="020B0604030504040204" pitchFamily="50" charset="-128"/>
-              </a:rPr>
-              <a:t>を減らしても、</a:t>
-            </a:r>
-            <a:endParaRPr lang="en-US" altLang="ja-JP" sz="1600" dirty="0" smtClean="0">
-              <a:ea typeface="メイリオ" panose="020B0604030504040204" pitchFamily="50" charset="-128"/>
-            </a:endParaRPr>
-          </a:p>
-          <a:p>
-            <a:r>
-              <a:rPr kumimoji="1" lang="ja-JP" altLang="en-US" sz="1600" dirty="0" smtClean="0">
-                <a:ea typeface="メイリオ" panose="020B0604030504040204" pitchFamily="50" charset="-128"/>
-              </a:rPr>
-              <a:t>表現力が落ちなくなる。</a:t>
-            </a:r>
-            <a:endParaRPr kumimoji="1" lang="en-US" altLang="ja-JP" sz="1600" dirty="0" smtClean="0">
-              <a:ea typeface="メイリオ" panose="020B0604030504040204" pitchFamily="50" charset="-128"/>
-            </a:endParaRPr>
-          </a:p>
-          <a:p>
             <a:endParaRPr lang="en-US" altLang="ja-JP" sz="1600" dirty="0">
               <a:ea typeface="メイリオ" panose="020B0604030504040204" pitchFamily="50" charset="-128"/>
             </a:endParaRPr>
           </a:p>
           <a:p>
             <a:r>
-              <a:rPr lang="ja-JP" altLang="en-US" sz="1050" dirty="0" smtClean="0">
-                <a:ea typeface="メイリオ" panose="020B0604030504040204" pitchFamily="50" charset="-128"/>
-              </a:rPr>
-              <a:t>参考</a:t>
-            </a:r>
-            <a:endParaRPr lang="en-US" altLang="ja-JP" sz="1050" dirty="0" smtClean="0">
+              <a:rPr kumimoji="1" lang="ja-JP" altLang="en-US" sz="1600" dirty="0">
+                <a:ea typeface="メイリオ" panose="020B0604030504040204" pitchFamily="50" charset="-128"/>
+              </a:rPr>
+              <a:t>実際は、</a:t>
+            </a:r>
+            <a:r>
+              <a:rPr kumimoji="1" lang="en-US" altLang="ja-JP" sz="1600" dirty="0">
+                <a:ea typeface="メイリオ" panose="020B0604030504040204" pitchFamily="50" charset="-128"/>
+              </a:rPr>
+              <a:t>V1</a:t>
+            </a:r>
+            <a:r>
+              <a:rPr kumimoji="1" lang="ja-JP" altLang="en-US" sz="1600" dirty="0">
+                <a:ea typeface="メイリオ" panose="020B0604030504040204" pitchFamily="50" charset="-128"/>
+              </a:rPr>
+              <a:t>を計算量を削減するために、</a:t>
+            </a:r>
+            <a:endParaRPr kumimoji="1" lang="en-US" altLang="ja-JP" sz="1600" dirty="0">
               <a:ea typeface="メイリオ" panose="020B0604030504040204" pitchFamily="50" charset="-128"/>
             </a:endParaRPr>
           </a:p>
           <a:p>
             <a:r>
-              <a:rPr lang="en-US" altLang="ja-JP" sz="1050" dirty="0" smtClean="0">
-                <a:ea typeface="メイリオ" panose="020B0604030504040204" pitchFamily="50" charset="-128"/>
-                <a:hlinkClick r:id="rId4"/>
-              </a:rPr>
-              <a:t>https</a:t>
-            </a:r>
-            <a:r>
-              <a:rPr lang="en-US" altLang="ja-JP" sz="1050" dirty="0">
-                <a:ea typeface="メイリオ" panose="020B0604030504040204" pitchFamily="50" charset="-128"/>
-                <a:hlinkClick r:id="rId4"/>
-              </a:rPr>
-              <a:t>://deepsquare.jp/2020/06/mobilenet-v2</a:t>
-            </a:r>
-            <a:r>
-              <a:rPr lang="en-US" altLang="ja-JP" sz="1050" dirty="0" smtClean="0">
-                <a:ea typeface="メイリオ" panose="020B0604030504040204" pitchFamily="50" charset="-128"/>
-                <a:hlinkClick r:id="rId4"/>
-              </a:rPr>
-              <a:t>/</a:t>
-            </a:r>
-            <a:endParaRPr lang="en-US" altLang="ja-JP" sz="1050" dirty="0" smtClean="0">
+              <a:rPr lang="en-US" altLang="ja-JP" sz="1600" dirty="0">
+                <a:ea typeface="メイリオ" panose="020B0604030504040204" pitchFamily="50" charset="-128"/>
+              </a:rPr>
+              <a:t>pw</a:t>
+            </a:r>
+            <a:r>
+              <a:rPr lang="ja-JP" altLang="en-US" sz="1600" dirty="0">
+                <a:ea typeface="メイリオ" panose="020B0604030504040204" pitchFamily="50" charset="-128"/>
+              </a:rPr>
+              <a:t>のチャンネル数を減らしたいが、</a:t>
+            </a:r>
+            <a:endParaRPr lang="en-US" altLang="ja-JP" sz="1600" dirty="0">
               <a:ea typeface="メイリオ" panose="020B0604030504040204" pitchFamily="50" charset="-128"/>
             </a:endParaRPr>
           </a:p>
           <a:p>
             <a:r>
-              <a:rPr lang="en-US" altLang="ja-JP" sz="1050" dirty="0" smtClean="0">
-                <a:ea typeface="メイリオ" panose="020B0604030504040204" pitchFamily="50" charset="-128"/>
-                <a:hlinkClick r:id="rId5"/>
-              </a:rPr>
-              <a:t>https://metrica-tech.hatenablog.jp/entry/2019/08/03/000000</a:t>
-            </a:r>
-            <a:endParaRPr lang="en-US" altLang="ja-JP" sz="1050" dirty="0" smtClean="0">
+              <a:rPr lang="en-US" altLang="ja-JP" sz="1600" dirty="0">
+                <a:ea typeface="メイリオ" panose="020B0604030504040204" pitchFamily="50" charset="-128"/>
+              </a:rPr>
+              <a:t>p</a:t>
+            </a:r>
+            <a:r>
+              <a:rPr kumimoji="1" lang="en-US" altLang="ja-JP" sz="1600" dirty="0">
+                <a:ea typeface="メイリオ" panose="020B0604030504040204" pitchFamily="50" charset="-128"/>
+              </a:rPr>
+              <a:t>w</a:t>
+            </a:r>
+            <a:r>
+              <a:rPr kumimoji="1" lang="ja-JP" altLang="en-US" sz="1600" dirty="0">
+                <a:ea typeface="メイリオ" panose="020B0604030504040204" pitchFamily="50" charset="-128"/>
+              </a:rPr>
+              <a:t>のチャンネル</a:t>
+            </a:r>
+            <a:r>
+              <a:rPr lang="ja-JP" altLang="en-US" sz="1600" dirty="0">
+                <a:ea typeface="メイリオ" panose="020B0604030504040204" pitchFamily="50" charset="-128"/>
+              </a:rPr>
+              <a:t>数を減らすと、</a:t>
+            </a:r>
+            <a:endParaRPr lang="en-US" altLang="ja-JP" sz="1600" dirty="0">
               <a:ea typeface="メイリオ" panose="020B0604030504040204" pitchFamily="50" charset="-128"/>
             </a:endParaRPr>
           </a:p>
           <a:p>
-            <a:endParaRPr lang="en-US" altLang="ja-JP" sz="1200" dirty="0" smtClean="0">
+            <a:r>
+              <a:rPr kumimoji="1" lang="en-US" altLang="ja-JP" sz="1600" dirty="0" err="1">
+                <a:ea typeface="メイリオ" panose="020B0604030504040204" pitchFamily="50" charset="-128"/>
+              </a:rPr>
+              <a:t>ReLU</a:t>
+            </a:r>
+            <a:r>
+              <a:rPr kumimoji="1" lang="ja-JP" altLang="en-US" sz="1600" dirty="0">
+                <a:ea typeface="メイリオ" panose="020B0604030504040204" pitchFamily="50" charset="-128"/>
+              </a:rPr>
+              <a:t>などの非線形な</a:t>
+            </a:r>
+            <a:r>
+              <a:rPr kumimoji="1" lang="en-US" altLang="ja-JP" sz="1600" dirty="0">
+                <a:ea typeface="メイリオ" panose="020B0604030504040204" pitchFamily="50" charset="-128"/>
+              </a:rPr>
+              <a:t>activation</a:t>
+            </a:r>
+            <a:r>
+              <a:rPr kumimoji="1" lang="ja-JP" altLang="en-US" sz="1600" dirty="0">
+                <a:ea typeface="メイリオ" panose="020B0604030504040204" pitchFamily="50" charset="-128"/>
+              </a:rPr>
+              <a:t>により、</a:t>
+            </a:r>
+            <a:endParaRPr kumimoji="1" lang="en-US" altLang="ja-JP" sz="1600" dirty="0">
+              <a:ea typeface="メイリオ" panose="020B0604030504040204" pitchFamily="50" charset="-128"/>
+            </a:endParaRPr>
+          </a:p>
+          <a:p>
+            <a:r>
+              <a:rPr lang="en-US" altLang="ja-JP" sz="1600" dirty="0">
+                <a:ea typeface="メイリオ" panose="020B0604030504040204" pitchFamily="50" charset="-128"/>
+              </a:rPr>
+              <a:t>0</a:t>
+            </a:r>
+            <a:r>
+              <a:rPr lang="ja-JP" altLang="en-US" sz="1600" dirty="0">
+                <a:ea typeface="メイリオ" panose="020B0604030504040204" pitchFamily="50" charset="-128"/>
+              </a:rPr>
+              <a:t>以下の表現が失われ、多様体仮説が</a:t>
+            </a:r>
+            <a:endParaRPr lang="en-US" altLang="ja-JP" sz="1600" dirty="0">
+              <a:ea typeface="メイリオ" panose="020B0604030504040204" pitchFamily="50" charset="-128"/>
+            </a:endParaRPr>
+          </a:p>
+          <a:p>
+            <a:r>
+              <a:rPr kumimoji="1" lang="ja-JP" altLang="en-US" sz="1600" dirty="0">
+                <a:ea typeface="メイリオ" panose="020B0604030504040204" pitchFamily="50" charset="-128"/>
+              </a:rPr>
+              <a:t>成り立たなくなる。</a:t>
+            </a:r>
+            <a:endParaRPr lang="en-US" altLang="ja-JP" sz="1600" dirty="0">
+              <a:ea typeface="メイリオ" panose="020B0604030504040204" pitchFamily="50" charset="-128"/>
+            </a:endParaRPr>
+          </a:p>
+          <a:p>
+            <a:r>
+              <a:rPr kumimoji="1" lang="ja-JP" altLang="en-US" sz="1600" dirty="0">
+                <a:ea typeface="メイリオ" panose="020B0604030504040204" pitchFamily="50" charset="-128"/>
+              </a:rPr>
+              <a:t>その対策とし</a:t>
+            </a:r>
+            <a:r>
+              <a:rPr lang="ja-JP" altLang="en-US" sz="1600" dirty="0">
+                <a:ea typeface="メイリオ" panose="020B0604030504040204" pitchFamily="50" charset="-128"/>
+              </a:rPr>
+              <a:t>て</a:t>
+            </a:r>
+            <a:r>
+              <a:rPr lang="en-US" altLang="ja-JP" sz="1600" dirty="0">
+                <a:ea typeface="メイリオ" panose="020B0604030504040204" pitchFamily="50" charset="-128"/>
+              </a:rPr>
+              <a:t>channel</a:t>
+            </a:r>
+            <a:r>
+              <a:rPr lang="ja-JP" altLang="en-US" sz="1600" dirty="0">
+                <a:ea typeface="メイリオ" panose="020B0604030504040204" pitchFamily="50" charset="-128"/>
+              </a:rPr>
+              <a:t>を拡張する。</a:t>
+            </a:r>
+            <a:endParaRPr kumimoji="1" lang="en-US" altLang="ja-JP" sz="1600" dirty="0">
+              <a:ea typeface="メイリオ" panose="020B0604030504040204" pitchFamily="50" charset="-128"/>
+            </a:endParaRPr>
+          </a:p>
+          <a:p>
+            <a:r>
+              <a:rPr lang="ja-JP" altLang="en-US" sz="1600" dirty="0">
+                <a:ea typeface="メイリオ" panose="020B0604030504040204" pitchFamily="50" charset="-128"/>
+              </a:rPr>
+              <a:t>これにより、出力の</a:t>
+            </a:r>
+            <a:r>
+              <a:rPr lang="en-US" altLang="ja-JP" sz="1600" dirty="0">
+                <a:ea typeface="メイリオ" panose="020B0604030504040204" pitchFamily="50" charset="-128"/>
+              </a:rPr>
+              <a:t>channel</a:t>
+            </a:r>
+            <a:r>
+              <a:rPr lang="ja-JP" altLang="en-US" sz="1600" dirty="0">
+                <a:ea typeface="メイリオ" panose="020B0604030504040204" pitchFamily="50" charset="-128"/>
+              </a:rPr>
+              <a:t>を減らしても、</a:t>
+            </a:r>
+            <a:endParaRPr lang="en-US" altLang="ja-JP" sz="1600" dirty="0">
+              <a:ea typeface="メイリオ" panose="020B0604030504040204" pitchFamily="50" charset="-128"/>
+            </a:endParaRPr>
+          </a:p>
+          <a:p>
+            <a:r>
+              <a:rPr kumimoji="1" lang="ja-JP" altLang="en-US" sz="1600" dirty="0">
+                <a:ea typeface="メイリオ" panose="020B0604030504040204" pitchFamily="50" charset="-128"/>
+              </a:rPr>
+              <a:t>表現力が落ちなくなる。</a:t>
+            </a:r>
+            <a:endParaRPr kumimoji="1" lang="en-US" altLang="ja-JP" sz="1600" dirty="0">
+              <a:ea typeface="メイリオ" panose="020B0604030504040204" pitchFamily="50" charset="-128"/>
+            </a:endParaRPr>
+          </a:p>
+          <a:p>
+            <a:endParaRPr lang="en-US" altLang="ja-JP" sz="1600" dirty="0">
+              <a:ea typeface="メイリオ" panose="020B0604030504040204" pitchFamily="50" charset="-128"/>
+            </a:endParaRPr>
+          </a:p>
+          <a:p>
+            <a:r>
+              <a:rPr lang="ja-JP" altLang="en-US" sz="1050" dirty="0">
+                <a:ea typeface="メイリオ" panose="020B0604030504040204" pitchFamily="50" charset="-128"/>
+              </a:rPr>
+              <a:t>参考</a:t>
+            </a:r>
+            <a:endParaRPr lang="en-US" altLang="ja-JP" sz="1050" dirty="0">
+              <a:ea typeface="メイリオ" panose="020B0604030504040204" pitchFamily="50" charset="-128"/>
+            </a:endParaRPr>
+          </a:p>
+          <a:p>
+            <a:r>
+              <a:rPr lang="en-US" altLang="ja-JP" sz="1050" dirty="0">
+                <a:ea typeface="メイリオ" panose="020B0604030504040204" pitchFamily="50" charset="-128"/>
+                <a:hlinkClick r:id="rId4"/>
+              </a:rPr>
+              <a:t>https://deepsquare.jp/2020/06/mobilenet-v2/</a:t>
+            </a:r>
+            <a:endParaRPr lang="en-US" altLang="ja-JP" sz="1050" dirty="0">
+              <a:ea typeface="メイリオ" panose="020B0604030504040204" pitchFamily="50" charset="-128"/>
+            </a:endParaRPr>
+          </a:p>
+          <a:p>
+            <a:r>
+              <a:rPr lang="en-US" altLang="ja-JP" sz="1050" dirty="0">
+                <a:ea typeface="メイリオ" panose="020B0604030504040204" pitchFamily="50" charset="-128"/>
+                <a:hlinkClick r:id="rId5"/>
+              </a:rPr>
+              <a:t>https://metrica-tech.hatenablog.jp/entry/2019/08/03/000000</a:t>
+            </a:r>
+            <a:endParaRPr lang="en-US" altLang="ja-JP" sz="1050" dirty="0">
+              <a:ea typeface="メイリオ" panose="020B0604030504040204" pitchFamily="50" charset="-128"/>
+            </a:endParaRPr>
+          </a:p>
+          <a:p>
+            <a:endParaRPr lang="en-US" altLang="ja-JP" sz="1200" dirty="0">
               <a:ea typeface="メイリオ" panose="020B0604030504040204" pitchFamily="50" charset="-128"/>
             </a:endParaRPr>
           </a:p>
@@ -10880,7 +12644,7 @@
           <a:lstStyle/>
           <a:p>
             <a:r>
-              <a:rPr lang="en-US" altLang="ja-JP" sz="3200" dirty="0" smtClean="0">
+              <a:rPr lang="en-US" altLang="ja-JP" sz="3200" dirty="0">
                 <a:latin typeface="+mn-lt"/>
                 <a:ea typeface="メイリオ" panose="020B0604030504040204" pitchFamily="50" charset="-128"/>
                 <a:cs typeface="HackGen" panose="020B0509020203020207" pitchFamily="49" charset="-128"/>
@@ -11082,89 +12846,89 @@
           </a:lstStyle>
           <a:p>
             <a:r>
-              <a:rPr lang="en-US" altLang="ja-JP" sz="2000" dirty="0" smtClean="0">
+              <a:rPr lang="en-US" altLang="ja-JP" sz="2000" dirty="0">
                 <a:ea typeface="メイリオ" panose="020B0604030504040204" pitchFamily="50" charset="-128"/>
                 <a:cs typeface="HackGen" panose="020B0509020203020207" pitchFamily="49" charset="-128"/>
               </a:rPr>
               <a:t>V1</a:t>
             </a:r>
             <a:r>
-              <a:rPr lang="ja-JP" altLang="en-US" sz="2000" dirty="0" smtClean="0">
+              <a:rPr lang="ja-JP" altLang="en-US" sz="2000" dirty="0">
                 <a:ea typeface="メイリオ" panose="020B0604030504040204" pitchFamily="50" charset="-128"/>
                 <a:cs typeface="HackGen" panose="020B0509020203020207" pitchFamily="49" charset="-128"/>
               </a:rPr>
               <a:t>との比較</a:t>
             </a:r>
-            <a:endParaRPr lang="en-US" altLang="ja-JP" sz="2000" dirty="0" smtClean="0">
+            <a:endParaRPr lang="en-US" altLang="ja-JP" sz="2000" dirty="0">
               <a:ea typeface="メイリオ" panose="020B0604030504040204" pitchFamily="50" charset="-128"/>
               <a:cs typeface="HackGen" panose="020B0509020203020207" pitchFamily="49" charset="-128"/>
             </a:endParaRPr>
           </a:p>
           <a:p>
             <a:r>
-              <a:rPr lang="ja-JP" altLang="en-US" sz="2000" dirty="0" smtClean="0">
+              <a:rPr lang="ja-JP" altLang="en-US" sz="2000" dirty="0">
                 <a:ea typeface="メイリオ" panose="020B0604030504040204" pitchFamily="50" charset="-128"/>
                 <a:cs typeface="HackGen" panose="020B0509020203020207" pitchFamily="49" charset="-128"/>
               </a:rPr>
               <a:t>構造が違うため、比較が難しいが</a:t>
             </a:r>
             <a:r>
-              <a:rPr lang="en-US" altLang="ja-JP" sz="2000" dirty="0" smtClean="0">
+              <a:rPr lang="en-US" altLang="ja-JP" sz="2000" dirty="0">
                 <a:ea typeface="メイリオ" panose="020B0604030504040204" pitchFamily="50" charset="-128"/>
                 <a:cs typeface="HackGen" panose="020B0509020203020207" pitchFamily="49" charset="-128"/>
               </a:rPr>
               <a:t>V1</a:t>
             </a:r>
             <a:r>
-              <a:rPr lang="ja-JP" altLang="en-US" sz="2000" dirty="0" smtClean="0">
+              <a:rPr lang="ja-JP" altLang="en-US" sz="2000" dirty="0">
                 <a:ea typeface="メイリオ" panose="020B0604030504040204" pitchFamily="50" charset="-128"/>
                 <a:cs typeface="HackGen" panose="020B0509020203020207" pitchFamily="49" charset="-128"/>
               </a:rPr>
               <a:t>は画像が</a:t>
             </a:r>
             <a:r>
-              <a:rPr lang="en-US" altLang="ja-JP" sz="2000" dirty="0" smtClean="0">
+              <a:rPr lang="en-US" altLang="ja-JP" sz="2000" dirty="0">
                 <a:ea typeface="メイリオ" panose="020B0604030504040204" pitchFamily="50" charset="-128"/>
                 <a:cs typeface="HackGen" panose="020B0509020203020207" pitchFamily="49" charset="-128"/>
               </a:rPr>
               <a:t>14x14</a:t>
             </a:r>
             <a:r>
-              <a:rPr lang="ja-JP" altLang="en-US" sz="2000" dirty="0" smtClean="0">
+              <a:rPr lang="ja-JP" altLang="en-US" sz="2000" dirty="0">
                 <a:ea typeface="メイリオ" panose="020B0604030504040204" pitchFamily="50" charset="-128"/>
                 <a:cs typeface="HackGen" panose="020B0509020203020207" pitchFamily="49" charset="-128"/>
               </a:rPr>
               <a:t>のときに、</a:t>
             </a:r>
             <a:r>
-              <a:rPr lang="en-US" altLang="ja-JP" sz="2000" dirty="0" smtClean="0">
+              <a:rPr lang="en-US" altLang="ja-JP" sz="2000" dirty="0">
                 <a:ea typeface="メイリオ" panose="020B0604030504040204" pitchFamily="50" charset="-128"/>
                 <a:cs typeface="HackGen" panose="020B0509020203020207" pitchFamily="49" charset="-128"/>
               </a:rPr>
               <a:t>channel</a:t>
             </a:r>
             <a:r>
-              <a:rPr lang="ja-JP" altLang="en-US" sz="2000" dirty="0" smtClean="0">
+              <a:rPr lang="ja-JP" altLang="en-US" sz="2000" dirty="0">
                 <a:ea typeface="メイリオ" panose="020B0604030504040204" pitchFamily="50" charset="-128"/>
                 <a:cs typeface="HackGen" panose="020B0509020203020207" pitchFamily="49" charset="-128"/>
               </a:rPr>
               <a:t>が</a:t>
             </a:r>
             <a:r>
-              <a:rPr lang="en-US" altLang="ja-JP" sz="2000" dirty="0" smtClean="0">
+              <a:rPr lang="en-US" altLang="ja-JP" sz="2000" dirty="0">
                 <a:ea typeface="メイリオ" panose="020B0604030504040204" pitchFamily="50" charset="-128"/>
                 <a:cs typeface="HackGen" panose="020B0509020203020207" pitchFamily="49" charset="-128"/>
               </a:rPr>
               <a:t>512</a:t>
             </a:r>
             <a:r>
-              <a:rPr lang="ja-JP" altLang="en-US" sz="2000" dirty="0" smtClean="0">
+              <a:rPr lang="ja-JP" altLang="en-US" sz="2000" dirty="0">
                 <a:ea typeface="メイリオ" panose="020B0604030504040204" pitchFamily="50" charset="-128"/>
                 <a:cs typeface="HackGen" panose="020B0509020203020207" pitchFamily="49" charset="-128"/>
               </a:rPr>
               <a:t>であるが、</a:t>
             </a:r>
-            <a:endParaRPr lang="en-US" altLang="ja-JP" sz="2000" dirty="0" smtClean="0">
+            <a:endParaRPr lang="en-US" altLang="ja-JP" sz="2000" dirty="0">
               <a:ea typeface="メイリオ" panose="020B0604030504040204" pitchFamily="50" charset="-128"/>
               <a:cs typeface="HackGen" panose="020B0509020203020207" pitchFamily="49" charset="-128"/>
             </a:endParaRPr>
@@ -11174,124 +12938,124 @@
               <a:buNone/>
             </a:pPr>
             <a:r>
-              <a:rPr lang="ja-JP" altLang="en-US" sz="2000" dirty="0" smtClean="0">
+              <a:rPr lang="ja-JP" altLang="en-US" sz="2000" dirty="0">
                 <a:ea typeface="メイリオ" panose="020B0604030504040204" pitchFamily="50" charset="-128"/>
                 <a:cs typeface="HackGen" panose="020B0509020203020207" pitchFamily="49" charset="-128"/>
               </a:rPr>
               <a:t>　</a:t>
             </a:r>
             <a:r>
-              <a:rPr lang="en-US" altLang="ja-JP" sz="2000" dirty="0" smtClean="0">
+              <a:rPr lang="en-US" altLang="ja-JP" sz="2000" dirty="0">
                 <a:ea typeface="メイリオ" panose="020B0604030504040204" pitchFamily="50" charset="-128"/>
                 <a:cs typeface="HackGen" panose="020B0509020203020207" pitchFamily="49" charset="-128"/>
               </a:rPr>
               <a:t>V2</a:t>
             </a:r>
             <a:r>
-              <a:rPr lang="ja-JP" altLang="en-US" sz="2000" dirty="0" smtClean="0">
+              <a:rPr lang="ja-JP" altLang="en-US" sz="2000" dirty="0">
                 <a:ea typeface="メイリオ" panose="020B0604030504040204" pitchFamily="50" charset="-128"/>
                 <a:cs typeface="HackGen" panose="020B0509020203020207" pitchFamily="49" charset="-128"/>
               </a:rPr>
               <a:t>は</a:t>
             </a:r>
             <a:r>
-              <a:rPr lang="en-US" altLang="ja-JP" sz="2000" dirty="0" smtClean="0">
+              <a:rPr lang="en-US" altLang="ja-JP" sz="2000" dirty="0">
                 <a:ea typeface="メイリオ" panose="020B0604030504040204" pitchFamily="50" charset="-128"/>
                 <a:cs typeface="HackGen" panose="020B0509020203020207" pitchFamily="49" charset="-128"/>
               </a:rPr>
               <a:t>14x14</a:t>
             </a:r>
             <a:r>
-              <a:rPr lang="ja-JP" altLang="en-US" sz="2000" dirty="0" smtClean="0">
+              <a:rPr lang="ja-JP" altLang="en-US" sz="2000" dirty="0">
                 <a:ea typeface="メイリオ" panose="020B0604030504040204" pitchFamily="50" charset="-128"/>
                 <a:cs typeface="HackGen" panose="020B0509020203020207" pitchFamily="49" charset="-128"/>
               </a:rPr>
               <a:t>のときは、</a:t>
             </a:r>
             <a:r>
-              <a:rPr lang="en-US" altLang="ja-JP" sz="2000" dirty="0" smtClean="0">
+              <a:rPr lang="en-US" altLang="ja-JP" sz="2000" dirty="0">
                 <a:ea typeface="メイリオ" panose="020B0604030504040204" pitchFamily="50" charset="-128"/>
                 <a:cs typeface="HackGen" panose="020B0509020203020207" pitchFamily="49" charset="-128"/>
               </a:rPr>
               <a:t>channel</a:t>
             </a:r>
             <a:r>
-              <a:rPr lang="ja-JP" altLang="en-US" sz="2000" dirty="0" smtClean="0">
+              <a:rPr lang="ja-JP" altLang="en-US" sz="2000" dirty="0">
                 <a:ea typeface="メイリオ" panose="020B0604030504040204" pitchFamily="50" charset="-128"/>
                 <a:cs typeface="HackGen" panose="020B0509020203020207" pitchFamily="49" charset="-128"/>
               </a:rPr>
               <a:t>が</a:t>
             </a:r>
             <a:r>
-              <a:rPr lang="en-US" altLang="ja-JP" sz="2000" dirty="0" smtClean="0">
+              <a:rPr lang="en-US" altLang="ja-JP" sz="2000" dirty="0">
                 <a:ea typeface="メイリオ" panose="020B0604030504040204" pitchFamily="50" charset="-128"/>
                 <a:cs typeface="HackGen" panose="020B0509020203020207" pitchFamily="49" charset="-128"/>
               </a:rPr>
               <a:t>96</a:t>
             </a:r>
             <a:r>
-              <a:rPr lang="ja-JP" altLang="en-US" sz="2000" dirty="0" smtClean="0">
+              <a:rPr lang="ja-JP" altLang="en-US" sz="2000" dirty="0">
                 <a:ea typeface="メイリオ" panose="020B0604030504040204" pitchFamily="50" charset="-128"/>
                 <a:cs typeface="HackGen" panose="020B0509020203020207" pitchFamily="49" charset="-128"/>
               </a:rPr>
               <a:t>もしくは</a:t>
             </a:r>
             <a:r>
-              <a:rPr lang="en-US" altLang="ja-JP" sz="2000" dirty="0" smtClean="0">
+              <a:rPr lang="en-US" altLang="ja-JP" sz="2000" dirty="0">
                 <a:ea typeface="メイリオ" panose="020B0604030504040204" pitchFamily="50" charset="-128"/>
                 <a:cs typeface="HackGen" panose="020B0509020203020207" pitchFamily="49" charset="-128"/>
               </a:rPr>
               <a:t>160</a:t>
             </a:r>
             <a:r>
-              <a:rPr lang="ja-JP" altLang="en-US" sz="2000" dirty="0" smtClean="0">
+              <a:rPr lang="ja-JP" altLang="en-US" sz="2000" dirty="0">
                 <a:ea typeface="メイリオ" panose="020B0604030504040204" pitchFamily="50" charset="-128"/>
                 <a:cs typeface="HackGen" panose="020B0509020203020207" pitchFamily="49" charset="-128"/>
               </a:rPr>
               <a:t>で収まっており、</a:t>
             </a:r>
             <a:r>
-              <a:rPr lang="en-US" altLang="ja-JP" sz="2000" dirty="0" smtClean="0">
+              <a:rPr lang="en-US" altLang="ja-JP" sz="2000" dirty="0">
                 <a:ea typeface="メイリオ" panose="020B0604030504040204" pitchFamily="50" charset="-128"/>
                 <a:cs typeface="HackGen" panose="020B0509020203020207" pitchFamily="49" charset="-128"/>
               </a:rPr>
               <a:t>channel</a:t>
             </a:r>
             <a:r>
-              <a:rPr lang="ja-JP" altLang="en-US" sz="2000" dirty="0" smtClean="0">
+              <a:rPr lang="ja-JP" altLang="en-US" sz="2000" dirty="0">
                 <a:ea typeface="メイリオ" panose="020B0604030504040204" pitchFamily="50" charset="-128"/>
                 <a:cs typeface="HackGen" panose="020B0509020203020207" pitchFamily="49" charset="-128"/>
               </a:rPr>
               <a:t>の削減に成功している。</a:t>
             </a:r>
-            <a:endParaRPr lang="en-US" altLang="ja-JP" sz="2000" dirty="0" smtClean="0">
+            <a:endParaRPr lang="en-US" altLang="ja-JP" sz="2000" dirty="0">
               <a:ea typeface="メイリオ" panose="020B0604030504040204" pitchFamily="50" charset="-128"/>
               <a:cs typeface="HackGen" panose="020B0509020203020207" pitchFamily="49" charset="-128"/>
             </a:endParaRPr>
           </a:p>
           <a:p>
             <a:r>
-              <a:rPr lang="ja-JP" altLang="en-US" sz="2000" dirty="0" smtClean="0">
+              <a:rPr lang="ja-JP" altLang="en-US" sz="2000" dirty="0">
                 <a:ea typeface="メイリオ" panose="020B0604030504040204" pitchFamily="50" charset="-128"/>
                 <a:cs typeface="HackGen" panose="020B0509020203020207" pitchFamily="49" charset="-128"/>
               </a:rPr>
               <a:t>通常、層数が多い場合は</a:t>
             </a:r>
             <a:r>
-              <a:rPr lang="en-US" altLang="ja-JP" sz="2000" dirty="0" smtClean="0">
+              <a:rPr lang="en-US" altLang="ja-JP" sz="2000" dirty="0">
                 <a:ea typeface="メイリオ" panose="020B0604030504040204" pitchFamily="50" charset="-128"/>
                 <a:cs typeface="HackGen" panose="020B0509020203020207" pitchFamily="49" charset="-128"/>
               </a:rPr>
               <a:t>channel</a:t>
             </a:r>
             <a:r>
-              <a:rPr lang="ja-JP" altLang="en-US" sz="2000" dirty="0" smtClean="0">
+              <a:rPr lang="ja-JP" altLang="en-US" sz="2000" dirty="0">
                 <a:ea typeface="メイリオ" panose="020B0604030504040204" pitchFamily="50" charset="-128"/>
                 <a:cs typeface="HackGen" panose="020B0509020203020207" pitchFamily="49" charset="-128"/>
               </a:rPr>
               <a:t>数が増える構造となるが、拡張により表現力を落とさずスタックが可能なため、</a:t>
             </a:r>
-            <a:endParaRPr lang="en-US" altLang="ja-JP" sz="2000" dirty="0" smtClean="0">
+            <a:endParaRPr lang="en-US" altLang="ja-JP" sz="2000" dirty="0">
               <a:ea typeface="メイリオ" panose="020B0604030504040204" pitchFamily="50" charset="-128"/>
               <a:cs typeface="HackGen" panose="020B0509020203020207" pitchFamily="49" charset="-128"/>
             </a:endParaRPr>
@@ -11301,21 +13065,21 @@
               <a:buNone/>
             </a:pPr>
             <a:r>
-              <a:rPr lang="ja-JP" altLang="en-US" sz="2000" dirty="0" smtClean="0">
+              <a:rPr lang="ja-JP" altLang="en-US" sz="2000" dirty="0">
                 <a:ea typeface="メイリオ" panose="020B0604030504040204" pitchFamily="50" charset="-128"/>
                 <a:cs typeface="HackGen" panose="020B0509020203020207" pitchFamily="49" charset="-128"/>
               </a:rPr>
               <a:t>　</a:t>
             </a:r>
             <a:r>
-              <a:rPr lang="en-US" altLang="ja-JP" sz="2000" dirty="0" smtClean="0">
+              <a:rPr lang="en-US" altLang="ja-JP" sz="2000" dirty="0">
                 <a:ea typeface="メイリオ" panose="020B0604030504040204" pitchFamily="50" charset="-128"/>
                 <a:cs typeface="HackGen" panose="020B0509020203020207" pitchFamily="49" charset="-128"/>
               </a:rPr>
               <a:t>V2</a:t>
             </a:r>
             <a:r>
-              <a:rPr lang="ja-JP" altLang="en-US" sz="2000" dirty="0" smtClean="0">
+              <a:rPr lang="ja-JP" altLang="en-US" sz="2000" dirty="0">
                 <a:ea typeface="メイリオ" panose="020B0604030504040204" pitchFamily="50" charset="-128"/>
                 <a:cs typeface="HackGen" panose="020B0509020203020207" pitchFamily="49" charset="-128"/>
               </a:rPr>
@@ -11409,20 +13173,17 @@
           <a:lstStyle/>
           <a:p>
             <a:r>
-              <a:rPr kumimoji="1" lang="en-US" altLang="ja-JP" dirty="0" smtClean="0">
+              <a:rPr kumimoji="1" lang="en-US" altLang="ja-JP" dirty="0">
                 <a:ea typeface="メイリオ" panose="020B0604030504040204" pitchFamily="50" charset="-128"/>
               </a:rPr>
               <a:t>V1</a:t>
             </a:r>
             <a:r>
-              <a:rPr kumimoji="1" lang="ja-JP" altLang="en-US" dirty="0" smtClean="0">
+              <a:rPr kumimoji="1" lang="ja-JP" altLang="en-US" dirty="0">
                 <a:ea typeface="メイリオ" panose="020B0604030504040204" pitchFamily="50" charset="-128"/>
               </a:rPr>
               <a:t>の構造</a:t>
             </a:r>
-            <a:endParaRPr kumimoji="1" lang="ja-JP" altLang="en-US" dirty="0">
-              <a:ea typeface="メイリオ" panose="020B0604030504040204" pitchFamily="50" charset="-128"/>
-            </a:endParaRPr>
           </a:p>
         </p:txBody>
       </p:sp>
@@ -11449,20 +13210,17 @@
           <a:lstStyle/>
           <a:p>
             <a:r>
-              <a:rPr kumimoji="1" lang="en-US" altLang="ja-JP" dirty="0" smtClean="0">
+              <a:rPr kumimoji="1" lang="en-US" altLang="ja-JP" dirty="0">
                 <a:ea typeface="メイリオ" panose="020B0604030504040204" pitchFamily="50" charset="-128"/>
               </a:rPr>
               <a:t>V2</a:t>
             </a:r>
             <a:r>
-              <a:rPr kumimoji="1" lang="ja-JP" altLang="en-US" dirty="0" smtClean="0">
+              <a:rPr kumimoji="1" lang="ja-JP" altLang="en-US" dirty="0">
                 <a:ea typeface="メイリオ" panose="020B0604030504040204" pitchFamily="50" charset="-128"/>
               </a:rPr>
               <a:t>の構造</a:t>
             </a:r>
-            <a:endParaRPr kumimoji="1" lang="ja-JP" altLang="en-US" dirty="0">
-              <a:ea typeface="メイリオ" panose="020B0604030504040204" pitchFamily="50" charset="-128"/>
-            </a:endParaRPr>
           </a:p>
         </p:txBody>
       </p:sp>
@@ -11489,35 +13247,35 @@
           <a:lstStyle/>
           <a:p>
             <a:r>
-              <a:rPr lang="en-US" altLang="ja-JP" sz="1600" dirty="0" smtClean="0">
+              <a:rPr lang="en-US" altLang="ja-JP" sz="1600" dirty="0">
                 <a:ea typeface="メイリオ" panose="020B0604030504040204" pitchFamily="50" charset="-128"/>
               </a:rPr>
               <a:t>V2</a:t>
             </a:r>
             <a:r>
-              <a:rPr lang="ja-JP" altLang="en-US" sz="1600" dirty="0" smtClean="0">
+              <a:rPr lang="ja-JP" altLang="en-US" sz="1600" dirty="0">
                 <a:ea typeface="メイリオ" panose="020B0604030504040204" pitchFamily="50" charset="-128"/>
               </a:rPr>
               <a:t>の実装は下記を参照。</a:t>
             </a:r>
-            <a:endParaRPr lang="en-US" altLang="ja-JP" sz="1050" dirty="0" smtClean="0">
+            <a:endParaRPr lang="en-US" altLang="ja-JP" sz="1050" dirty="0">
               <a:ea typeface="メイリオ" panose="020B0604030504040204" pitchFamily="50" charset="-128"/>
             </a:endParaRPr>
           </a:p>
           <a:p>
             <a:r>
-              <a:rPr lang="en-US" altLang="ja-JP" sz="1200" dirty="0" smtClean="0">
+              <a:rPr lang="en-US" altLang="ja-JP" sz="1200" dirty="0">
                 <a:ea typeface="メイリオ" panose="020B0604030504040204" pitchFamily="50" charset="-128"/>
                 <a:hlinkClick r:id="rId4"/>
               </a:rPr>
               <a:t>https://github.com/pytorch/vision/blob/main/torchvision/models/mobilenetv2.py</a:t>
             </a:r>
-            <a:endParaRPr lang="en-US" altLang="ja-JP" sz="1200" dirty="0" smtClean="0">
+            <a:endParaRPr lang="en-US" altLang="ja-JP" sz="1200" dirty="0">
               <a:ea typeface="メイリオ" panose="020B0604030504040204" pitchFamily="50" charset="-128"/>
             </a:endParaRPr>
           </a:p>
           <a:p>
-            <a:endParaRPr lang="en-US" altLang="ja-JP" sz="1200" dirty="0" smtClean="0">
+            <a:endParaRPr lang="en-US" altLang="ja-JP" sz="1200" dirty="0">
               <a:ea typeface="メイリオ" panose="020B0604030504040204" pitchFamily="50" charset="-128"/>
             </a:endParaRPr>
           </a:p>
@@ -11716,7 +13474,7 @@
           <a:lstStyle/>
           <a:p>
             <a:r>
-              <a:rPr lang="en-US" altLang="ja-JP" sz="3200" dirty="0" smtClean="0">
+              <a:rPr lang="en-US" altLang="ja-JP" sz="3200" dirty="0">
                 <a:latin typeface="+mn-lt"/>
                 <a:ea typeface="メイリオ" panose="020B0604030504040204" pitchFamily="50" charset="-128"/>
                 <a:cs typeface="HackGen" panose="020B0509020203020207" pitchFamily="49" charset="-128"/>
@@ -11918,18 +13676,18 @@
           </a:lstStyle>
           <a:p>
             <a:r>
-              <a:rPr lang="en-US" altLang="ja-JP" sz="2000" dirty="0" err="1" smtClean="0">
+              <a:rPr lang="en-US" altLang="ja-JP" sz="2000" dirty="0" err="1">
                 <a:ea typeface="メイリオ" panose="020B0604030504040204" pitchFamily="50" charset="-128"/>
               </a:rPr>
               <a:t>EfficientNet</a:t>
             </a:r>
             <a:r>
-              <a:rPr lang="en-US" altLang="ja-JP" sz="2000" dirty="0" smtClean="0">
+              <a:rPr lang="en-US" altLang="ja-JP" sz="2000" dirty="0">
                 <a:ea typeface="メイリオ" panose="020B0604030504040204" pitchFamily="50" charset="-128"/>
               </a:rPr>
               <a:t>: Rethinking Model Scaling for Convolutional Neural Networks</a:t>
             </a:r>
-            <a:endParaRPr lang="en-US" altLang="ja-JP" sz="2000" dirty="0" smtClean="0">
+            <a:endParaRPr lang="en-US" altLang="ja-JP" sz="2000" dirty="0">
               <a:ea typeface="メイリオ" panose="020B0604030504040204" pitchFamily="50" charset="-128"/>
               <a:cs typeface="HackGen" panose="020B0509020203020207" pitchFamily="49" charset="-128"/>
             </a:endParaRPr>
@@ -11937,40 +13695,40 @@
           <a:p>
             <a:pPr lvl="1"/>
             <a:r>
-              <a:rPr lang="en-US" altLang="ja-JP" sz="1600" dirty="0" smtClean="0">
+              <a:rPr lang="en-US" altLang="ja-JP" sz="1600" dirty="0">
                 <a:ea typeface="メイリオ" panose="020B0604030504040204" pitchFamily="50" charset="-128"/>
                 <a:cs typeface="HackGen" panose="020B0509020203020207" pitchFamily="49" charset="-128"/>
                 <a:hlinkClick r:id="rId2"/>
               </a:rPr>
               <a:t>https://arxiv.org/pdf/1905.11946.pdf</a:t>
             </a:r>
-            <a:endParaRPr lang="en-US" altLang="ja-JP" sz="1600" dirty="0" smtClean="0">
+            <a:endParaRPr lang="en-US" altLang="ja-JP" sz="1600" dirty="0">
               <a:ea typeface="メイリオ" panose="020B0604030504040204" pitchFamily="50" charset="-128"/>
               <a:cs typeface="HackGen" panose="020B0509020203020207" pitchFamily="49" charset="-128"/>
             </a:endParaRPr>
           </a:p>
           <a:p>
             <a:r>
-              <a:rPr lang="ja-JP" altLang="en-US" sz="2000" dirty="0" smtClean="0">
+              <a:rPr lang="ja-JP" altLang="en-US" sz="2000" dirty="0">
                 <a:ea typeface="メイリオ" panose="020B0604030504040204" pitchFamily="50" charset="-128"/>
                 <a:cs typeface="HackGen" panose="020B0509020203020207" pitchFamily="49" charset="-128"/>
               </a:rPr>
               <a:t>層数の増大、チャネル数の増大、入力画像の</a:t>
             </a:r>
             <a:r>
-              <a:rPr lang="ja-JP" altLang="en-US" sz="2000" dirty="0" smtClean="0">
+              <a:rPr lang="ja-JP" altLang="en-US" sz="2000" dirty="0">
                 <a:ea typeface="メイリオ" panose="020B0604030504040204" pitchFamily="50" charset="-128"/>
               </a:rPr>
               <a:t>高解像</a:t>
             </a:r>
             <a:r>
-              <a:rPr lang="ja-JP" altLang="en-US" sz="2000" dirty="0" smtClean="0">
+              <a:rPr lang="ja-JP" altLang="en-US" sz="2000" dirty="0">
                 <a:ea typeface="メイリオ" panose="020B0604030504040204" pitchFamily="50" charset="-128"/>
                 <a:cs typeface="HackGen" panose="020B0509020203020207" pitchFamily="49" charset="-128"/>
               </a:rPr>
               <a:t>化をそれぞれ独立して上昇させるよりも、</a:t>
             </a:r>
-            <a:endParaRPr lang="en-US" altLang="ja-JP" sz="2000" dirty="0" smtClean="0">
+            <a:endParaRPr lang="en-US" altLang="ja-JP" sz="2000" dirty="0">
               <a:ea typeface="メイリオ" panose="020B0604030504040204" pitchFamily="50" charset="-128"/>
               <a:cs typeface="HackGen" panose="020B0509020203020207" pitchFamily="49" charset="-128"/>
             </a:endParaRPr>
@@ -11980,54 +13738,54 @@
               <a:buNone/>
             </a:pPr>
             <a:r>
-              <a:rPr lang="ja-JP" altLang="en-US" sz="2000" dirty="0" smtClean="0">
+              <a:rPr lang="ja-JP" altLang="en-US" sz="2000" dirty="0">
                 <a:ea typeface="メイリオ" panose="020B0604030504040204" pitchFamily="50" charset="-128"/>
                 <a:cs typeface="HackGen" panose="020B0509020203020207" pitchFamily="49" charset="-128"/>
               </a:rPr>
               <a:t>　同時に上昇させる方がモデルを効率的に大規模にすることができるとした論文。</a:t>
             </a:r>
-            <a:endParaRPr lang="en-US" altLang="ja-JP" sz="2000" dirty="0" smtClean="0">
+            <a:endParaRPr lang="en-US" altLang="ja-JP" sz="2000" dirty="0">
               <a:ea typeface="メイリオ" panose="020B0604030504040204" pitchFamily="50" charset="-128"/>
               <a:cs typeface="HackGen" panose="020B0509020203020207" pitchFamily="49" charset="-128"/>
             </a:endParaRPr>
           </a:p>
           <a:p>
             <a:r>
-              <a:rPr lang="ja-JP" altLang="en-US" sz="2000" dirty="0" smtClean="0">
+              <a:rPr lang="ja-JP" altLang="en-US" sz="2000" dirty="0">
                 <a:ea typeface="メイリオ" panose="020B0604030504040204" pitchFamily="50" charset="-128"/>
                 <a:cs typeface="HackGen" panose="020B0509020203020207" pitchFamily="49" charset="-128"/>
               </a:rPr>
               <a:t>基準となる</a:t>
             </a:r>
             <a:r>
-              <a:rPr lang="en-US" altLang="ja-JP" sz="2000" dirty="0" smtClean="0">
+              <a:rPr lang="en-US" altLang="ja-JP" sz="2000" dirty="0">
                 <a:ea typeface="メイリオ" panose="020B0604030504040204" pitchFamily="50" charset="-128"/>
                 <a:cs typeface="HackGen" panose="020B0509020203020207" pitchFamily="49" charset="-128"/>
               </a:rPr>
               <a:t>B0</a:t>
             </a:r>
             <a:r>
-              <a:rPr lang="ja-JP" altLang="en-US" sz="2000" dirty="0" smtClean="0">
+              <a:rPr lang="ja-JP" altLang="en-US" sz="2000" dirty="0">
                 <a:ea typeface="メイリオ" panose="020B0604030504040204" pitchFamily="50" charset="-128"/>
                 <a:cs typeface="HackGen" panose="020B0509020203020207" pitchFamily="49" charset="-128"/>
               </a:rPr>
               <a:t>は、</a:t>
             </a:r>
             <a:r>
-              <a:rPr lang="en-US" altLang="ja-JP" sz="2000" dirty="0" smtClean="0">
+              <a:rPr lang="en-US" altLang="ja-JP" sz="2000" dirty="0">
                 <a:ea typeface="メイリオ" panose="020B0604030504040204" pitchFamily="50" charset="-128"/>
                 <a:cs typeface="HackGen" panose="020B0509020203020207" pitchFamily="49" charset="-128"/>
               </a:rPr>
               <a:t>Neural Architecture Search</a:t>
             </a:r>
             <a:r>
-              <a:rPr lang="ja-JP" altLang="en-US" sz="2000" dirty="0" smtClean="0">
+              <a:rPr lang="ja-JP" altLang="en-US" sz="2000" dirty="0">
                 <a:ea typeface="メイリオ" panose="020B0604030504040204" pitchFamily="50" charset="-128"/>
                 <a:cs typeface="HackGen" panose="020B0509020203020207" pitchFamily="49" charset="-128"/>
               </a:rPr>
               <a:t>で探索された以下のような構造。</a:t>
             </a:r>
-            <a:endParaRPr lang="en-US" altLang="ja-JP" sz="2000" dirty="0" smtClean="0">
+            <a:endParaRPr lang="en-US" altLang="ja-JP" sz="2000" dirty="0">
               <a:ea typeface="メイリオ" panose="020B0604030504040204" pitchFamily="50" charset="-128"/>
               <a:cs typeface="HackGen" panose="020B0509020203020207" pitchFamily="49" charset="-128"/>
             </a:endParaRPr>
@@ -12038,51 +13796,44 @@
                 <a:ea typeface="メイリオ" panose="020B0604030504040204" pitchFamily="50" charset="-128"/>
                 <a:cs typeface="HackGen" panose="020B0509020203020207" pitchFamily="49" charset="-128"/>
               </a:rPr>
-              <a:t>a</a:t>
-            </a:r>
-            <a:r>
-              <a:rPr lang="en-US" altLang="ja-JP" sz="2000" dirty="0" smtClean="0">
+              <a:t>activation</a:t>
+            </a:r>
+            <a:r>
+              <a:rPr lang="ja-JP" altLang="en-US" sz="2000" dirty="0">
                 <a:ea typeface="メイリオ" panose="020B0604030504040204" pitchFamily="50" charset="-128"/>
                 <a:cs typeface="HackGen" panose="020B0509020203020207" pitchFamily="49" charset="-128"/>
               </a:rPr>
-              <a:t>ctivation</a:t>
-            </a:r>
-            <a:r>
-              <a:rPr lang="ja-JP" altLang="en-US" sz="2000" dirty="0" smtClean="0">
+              <a:t>は、</a:t>
+            </a:r>
+            <a:r>
+              <a:rPr lang="en-US" altLang="ja-JP" sz="2000" dirty="0" err="1">
                 <a:ea typeface="メイリオ" panose="020B0604030504040204" pitchFamily="50" charset="-128"/>
                 <a:cs typeface="HackGen" panose="020B0509020203020207" pitchFamily="49" charset="-128"/>
               </a:rPr>
-              <a:t>は、</a:t>
-            </a:r>
-            <a:r>
-              <a:rPr lang="en-US" altLang="ja-JP" sz="2000" dirty="0" err="1" smtClean="0">
+              <a:t>ReLU</a:t>
+            </a:r>
+            <a:r>
+              <a:rPr lang="ja-JP" altLang="en-US" sz="2000" dirty="0">
                 <a:ea typeface="メイリオ" panose="020B0604030504040204" pitchFamily="50" charset="-128"/>
                 <a:cs typeface="HackGen" panose="020B0509020203020207" pitchFamily="49" charset="-128"/>
               </a:rPr>
-              <a:t>ReLU</a:t>
-            </a:r>
-            <a:r>
-              <a:rPr lang="ja-JP" altLang="en-US" sz="2000" dirty="0" smtClean="0">
+              <a:t>ではなく</a:t>
+            </a:r>
+            <a:r>
+              <a:rPr lang="en-US" altLang="ja-JP" sz="2000" dirty="0">
                 <a:ea typeface="メイリオ" panose="020B0604030504040204" pitchFamily="50" charset="-128"/>
                 <a:cs typeface="HackGen" panose="020B0509020203020207" pitchFamily="49" charset="-128"/>
               </a:rPr>
-              <a:t>ではなく</a:t>
-            </a:r>
-            <a:r>
-              <a:rPr lang="en-US" altLang="ja-JP" sz="2000" dirty="0" smtClean="0">
+              <a:t>Swish</a:t>
+            </a:r>
+            <a:r>
+              <a:rPr lang="ja-JP" altLang="en-US" sz="2000" dirty="0">
                 <a:ea typeface="メイリオ" panose="020B0604030504040204" pitchFamily="50" charset="-128"/>
                 <a:cs typeface="HackGen" panose="020B0509020203020207" pitchFamily="49" charset="-128"/>
               </a:rPr>
-              <a:t>Swish</a:t>
-            </a:r>
-            <a:r>
-              <a:rPr lang="ja-JP" altLang="en-US" sz="2000" dirty="0" smtClean="0">
-                <a:ea typeface="メイリオ" panose="020B0604030504040204" pitchFamily="50" charset="-128"/>
-                <a:cs typeface="HackGen" panose="020B0509020203020207" pitchFamily="49" charset="-128"/>
-              </a:rPr>
               <a:t>が用いられている。</a:t>
             </a:r>
-            <a:endParaRPr lang="en-US" altLang="ja-JP" sz="2000" dirty="0" smtClean="0">
+            <a:endParaRPr lang="en-US" altLang="ja-JP" sz="2000" dirty="0">
               <a:ea typeface="メイリオ" panose="020B0604030504040204" pitchFamily="50" charset="-128"/>
               <a:cs typeface="HackGen" panose="020B0509020203020207" pitchFamily="49" charset="-128"/>
             </a:endParaRPr>
@@ -12090,14 +13841,14 @@
           <a:p>
             <a:pPr lvl="1"/>
             <a:r>
-              <a:rPr lang="en-US" altLang="ja-JP" sz="1600" dirty="0" smtClean="0">
+              <a:rPr lang="en-US" altLang="ja-JP" sz="1600" dirty="0">
                 <a:ea typeface="メイリオ" panose="020B0604030504040204" pitchFamily="50" charset="-128"/>
                 <a:cs typeface="HackGen" panose="020B0509020203020207" pitchFamily="49" charset="-128"/>
                 <a:hlinkClick r:id="rId3"/>
               </a:rPr>
               <a:t>https://arxiv.org/pdf/1710.05941.pdf</a:t>
             </a:r>
-            <a:endParaRPr lang="en-US" altLang="ja-JP" sz="1600" dirty="0" smtClean="0">
+            <a:endParaRPr lang="en-US" altLang="ja-JP" sz="1600" dirty="0">
               <a:ea typeface="メイリオ" panose="020B0604030504040204" pitchFamily="50" charset="-128"/>
               <a:cs typeface="HackGen" panose="020B0509020203020207" pitchFamily="49" charset="-128"/>
             </a:endParaRPr>
@@ -12105,32 +13856,32 @@
           <a:p>
             <a:pPr lvl="1"/>
             <a:r>
-              <a:rPr lang="en-US" altLang="ja-JP" sz="1600" dirty="0" smtClean="0">
+              <a:rPr lang="en-US" altLang="ja-JP" sz="1600" dirty="0">
                 <a:ea typeface="メイリオ" panose="020B0604030504040204" pitchFamily="50" charset="-128"/>
                 <a:cs typeface="HackGen" panose="020B0509020203020207" pitchFamily="49" charset="-128"/>
               </a:rPr>
               <a:t>Swish</a:t>
             </a:r>
             <a:r>
-              <a:rPr lang="ja-JP" altLang="en-US" sz="1600" dirty="0" smtClean="0">
+              <a:rPr lang="ja-JP" altLang="en-US" sz="1600" dirty="0">
                 <a:ea typeface="メイリオ" panose="020B0604030504040204" pitchFamily="50" charset="-128"/>
                 <a:cs typeface="HackGen" panose="020B0509020203020207" pitchFamily="49" charset="-128"/>
               </a:rPr>
               <a:t>はあらゆるケースで精度が良い傾向はあるが、関数が複雑であるため計算速度が低下する欠点がある。</a:t>
             </a:r>
-            <a:endParaRPr lang="en-US" altLang="ja-JP" sz="1600" dirty="0" smtClean="0">
+            <a:endParaRPr lang="en-US" altLang="ja-JP" sz="1600" dirty="0">
               <a:ea typeface="メイリオ" panose="020B0604030504040204" pitchFamily="50" charset="-128"/>
               <a:cs typeface="HackGen" panose="020B0509020203020207" pitchFamily="49" charset="-128"/>
             </a:endParaRPr>
           </a:p>
           <a:p>
-            <a:endParaRPr lang="en-US" altLang="ja-JP" sz="2000" dirty="0" smtClean="0">
+            <a:endParaRPr lang="en-US" altLang="ja-JP" sz="2000" dirty="0">
               <a:ea typeface="メイリオ" panose="020B0604030504040204" pitchFamily="50" charset="-128"/>
               <a:cs typeface="HackGen" panose="020B0509020203020207" pitchFamily="49" charset="-128"/>
             </a:endParaRPr>
           </a:p>
           <a:p>
-            <a:endParaRPr lang="en-US" altLang="ja-JP" sz="1600" dirty="0" smtClean="0">
+            <a:endParaRPr lang="en-US" altLang="ja-JP" sz="1600" dirty="0">
               <a:ea typeface="メイリオ" panose="020B0604030504040204" pitchFamily="50" charset="-128"/>
               <a:cs typeface="HackGen" panose="020B0509020203020207" pitchFamily="49" charset="-128"/>
             </a:endParaRPr>
@@ -12254,47 +14005,47 @@
           <a:lstStyle/>
           <a:p>
             <a:r>
-              <a:rPr kumimoji="1" lang="en-US" altLang="ja-JP" sz="1200" dirty="0" err="1" smtClean="0">
+              <a:rPr kumimoji="1" lang="en-US" altLang="ja-JP" sz="1200" dirty="0" err="1">
                 <a:ea typeface="メイリオ" panose="020B0604030504040204" pitchFamily="50" charset="-128"/>
               </a:rPr>
               <a:t>MBConv</a:t>
             </a:r>
             <a:r>
-              <a:rPr kumimoji="1" lang="ja-JP" altLang="en-US" sz="1200" dirty="0" smtClean="0">
+              <a:rPr kumimoji="1" lang="ja-JP" altLang="en-US" sz="1200" dirty="0">
                 <a:ea typeface="メイリオ" panose="020B0604030504040204" pitchFamily="50" charset="-128"/>
               </a:rPr>
               <a:t>は</a:t>
             </a:r>
             <a:r>
-              <a:rPr kumimoji="1" lang="en-US" altLang="ja-JP" sz="1200" dirty="0" smtClean="0">
+              <a:rPr kumimoji="1" lang="en-US" altLang="ja-JP" sz="1200" dirty="0">
                 <a:ea typeface="メイリオ" panose="020B0604030504040204" pitchFamily="50" charset="-128"/>
               </a:rPr>
               <a:t>MobileNetV2</a:t>
             </a:r>
             <a:r>
-              <a:rPr kumimoji="1" lang="ja-JP" altLang="en-US" sz="1200" dirty="0" smtClean="0">
+              <a:rPr kumimoji="1" lang="ja-JP" altLang="en-US" sz="1200" dirty="0">
                 <a:ea typeface="メイリオ" panose="020B0604030504040204" pitchFamily="50" charset="-128"/>
               </a:rPr>
               <a:t>の</a:t>
             </a:r>
-            <a:endParaRPr kumimoji="1" lang="en-US" altLang="ja-JP" sz="1200" dirty="0" smtClean="0">
+            <a:endParaRPr kumimoji="1" lang="en-US" altLang="ja-JP" sz="1200" dirty="0">
               <a:ea typeface="メイリオ" panose="020B0604030504040204" pitchFamily="50" charset="-128"/>
             </a:endParaRPr>
           </a:p>
           <a:p>
             <a:r>
-              <a:rPr lang="en-US" altLang="ja-JP" sz="1200" dirty="0" smtClean="0">
+              <a:rPr lang="en-US" altLang="ja-JP" sz="1200" dirty="0">
                 <a:ea typeface="メイリオ" panose="020B0604030504040204" pitchFamily="50" charset="-128"/>
               </a:rPr>
               <a:t>Inverted Residual Block</a:t>
             </a:r>
             <a:r>
-              <a:rPr lang="ja-JP" altLang="en-US" sz="1200" dirty="0" smtClean="0">
+              <a:rPr lang="ja-JP" altLang="en-US" sz="1200" dirty="0">
                 <a:ea typeface="メイリオ" panose="020B0604030504040204" pitchFamily="50" charset="-128"/>
               </a:rPr>
               <a:t>である。</a:t>
             </a:r>
-            <a:endParaRPr lang="en-US" altLang="ja-JP" sz="1200" dirty="0" smtClean="0">
+            <a:endParaRPr lang="en-US" altLang="ja-JP" sz="1200" dirty="0">
               <a:ea typeface="メイリオ" panose="020B0604030504040204" pitchFamily="50" charset="-128"/>
             </a:endParaRPr>
           </a:p>
@@ -12401,7 +14152,7 @@
           <a:lstStyle/>
           <a:p>
             <a:r>
-              <a:rPr lang="ja-JP" altLang="en-US" sz="3200" dirty="0" smtClean="0">
+              <a:rPr lang="ja-JP" altLang="en-US" sz="3200" dirty="0">
                 <a:latin typeface="+mn-lt"/>
                 <a:ea typeface="メイリオ" panose="020B0604030504040204" pitchFamily="50" charset="-128"/>
                 <a:cs typeface="HackGen" panose="020B0509020203020207" pitchFamily="49" charset="-128"/>
@@ -12603,7 +14354,7 @@
           </a:lstStyle>
           <a:p>
             <a:r>
-              <a:rPr lang="en-US" altLang="ja-JP" sz="2000" dirty="0" smtClean="0">
+              <a:rPr lang="en-US" altLang="ja-JP" sz="2000" dirty="0">
                 <a:ea typeface="メイリオ" panose="020B0604030504040204" pitchFamily="50" charset="-128"/>
                 <a:cs typeface="HackGen" panose="020B0509020203020207" pitchFamily="49" charset="-128"/>
               </a:rPr>
@@ -12629,144 +14380,12 @@
           <a:p>
             <a:pPr lvl="1"/>
             <a:r>
-              <a:rPr lang="en-US" altLang="ja-JP" sz="1600" dirty="0" smtClean="0">
+              <a:rPr lang="en-US" altLang="ja-JP" sz="1600" dirty="0">
                 <a:ea typeface="メイリオ" panose="020B0604030504040204" pitchFamily="50" charset="-128"/>
                 <a:cs typeface="HackGen" panose="020B0509020203020207" pitchFamily="49" charset="-128"/>
                 <a:hlinkClick r:id="rId2"/>
               </a:rPr>
               <a:t>https://qiita.com/omiita/items/83643f78baabfa210ab1</a:t>
-            </a:r>
-            <a:endParaRPr lang="en-US" altLang="ja-JP" sz="1600" dirty="0" smtClean="0">
-              <a:ea typeface="メイリオ" panose="020B0604030504040204" pitchFamily="50" charset="-128"/>
-              <a:cs typeface="HackGen" panose="020B0509020203020207" pitchFamily="49" charset="-128"/>
-            </a:endParaRPr>
-          </a:p>
-          <a:p>
-            <a:r>
-              <a:rPr lang="en-US" altLang="ja-JP" sz="2000" dirty="0" smtClean="0">
-                <a:ea typeface="メイリオ" panose="020B0604030504040204" pitchFamily="50" charset="-128"/>
-                <a:cs typeface="HackGen" panose="020B0509020203020207" pitchFamily="49" charset="-128"/>
-              </a:rPr>
-              <a:t>[2020.09.09] </a:t>
-            </a:r>
-            <a:r>
-              <a:rPr lang="en-US" altLang="ja-JP" sz="2000" dirty="0" err="1"/>
-              <a:t>MobileNet</a:t>
-            </a:r>
-            <a:r>
-              <a:rPr lang="en-US" altLang="ja-JP" sz="2000" dirty="0"/>
-              <a:t>(v1,v2,v3)</a:t>
-            </a:r>
-            <a:r>
-              <a:rPr lang="ja-JP" altLang="en-US" sz="2000" dirty="0" err="1"/>
-              <a:t>を簡</a:t>
-            </a:r>
-            <a:r>
-              <a:rPr lang="ja-JP" altLang="en-US" sz="2000" dirty="0"/>
-              <a:t>単に解説して</a:t>
-            </a:r>
-            <a:r>
-              <a:rPr lang="ja-JP" altLang="en-US" sz="2000" dirty="0" smtClean="0"/>
-              <a:t>みた</a:t>
-            </a:r>
-            <a:endParaRPr lang="en-US" altLang="ja-JP" sz="2000" dirty="0" smtClean="0">
-              <a:ea typeface="メイリオ" panose="020B0604030504040204" pitchFamily="50" charset="-128"/>
-              <a:cs typeface="HackGen" panose="020B0509020203020207" pitchFamily="49" charset="-128"/>
-            </a:endParaRPr>
-          </a:p>
-          <a:p>
-            <a:pPr lvl="1"/>
-            <a:r>
-              <a:rPr lang="en-US" altLang="ja-JP" sz="1600" dirty="0" smtClean="0">
-                <a:ea typeface="メイリオ" panose="020B0604030504040204" pitchFamily="50" charset="-128"/>
-                <a:cs typeface="HackGen" panose="020B0509020203020207" pitchFamily="49" charset="-128"/>
-                <a:hlinkClick r:id="rId3"/>
-              </a:rPr>
-              <a:t>https://qiita.com/omiita/items/77dadd5a7b16a104df83</a:t>
-            </a:r>
-            <a:endParaRPr lang="en-US" altLang="ja-JP" sz="1600" dirty="0" smtClean="0">
-              <a:ea typeface="メイリオ" panose="020B0604030504040204" pitchFamily="50" charset="-128"/>
-              <a:cs typeface="HackGen" panose="020B0509020203020207" pitchFamily="49" charset="-128"/>
-            </a:endParaRPr>
-          </a:p>
-          <a:p>
-            <a:r>
-              <a:rPr lang="en-US" altLang="ja-JP" sz="2000" dirty="0" smtClean="0">
-                <a:ea typeface="メイリオ" panose="020B0604030504040204" pitchFamily="50" charset="-128"/>
-                <a:cs typeface="HackGen" panose="020B0509020203020207" pitchFamily="49" charset="-128"/>
-              </a:rPr>
-              <a:t>[2021.04.17] </a:t>
-            </a:r>
-            <a:r>
-              <a:rPr lang="en-US" altLang="ja-JP" sz="2000" dirty="0" err="1"/>
-              <a:t>EfficientNet</a:t>
-            </a:r>
-            <a:r>
-              <a:rPr lang="en-US" altLang="ja-JP" sz="2000" dirty="0"/>
-              <a:t> B0〜B7</a:t>
-            </a:r>
-            <a:r>
-              <a:rPr lang="ja-JP" altLang="en-US" sz="2000" dirty="0"/>
-              <a:t>で画像分類器を転移学習してみる</a:t>
-            </a:r>
-            <a:endParaRPr lang="en-US" altLang="ja-JP" sz="2000" dirty="0" smtClean="0">
-              <a:ea typeface="メイリオ" panose="020B0604030504040204" pitchFamily="50" charset="-128"/>
-              <a:cs typeface="HackGen" panose="020B0509020203020207" pitchFamily="49" charset="-128"/>
-            </a:endParaRPr>
-          </a:p>
-          <a:p>
-            <a:pPr lvl="1"/>
-            <a:r>
-              <a:rPr lang="en-US" altLang="ja-JP" sz="1600" dirty="0" smtClean="0">
-                <a:ea typeface="メイリオ" panose="020B0604030504040204" pitchFamily="50" charset="-128"/>
-                <a:cs typeface="HackGen" panose="020B0509020203020207" pitchFamily="49" charset="-128"/>
-                <a:hlinkClick r:id="rId4"/>
-              </a:rPr>
-              <a:t>https://zenn.dev/kleamp1e/articles/202104-efficientnet</a:t>
-            </a:r>
-            <a:endParaRPr lang="en-US" altLang="ja-JP" sz="1600" dirty="0" smtClean="0">
-              <a:ea typeface="メイリオ" panose="020B0604030504040204" pitchFamily="50" charset="-128"/>
-              <a:cs typeface="HackGen" panose="020B0509020203020207" pitchFamily="49" charset="-128"/>
-            </a:endParaRPr>
-          </a:p>
-          <a:p>
-            <a:r>
-              <a:rPr lang="en-US" altLang="ja-JP" sz="2000" dirty="0" smtClean="0">
-                <a:ea typeface="メイリオ" panose="020B0604030504040204" pitchFamily="50" charset="-128"/>
-                <a:cs typeface="HackGen" panose="020B0509020203020207" pitchFamily="49" charset="-128"/>
-              </a:rPr>
-              <a:t>[2021.07.30] </a:t>
-            </a:r>
-            <a:r>
-              <a:rPr lang="en-US" altLang="ja-JP" sz="2000" dirty="0" err="1"/>
-              <a:t>EfficientNet</a:t>
-            </a:r>
-            <a:r>
-              <a:rPr lang="en-US" altLang="ja-JP" sz="2000" dirty="0"/>
-              <a:t>: </a:t>
-            </a:r>
-            <a:r>
-              <a:rPr lang="ja-JP" altLang="en-US" sz="2000" dirty="0"/>
-              <a:t>複合スケールによる効率的な画像</a:t>
-            </a:r>
-            <a:r>
-              <a:rPr lang="ja-JP" altLang="en-US" sz="2000" dirty="0" smtClean="0"/>
-              <a:t>分類器</a:t>
-            </a:r>
-            <a:endParaRPr lang="en-US" altLang="ja-JP" sz="2000" dirty="0" smtClean="0">
-              <a:ea typeface="メイリオ" panose="020B0604030504040204" pitchFamily="50" charset="-128"/>
-              <a:cs typeface="HackGen" panose="020B0509020203020207" pitchFamily="49" charset="-128"/>
-            </a:endParaRPr>
-          </a:p>
-          <a:p>
-            <a:pPr lvl="1"/>
-            <a:r>
-              <a:rPr lang="en-US" altLang="ja-JP" sz="1600" dirty="0" smtClean="0">
-                <a:ea typeface="メイリオ" panose="020B0604030504040204" pitchFamily="50" charset="-128"/>
-                <a:cs typeface="HackGen" panose="020B0509020203020207" pitchFamily="49" charset="-128"/>
-                <a:hlinkClick r:id="rId5"/>
-              </a:rPr>
-              <a:t>https://kikaben.com/efficientnet/</a:t>
             </a:r>
             <a:endParaRPr lang="en-US" altLang="ja-JP" sz="1600" dirty="0">
               <a:ea typeface="メイリオ" panose="020B0604030504040204" pitchFamily="50" charset="-128"/>
@@ -12775,182 +14394,280 @@
           </a:p>
           <a:p>
             <a:r>
-              <a:rPr lang="en-US" altLang="ja-JP" sz="2000" dirty="0" smtClean="0">
+              <a:rPr lang="en-US" altLang="ja-JP" sz="2000" dirty="0">
                 <a:ea typeface="メイリオ" panose="020B0604030504040204" pitchFamily="50" charset="-128"/>
                 <a:cs typeface="HackGen" panose="020B0509020203020207" pitchFamily="49" charset="-128"/>
               </a:rPr>
-              <a:t>Neural Network Console</a:t>
-            </a:r>
-          </a:p>
-          <a:p>
-            <a:pPr lvl="1"/>
-            <a:r>
-              <a:rPr lang="en-US" altLang="ja-JP" sz="1600" dirty="0" smtClean="0">
-                <a:ea typeface="メイリオ" panose="020B0604030504040204" pitchFamily="50" charset="-128"/>
-                <a:cs typeface="HackGen" panose="020B0509020203020207" pitchFamily="49" charset="-128"/>
-                <a:hlinkClick r:id="rId6"/>
-              </a:rPr>
-              <a:t>https://www.youtube.com/channel/UCRTV5p4JsXV3YTdYpTJECRA</a:t>
-            </a:r>
-            <a:endParaRPr lang="en-US" altLang="ja-JP" sz="1600" dirty="0" smtClean="0">
+              <a:t>[2020.09.09] </a:t>
+            </a:r>
+            <a:r>
+              <a:rPr lang="en-US" altLang="ja-JP" sz="2000" dirty="0" err="1"/>
+              <a:t>MobileNet</a:t>
+            </a:r>
+            <a:r>
+              <a:rPr lang="en-US" altLang="ja-JP" sz="2000" dirty="0"/>
+              <a:t>(v1,v2,v3)</a:t>
+            </a:r>
+            <a:r>
+              <a:rPr lang="ja-JP" altLang="en-US" sz="2000" dirty="0" err="1"/>
+              <a:t>を簡</a:t>
+            </a:r>
+            <a:r>
+              <a:rPr lang="ja-JP" altLang="en-US" sz="2000" dirty="0"/>
+              <a:t>単に解説してみた</a:t>
+            </a:r>
+            <a:endParaRPr lang="en-US" altLang="ja-JP" sz="2000" dirty="0">
               <a:ea typeface="メイリオ" panose="020B0604030504040204" pitchFamily="50" charset="-128"/>
               <a:cs typeface="HackGen" panose="020B0509020203020207" pitchFamily="49" charset="-128"/>
             </a:endParaRPr>
           </a:p>
           <a:p>
-            <a:r>
-              <a:rPr lang="en-US" altLang="ja-JP" sz="2000" dirty="0"/>
-              <a:t>6</a:t>
-            </a:r>
-            <a:r>
-              <a:rPr lang="ja-JP" altLang="en-US" sz="2000" dirty="0" err="1"/>
-              <a:t>つの</a:t>
-            </a:r>
-            <a:r>
-              <a:rPr lang="ja-JP" altLang="en-US" sz="2000" dirty="0"/>
-              <a:t>モデルでの</a:t>
-            </a:r>
-            <a:r>
-              <a:rPr lang="en-US" altLang="ja-JP" sz="2000" dirty="0"/>
-              <a:t>Swish</a:t>
-            </a:r>
-            <a:r>
-              <a:rPr lang="ja-JP" altLang="en-US" sz="2000" dirty="0"/>
-              <a:t>関数の</a:t>
-            </a:r>
-            <a:r>
-              <a:rPr lang="ja-JP" altLang="en-US" sz="2000" dirty="0" smtClean="0"/>
-              <a:t>実験</a:t>
-            </a:r>
-            <a:endParaRPr lang="en-US" altLang="ja-JP" sz="2000" dirty="0" smtClean="0">
+            <a:pPr lvl="1"/>
+            <a:r>
+              <a:rPr lang="en-US" altLang="ja-JP" sz="1600" dirty="0">
+                <a:ea typeface="メイリオ" panose="020B0604030504040204" pitchFamily="50" charset="-128"/>
+                <a:cs typeface="HackGen" panose="020B0509020203020207" pitchFamily="49" charset="-128"/>
+                <a:hlinkClick r:id="rId3"/>
+              </a:rPr>
+              <a:t>https://qiita.com/omiita/items/77dadd5a7b16a104df83</a:t>
+            </a:r>
+            <a:endParaRPr lang="en-US" altLang="ja-JP" sz="1600" dirty="0">
               <a:ea typeface="メイリオ" panose="020B0604030504040204" pitchFamily="50" charset="-128"/>
               <a:cs typeface="HackGen" panose="020B0509020203020207" pitchFamily="49" charset="-128"/>
             </a:endParaRPr>
           </a:p>
           <a:p>
-            <a:pPr lvl="1"/>
-            <a:r>
-              <a:rPr lang="en-US" altLang="ja-JP" sz="1600" dirty="0" smtClean="0">
+            <a:r>
+              <a:rPr lang="en-US" altLang="ja-JP" sz="2000" dirty="0">
                 <a:ea typeface="メイリオ" panose="020B0604030504040204" pitchFamily="50" charset="-128"/>
                 <a:cs typeface="HackGen" panose="020B0509020203020207" pitchFamily="49" charset="-128"/>
-                <a:hlinkClick r:id="rId7"/>
-              </a:rPr>
-              <a:t>https://ichi.pro/6-tsu-no-moderu-de-no-swish-kansu-no-jikken-265570078399001</a:t>
-            </a:r>
-            <a:endParaRPr lang="en-US" altLang="ja-JP" sz="1600" dirty="0" smtClean="0">
+              </a:rPr>
+              <a:t>[2021.04.17] </a:t>
+            </a:r>
+            <a:r>
+              <a:rPr lang="en-US" altLang="ja-JP" sz="2000" dirty="0" err="1"/>
+              <a:t>EfficientNet</a:t>
+            </a:r>
+            <a:r>
+              <a:rPr lang="en-US" altLang="ja-JP" sz="2000" dirty="0"/>
+              <a:t> B0〜B7</a:t>
+            </a:r>
+            <a:r>
+              <a:rPr lang="ja-JP" altLang="en-US" sz="2000" dirty="0"/>
+              <a:t>で画像分類器を転移学習してみる</a:t>
+            </a:r>
+            <a:endParaRPr lang="en-US" altLang="ja-JP" sz="2000" dirty="0">
               <a:ea typeface="メイリオ" panose="020B0604030504040204" pitchFamily="50" charset="-128"/>
               <a:cs typeface="HackGen" panose="020B0509020203020207" pitchFamily="49" charset="-128"/>
             </a:endParaRPr>
           </a:p>
           <a:p>
-            <a:r>
-              <a:rPr lang="en-US" altLang="ja-JP" sz="2000" dirty="0" smtClean="0">
+            <a:pPr lvl="1"/>
+            <a:r>
+              <a:rPr lang="en-US" altLang="ja-JP" sz="1600" dirty="0">
                 <a:ea typeface="メイリオ" panose="020B0604030504040204" pitchFamily="50" charset="-128"/>
                 <a:cs typeface="HackGen" panose="020B0509020203020207" pitchFamily="49" charset="-128"/>
-              </a:rPr>
-              <a:t>[</a:t>
-            </a:r>
-            <a:r>
-              <a:rPr lang="en-US" altLang="ja-JP" sz="2000" dirty="0">
-                <a:ea typeface="メイリオ" panose="020B0604030504040204" pitchFamily="50" charset="-128"/>
-                <a:cs typeface="HackGen" panose="020B0509020203020207" pitchFamily="49" charset="-128"/>
-              </a:rPr>
-              <a:t>2019.10.14] 【</a:t>
-            </a:r>
-            <a:r>
-              <a:rPr lang="ja-JP" altLang="en-US" sz="2000" dirty="0">
-                <a:ea typeface="メイリオ" panose="020B0604030504040204" pitchFamily="50" charset="-128"/>
-                <a:cs typeface="HackGen" panose="020B0509020203020207" pitchFamily="49" charset="-128"/>
-              </a:rPr>
-              <a:t>深層学習</a:t>
-            </a:r>
-            <a:r>
-              <a:rPr lang="en-US" altLang="ja-JP" sz="2000" dirty="0">
-                <a:ea typeface="メイリオ" panose="020B0604030504040204" pitchFamily="50" charset="-128"/>
-                <a:cs typeface="HackGen" panose="020B0509020203020207" pitchFamily="49" charset="-128"/>
-              </a:rPr>
-              <a:t>】CNN</a:t>
-            </a:r>
-            <a:r>
-              <a:rPr lang="ja-JP" altLang="en-US" sz="2000" dirty="0">
-                <a:ea typeface="メイリオ" panose="020B0604030504040204" pitchFamily="50" charset="-128"/>
-                <a:cs typeface="HackGen" panose="020B0509020203020207" pitchFamily="49" charset="-128"/>
-              </a:rPr>
-              <a:t>を用いた画像分類手法まとめ（</a:t>
-            </a:r>
-            <a:r>
-              <a:rPr lang="en-US" altLang="ja-JP" sz="2000" dirty="0">
-                <a:ea typeface="メイリオ" panose="020B0604030504040204" pitchFamily="50" charset="-128"/>
-                <a:cs typeface="HackGen" panose="020B0509020203020207" pitchFamily="49" charset="-128"/>
-              </a:rPr>
-              <a:t>VGG, </a:t>
-            </a:r>
-            <a:r>
-              <a:rPr lang="en-US" altLang="ja-JP" sz="2000" dirty="0" err="1">
-                <a:ea typeface="メイリオ" panose="020B0604030504040204" pitchFamily="50" charset="-128"/>
-                <a:cs typeface="HackGen" panose="020B0509020203020207" pitchFamily="49" charset="-128"/>
-              </a:rPr>
-              <a:t>ResNet</a:t>
-            </a:r>
-            <a:r>
-              <a:rPr lang="en-US" altLang="ja-JP" sz="2000" dirty="0">
-                <a:ea typeface="メイリオ" panose="020B0604030504040204" pitchFamily="50" charset="-128"/>
-                <a:cs typeface="HackGen" panose="020B0509020203020207" pitchFamily="49" charset="-128"/>
-              </a:rPr>
-              <a:t>, Inception</a:t>
-            </a:r>
-            <a:r>
-              <a:rPr lang="ja-JP" altLang="en-US" sz="2000" dirty="0">
-                <a:ea typeface="メイリオ" panose="020B0604030504040204" pitchFamily="50" charset="-128"/>
-                <a:cs typeface="HackGen" panose="020B0509020203020207" pitchFamily="49" charset="-128"/>
-              </a:rPr>
-              <a:t>など</a:t>
-            </a:r>
-            <a:r>
-              <a:rPr lang="ja-JP" altLang="en-US" sz="2000" dirty="0" smtClean="0">
-                <a:ea typeface="メイリオ" panose="020B0604030504040204" pitchFamily="50" charset="-128"/>
-                <a:cs typeface="HackGen" panose="020B0509020203020207" pitchFamily="49" charset="-128"/>
-              </a:rPr>
-              <a:t>）</a:t>
-            </a:r>
-            <a:endParaRPr lang="en-US" altLang="ja-JP" sz="2000" dirty="0" smtClean="0">
+                <a:hlinkClick r:id="rId4"/>
+              </a:rPr>
+              <a:t>https://zenn.dev/kleamp1e/articles/202104-efficientnet</a:t>
+            </a:r>
+            <a:endParaRPr lang="en-US" altLang="ja-JP" sz="1600" dirty="0">
               <a:ea typeface="メイリオ" panose="020B0604030504040204" pitchFamily="50" charset="-128"/>
               <a:cs typeface="HackGen" panose="020B0509020203020207" pitchFamily="49" charset="-128"/>
             </a:endParaRPr>
           </a:p>
           <a:p>
-            <a:pPr lvl="1"/>
-            <a:r>
-              <a:rPr lang="en-US" altLang="ja-JP" sz="1600" dirty="0">
+            <a:r>
+              <a:rPr lang="en-US" altLang="ja-JP" sz="2000" dirty="0">
                 <a:ea typeface="メイリオ" panose="020B0604030504040204" pitchFamily="50" charset="-128"/>
                 <a:cs typeface="HackGen" panose="020B0509020203020207" pitchFamily="49" charset="-128"/>
-                <a:hlinkClick r:id="rId8"/>
-              </a:rPr>
-              <a:t>https://</a:t>
-            </a:r>
-            <a:r>
-              <a:rPr lang="en-US" altLang="ja-JP" sz="1600" dirty="0" smtClean="0">
-                <a:ea typeface="メイリオ" panose="020B0604030504040204" pitchFamily="50" charset="-128"/>
-                <a:cs typeface="HackGen" panose="020B0509020203020207" pitchFamily="49" charset="-128"/>
-                <a:hlinkClick r:id="rId8"/>
-              </a:rPr>
-              <a:t>ys0510.hatenablog.com/entry/cnn_backbone</a:t>
-            </a:r>
-            <a:endParaRPr lang="en-US" altLang="ja-JP" sz="1600" dirty="0" smtClean="0">
+              </a:rPr>
+              <a:t>[2021.07.30] </a:t>
+            </a:r>
+            <a:r>
+              <a:rPr lang="en-US" altLang="ja-JP" sz="2000" dirty="0" err="1"/>
+              <a:t>EfficientNet</a:t>
+            </a:r>
+            <a:r>
+              <a:rPr lang="en-US" altLang="ja-JP" sz="2000" dirty="0"/>
+              <a:t>: </a:t>
+            </a:r>
+            <a:r>
+              <a:rPr lang="ja-JP" altLang="en-US" sz="2000" dirty="0"/>
+              <a:t>複合スケールによる効率的な画像分類器</a:t>
+            </a:r>
+            <a:endParaRPr lang="en-US" altLang="ja-JP" sz="2000" dirty="0">
               <a:ea typeface="メイリオ" panose="020B0604030504040204" pitchFamily="50" charset="-128"/>
               <a:cs typeface="HackGen" panose="020B0509020203020207" pitchFamily="49" charset="-128"/>
             </a:endParaRPr>
           </a:p>
           <a:p>
             <a:pPr lvl="1"/>
-            <a:endParaRPr lang="en-US" altLang="ja-JP" sz="1600" dirty="0" smtClean="0">
+            <a:r>
+              <a:rPr lang="en-US" altLang="ja-JP" sz="1600" dirty="0">
+                <a:ea typeface="メイリオ" panose="020B0604030504040204" pitchFamily="50" charset="-128"/>
+                <a:cs typeface="HackGen" panose="020B0509020203020207" pitchFamily="49" charset="-128"/>
+                <a:hlinkClick r:id="rId5"/>
+              </a:rPr>
+              <a:t>https://kikaben.com/efficientnet/</a:t>
+            </a:r>
+            <a:endParaRPr lang="en-US" altLang="ja-JP" sz="1600" dirty="0">
               <a:ea typeface="メイリオ" panose="020B0604030504040204" pitchFamily="50" charset="-128"/>
               <a:cs typeface="HackGen" panose="020B0509020203020207" pitchFamily="49" charset="-128"/>
             </a:endParaRPr>
           </a:p>
           <a:p>
+            <a:r>
+              <a:rPr lang="en-US" altLang="ja-JP" sz="2000" dirty="0">
+                <a:ea typeface="メイリオ" panose="020B0604030504040204" pitchFamily="50" charset="-128"/>
+                <a:cs typeface="HackGen" panose="020B0509020203020207" pitchFamily="49" charset="-128"/>
+              </a:rPr>
+              <a:t>Neural Network Console</a:t>
+            </a:r>
+          </a:p>
+          <a:p>
             <a:pPr lvl="1"/>
-            <a:endParaRPr lang="en-US" altLang="ja-JP" sz="1600" dirty="0" smtClean="0">
+            <a:r>
+              <a:rPr lang="en-US" altLang="ja-JP" sz="1600" dirty="0">
+                <a:ea typeface="メイリオ" panose="020B0604030504040204" pitchFamily="50" charset="-128"/>
+                <a:cs typeface="HackGen" panose="020B0509020203020207" pitchFamily="49" charset="-128"/>
+                <a:hlinkClick r:id="rId6"/>
+              </a:rPr>
+              <a:t>https://www.youtube.com/channel/UCRTV5p4JsXV3YTdYpTJECRA</a:t>
+            </a:r>
+            <a:endParaRPr lang="en-US" altLang="ja-JP" sz="1600" dirty="0">
+              <a:ea typeface="メイリオ" panose="020B0604030504040204" pitchFamily="50" charset="-128"/>
+              <a:cs typeface="HackGen" panose="020B0509020203020207" pitchFamily="49" charset="-128"/>
+            </a:endParaRPr>
+          </a:p>
+          <a:p>
+            <a:r>
+              <a:rPr lang="en-US" altLang="ja-JP" sz="2000" dirty="0"/>
+              <a:t>6</a:t>
+            </a:r>
+            <a:r>
+              <a:rPr lang="ja-JP" altLang="en-US" sz="2000" dirty="0" err="1"/>
+              <a:t>つの</a:t>
+            </a:r>
+            <a:r>
+              <a:rPr lang="ja-JP" altLang="en-US" sz="2000" dirty="0"/>
+              <a:t>モデルでの</a:t>
+            </a:r>
+            <a:r>
+              <a:rPr lang="en-US" altLang="ja-JP" sz="2000" dirty="0"/>
+              <a:t>Swish</a:t>
+            </a:r>
+            <a:r>
+              <a:rPr lang="ja-JP" altLang="en-US" sz="2000" dirty="0"/>
+              <a:t>関数の実験</a:t>
+            </a:r>
+            <a:endParaRPr lang="en-US" altLang="ja-JP" sz="2000" dirty="0">
+              <a:ea typeface="メイリオ" panose="020B0604030504040204" pitchFamily="50" charset="-128"/>
+              <a:cs typeface="HackGen" panose="020B0509020203020207" pitchFamily="49" charset="-128"/>
+            </a:endParaRPr>
+          </a:p>
+          <a:p>
+            <a:pPr lvl="1"/>
+            <a:r>
+              <a:rPr lang="en-US" altLang="ja-JP" sz="1600" dirty="0">
+                <a:ea typeface="メイリオ" panose="020B0604030504040204" pitchFamily="50" charset="-128"/>
+                <a:cs typeface="HackGen" panose="020B0509020203020207" pitchFamily="49" charset="-128"/>
+                <a:hlinkClick r:id="rId7"/>
+              </a:rPr>
+              <a:t>https://ichi.pro/6-tsu-no-moderu-de-no-swish-kansu-no-jikken-265570078399001</a:t>
+            </a:r>
+            <a:endParaRPr lang="en-US" altLang="ja-JP" sz="1600" dirty="0">
+              <a:ea typeface="メイリオ" panose="020B0604030504040204" pitchFamily="50" charset="-128"/>
+              <a:cs typeface="HackGen" panose="020B0509020203020207" pitchFamily="49" charset="-128"/>
+            </a:endParaRPr>
+          </a:p>
+          <a:p>
+            <a:r>
+              <a:rPr lang="en-US" altLang="ja-JP" sz="2000" dirty="0">
+                <a:ea typeface="メイリオ" panose="020B0604030504040204" pitchFamily="50" charset="-128"/>
+                <a:cs typeface="HackGen" panose="020B0509020203020207" pitchFamily="49" charset="-128"/>
+              </a:rPr>
+              <a:t>[2019.10.14] 【</a:t>
+            </a:r>
+            <a:r>
+              <a:rPr lang="ja-JP" altLang="en-US" sz="2000" dirty="0">
+                <a:ea typeface="メイリオ" panose="020B0604030504040204" pitchFamily="50" charset="-128"/>
+                <a:cs typeface="HackGen" panose="020B0509020203020207" pitchFamily="49" charset="-128"/>
+              </a:rPr>
+              <a:t>深層学習</a:t>
+            </a:r>
+            <a:r>
+              <a:rPr lang="en-US" altLang="ja-JP" sz="2000" dirty="0">
+                <a:ea typeface="メイリオ" panose="020B0604030504040204" pitchFamily="50" charset="-128"/>
+                <a:cs typeface="HackGen" panose="020B0509020203020207" pitchFamily="49" charset="-128"/>
+              </a:rPr>
+              <a:t>】CNN</a:t>
+            </a:r>
+            <a:r>
+              <a:rPr lang="ja-JP" altLang="en-US" sz="2000" dirty="0">
+                <a:ea typeface="メイリオ" panose="020B0604030504040204" pitchFamily="50" charset="-128"/>
+                <a:cs typeface="HackGen" panose="020B0509020203020207" pitchFamily="49" charset="-128"/>
+              </a:rPr>
+              <a:t>を用いた画像分類手法まとめ（</a:t>
+            </a:r>
+            <a:r>
+              <a:rPr lang="en-US" altLang="ja-JP" sz="2000" dirty="0">
+                <a:ea typeface="メイリオ" panose="020B0604030504040204" pitchFamily="50" charset="-128"/>
+                <a:cs typeface="HackGen" panose="020B0509020203020207" pitchFamily="49" charset="-128"/>
+              </a:rPr>
+              <a:t>VGG, </a:t>
+            </a:r>
+            <a:r>
+              <a:rPr lang="en-US" altLang="ja-JP" sz="2000" dirty="0" err="1">
+                <a:ea typeface="メイリオ" panose="020B0604030504040204" pitchFamily="50" charset="-128"/>
+                <a:cs typeface="HackGen" panose="020B0509020203020207" pitchFamily="49" charset="-128"/>
+              </a:rPr>
+              <a:t>ResNet</a:t>
+            </a:r>
+            <a:r>
+              <a:rPr lang="en-US" altLang="ja-JP" sz="2000" dirty="0">
+                <a:ea typeface="メイリオ" panose="020B0604030504040204" pitchFamily="50" charset="-128"/>
+                <a:cs typeface="HackGen" panose="020B0509020203020207" pitchFamily="49" charset="-128"/>
+              </a:rPr>
+              <a:t>, Inception</a:t>
+            </a:r>
+            <a:r>
+              <a:rPr lang="ja-JP" altLang="en-US" sz="2000" dirty="0">
+                <a:ea typeface="メイリオ" panose="020B0604030504040204" pitchFamily="50" charset="-128"/>
+                <a:cs typeface="HackGen" panose="020B0509020203020207" pitchFamily="49" charset="-128"/>
+              </a:rPr>
+              <a:t>など）</a:t>
+            </a:r>
+            <a:endParaRPr lang="en-US" altLang="ja-JP" sz="2000" dirty="0">
+              <a:ea typeface="メイリオ" panose="020B0604030504040204" pitchFamily="50" charset="-128"/>
+              <a:cs typeface="HackGen" panose="020B0509020203020207" pitchFamily="49" charset="-128"/>
+            </a:endParaRPr>
+          </a:p>
+          <a:p>
+            <a:pPr lvl="1"/>
+            <a:r>
+              <a:rPr lang="en-US" altLang="ja-JP" sz="1600" dirty="0">
+                <a:ea typeface="メイリオ" panose="020B0604030504040204" pitchFamily="50" charset="-128"/>
+                <a:cs typeface="HackGen" panose="020B0509020203020207" pitchFamily="49" charset="-128"/>
+                <a:hlinkClick r:id="rId8"/>
+              </a:rPr>
+              <a:t>https://ys0510.hatenablog.com/entry/cnn_backbone</a:t>
+            </a:r>
+            <a:endParaRPr lang="en-US" altLang="ja-JP" sz="1600" dirty="0">
+              <a:ea typeface="メイリオ" panose="020B0604030504040204" pitchFamily="50" charset="-128"/>
+              <a:cs typeface="HackGen" panose="020B0509020203020207" pitchFamily="49" charset="-128"/>
+            </a:endParaRPr>
+          </a:p>
+          <a:p>
+            <a:pPr lvl="1"/>
+            <a:endParaRPr lang="en-US" altLang="ja-JP" sz="1600" dirty="0">
+              <a:ea typeface="メイリオ" panose="020B0604030504040204" pitchFamily="50" charset="-128"/>
+              <a:cs typeface="HackGen" panose="020B0509020203020207" pitchFamily="49" charset="-128"/>
+            </a:endParaRPr>
+          </a:p>
+          <a:p>
+            <a:pPr lvl="1"/>
+            <a:endParaRPr lang="en-US" altLang="ja-JP" sz="1600" dirty="0">
               <a:ea typeface="メイリオ" panose="020B0604030504040204" pitchFamily="50" charset="-128"/>
               <a:cs typeface="HackGen" panose="020B0509020203020207" pitchFamily="49" charset="-128"/>
             </a:endParaRPr>
